--- a/ui/resource/软件介绍.pptx
+++ b/ui/resource/软件介绍.pptx
@@ -5,10 +5,10 @@
     <p:sldMasterId id="2147483683" r:id="rId1"/>
   </p:sldMasterIdLst>
   <p:notesMasterIdLst>
-    <p:notesMasterId r:id="rId46"/>
+    <p:notesMasterId r:id="rId47"/>
   </p:notesMasterIdLst>
   <p:handoutMasterIdLst>
-    <p:handoutMasterId r:id="rId47"/>
+    <p:handoutMasterId r:id="rId48"/>
   </p:handoutMasterIdLst>
   <p:sldIdLst>
     <p:sldId id="534" r:id="rId2"/>
@@ -55,11 +55,12 @@
     <p:sldId id="553" r:id="rId43"/>
     <p:sldId id="554" r:id="rId44"/>
     <p:sldId id="531" r:id="rId45"/>
+    <p:sldId id="555" r:id="rId46"/>
   </p:sldIdLst>
   <p:sldSz cx="12192000" cy="6858000"/>
   <p:notesSz cx="6858000" cy="9144000"/>
   <p:custDataLst>
-    <p:tags r:id="rId48"/>
+    <p:tags r:id="rId49"/>
   </p:custDataLst>
   <p:defaultTextStyle>
     <a:defPPr>
@@ -213,6 +214,7 @@
             <p14:sldId id="553"/>
             <p14:sldId id="554"/>
             <p14:sldId id="531"/>
+            <p14:sldId id="555"/>
           </p14:sldIdLst>
         </p14:section>
       </p14:sectionLst>
@@ -11784,7 +11786,7 @@
           <a:p>
             <a:fld id="{285264BB-8F8A-4D4A-88A3-0640162C694A}" type="datetimeFigureOut">
               <a:rPr lang="zh-CN" altLang="en-US" smtClean="0"/>
-              <a:t>2024/4/10</a:t>
+              <a:t>2024/11/5</a:t>
             </a:fld>
             <a:endParaRPr lang="zh-CN" altLang="en-US"/>
           </a:p>
@@ -11949,7 +11951,7 @@
           <a:p>
             <a:fld id="{C3C1C5A8-D213-43C4-B748-86D822F1E0AF}" type="datetimeFigureOut">
               <a:rPr lang="zh-CN" altLang="en-US" smtClean="0"/>
-              <a:t>2024/4/10</a:t>
+              <a:t>2024/11/5</a:t>
             </a:fld>
             <a:endParaRPr lang="zh-CN" altLang="en-US"/>
           </a:p>
@@ -17937,6 +17939,93 @@
 </p:notes>
 </file>
 
+<file path=ppt/notesSlides/notesSlide44.xml><?xml version="1.0" encoding="utf-8"?>
+<p:notes xmlns:a="http://schemas.openxmlformats.org/drawingml/2006/main" xmlns:r="http://schemas.openxmlformats.org/officeDocument/2006/relationships" xmlns:p="http://schemas.openxmlformats.org/presentationml/2006/main">
+  <p:cSld>
+    <p:spTree>
+      <p:nvGrpSpPr>
+        <p:cNvPr id="1" name=""/>
+        <p:cNvGrpSpPr/>
+        <p:nvPr/>
+      </p:nvGrpSpPr>
+      <p:grpSpPr>
+        <a:xfrm>
+          <a:off x="0" y="0"/>
+          <a:ext cx="0" cy="0"/>
+          <a:chOff x="0" y="0"/>
+          <a:chExt cx="0" cy="0"/>
+        </a:xfrm>
+      </p:grpSpPr>
+      <p:sp>
+        <p:nvSpPr>
+          <p:cNvPr id="2" name="幻灯片图像占位符 1"/>
+          <p:cNvSpPr>
+            <a:spLocks noGrp="1" noRot="1" noChangeAspect="1"/>
+          </p:cNvSpPr>
+          <p:nvPr>
+            <p:ph type="sldImg"/>
+          </p:nvPr>
+        </p:nvSpPr>
+        <p:spPr/>
+      </p:sp>
+      <p:sp>
+        <p:nvSpPr>
+          <p:cNvPr id="3" name="备注占位符 2"/>
+          <p:cNvSpPr>
+            <a:spLocks noGrp="1"/>
+          </p:cNvSpPr>
+          <p:nvPr>
+            <p:ph type="body" idx="1"/>
+          </p:nvPr>
+        </p:nvSpPr>
+        <p:spPr/>
+        <p:txBody>
+          <a:bodyPr/>
+          <a:lstStyle/>
+          <a:p>
+            <a:r>
+              <a:rPr lang="zh-CN" altLang="en-US" dirty="0"/>
+              <a:t>项目结构</a:t>
+            </a:r>
+          </a:p>
+        </p:txBody>
+      </p:sp>
+      <p:sp>
+        <p:nvSpPr>
+          <p:cNvPr id="4" name="灯片编号占位符 3"/>
+          <p:cNvSpPr>
+            <a:spLocks noGrp="1"/>
+          </p:cNvSpPr>
+          <p:nvPr>
+            <p:ph type="sldNum" sz="quarter" idx="5"/>
+          </p:nvPr>
+        </p:nvSpPr>
+        <p:spPr/>
+        <p:txBody>
+          <a:bodyPr/>
+          <a:lstStyle/>
+          <a:p>
+            <a:fld id="{5DE12CCA-7540-48DB-8E56-327F4EA06BC9}" type="slidenum">
+              <a:rPr lang="zh-CN" altLang="en-US" smtClean="0"/>
+              <a:t>45</a:t>
+            </a:fld>
+            <a:endParaRPr lang="zh-CN" altLang="en-US"/>
+          </a:p>
+        </p:txBody>
+      </p:sp>
+    </p:spTree>
+    <p:extLst>
+      <p:ext uri="{BB962C8B-B14F-4D97-AF65-F5344CB8AC3E}">
+        <p14:creationId xmlns:p14="http://schemas.microsoft.com/office/powerpoint/2010/main" val="2317357293"/>
+      </p:ext>
+    </p:extLst>
+  </p:cSld>
+  <p:clrMapOvr>
+    <a:masterClrMapping/>
+  </p:clrMapOvr>
+</p:notes>
+</file>
+
 <file path=ppt/notesSlides/notesSlide5.xml><?xml version="1.0" encoding="utf-8"?>
 <p:notes xmlns:a="http://schemas.openxmlformats.org/drawingml/2006/main" xmlns:r="http://schemas.openxmlformats.org/officeDocument/2006/relationships" xmlns:p="http://schemas.openxmlformats.org/presentationml/2006/main">
   <p:cSld>
@@ -18595,7 +18684,7 @@
           <a:p>
             <a:fld id="{760FBDFE-C587-4B4C-A407-44438C67B59E}" type="datetimeFigureOut">
               <a:rPr lang="zh-CN" altLang="en-US" smtClean="0"/>
-              <a:t>2024/4/10</a:t>
+              <a:t>2024/11/5</a:t>
             </a:fld>
             <a:endParaRPr lang="zh-CN" altLang="en-US"/>
           </a:p>
@@ -19038,7 +19127,7 @@
             <a:fld id="{96DFF08F-DC6B-4601-B491-B0F83F6DD2DA}" type="datetimeFigureOut">
               <a:rPr lang="en-US" dirty="0"/>
               <a:pPr/>
-              <a:t>4/10/2024</a:t>
+              <a:t>11/5/2024</a:t>
             </a:fld>
             <a:endParaRPr lang="en-US" dirty="0"/>
           </a:p>
@@ -41667,6 +41756,2665 @@
 </p:sld>
 </file>
 
+<file path=ppt/slides/slide45.xml><?xml version="1.0" encoding="utf-8"?>
+<p:sld xmlns:a="http://schemas.openxmlformats.org/drawingml/2006/main" xmlns:r="http://schemas.openxmlformats.org/officeDocument/2006/relationships" xmlns:p="http://schemas.openxmlformats.org/presentationml/2006/main">
+  <p:cSld>
+    <p:spTree>
+      <p:nvGrpSpPr>
+        <p:cNvPr id="1" name=""/>
+        <p:cNvGrpSpPr/>
+        <p:nvPr/>
+      </p:nvGrpSpPr>
+      <p:grpSpPr>
+        <a:xfrm>
+          <a:off x="0" y="0"/>
+          <a:ext cx="0" cy="0"/>
+          <a:chOff x="0" y="0"/>
+          <a:chExt cx="0" cy="0"/>
+        </a:xfrm>
+      </p:grpSpPr>
+      <p:sp>
+        <p:nvSpPr>
+          <p:cNvPr id="55" name="矩形 54">
+            <a:extLst>
+              <a:ext uri="{FF2B5EF4-FFF2-40B4-BE49-F238E27FC236}">
+                <a16:creationId xmlns:a16="http://schemas.microsoft.com/office/drawing/2014/main" id="{87608B71-8862-F2CD-D21F-A85A0ECAFA0E}"/>
+              </a:ext>
+            </a:extLst>
+          </p:cNvPr>
+          <p:cNvSpPr/>
+          <p:nvPr/>
+        </p:nvSpPr>
+        <p:spPr>
+          <a:xfrm>
+            <a:off x="291061" y="399011"/>
+            <a:ext cx="11594651" cy="5976851"/>
+          </a:xfrm>
+          <a:prstGeom prst="rect">
+            <a:avLst/>
+          </a:prstGeom>
+          <a:solidFill>
+            <a:schemeClr val="bg1"/>
+          </a:solidFill>
+        </p:spPr>
+        <p:style>
+          <a:lnRef idx="2">
+            <a:schemeClr val="accent1">
+              <a:shade val="15000"/>
+            </a:schemeClr>
+          </a:lnRef>
+          <a:fillRef idx="1">
+            <a:schemeClr val="accent1"/>
+          </a:fillRef>
+          <a:effectRef idx="0">
+            <a:schemeClr val="accent1"/>
+          </a:effectRef>
+          <a:fontRef idx="minor">
+            <a:schemeClr val="lt1"/>
+          </a:fontRef>
+        </p:style>
+        <p:txBody>
+          <a:bodyPr rtlCol="0" anchor="ctr"/>
+          <a:lstStyle/>
+          <a:p>
+            <a:pPr algn="ctr"/>
+            <a:endParaRPr lang="zh-CN" altLang="en-US" dirty="0"/>
+          </a:p>
+        </p:txBody>
+      </p:sp>
+      <p:sp>
+        <p:nvSpPr>
+          <p:cNvPr id="3" name="文本框 2">
+            <a:extLst>
+              <a:ext uri="{FF2B5EF4-FFF2-40B4-BE49-F238E27FC236}">
+                <a16:creationId xmlns:a16="http://schemas.microsoft.com/office/drawing/2014/main" id="{9F17B3D5-6F09-E4FB-22DD-6E0F86E08427}"/>
+              </a:ext>
+            </a:extLst>
+          </p:cNvPr>
+          <p:cNvSpPr txBox="1"/>
+          <p:nvPr/>
+        </p:nvSpPr>
+        <p:spPr>
+          <a:xfrm>
+            <a:off x="236469" y="490196"/>
+            <a:ext cx="1806905" cy="461665"/>
+          </a:xfrm>
+          <a:prstGeom prst="rect">
+            <a:avLst/>
+          </a:prstGeom>
+          <a:noFill/>
+        </p:spPr>
+        <p:txBody>
+          <a:bodyPr wrap="none" rtlCol="0">
+            <a:spAutoFit/>
+          </a:bodyPr>
+          <a:lstStyle/>
+          <a:p>
+            <a:r>
+              <a:rPr lang="zh-CN" altLang="en-US" sz="2400" dirty="0">
+                <a:latin typeface="Times New Roman" panose="02020603050405020304" pitchFamily="18" charset="0"/>
+                <a:ea typeface="黑体" panose="02010609060101010101" pitchFamily="49" charset="-122"/>
+                <a:cs typeface="Times New Roman" panose="02020603050405020304" pitchFamily="18" charset="0"/>
+              </a:rPr>
+              <a:t>主项目</a:t>
+            </a:r>
+            <a:r>
+              <a:rPr lang="en-US" altLang="zh-CN" sz="2400" dirty="0">
+                <a:latin typeface="Times New Roman" panose="02020603050405020304" pitchFamily="18" charset="0"/>
+                <a:ea typeface="黑体" panose="02010609060101010101" pitchFamily="49" charset="-122"/>
+                <a:cs typeface="Times New Roman" panose="02020603050405020304" pitchFamily="18" charset="0"/>
+              </a:rPr>
+              <a:t>/main</a:t>
+            </a:r>
+            <a:endParaRPr lang="zh-CN" altLang="en-US" sz="2400" dirty="0">
+              <a:latin typeface="Times New Roman" panose="02020603050405020304" pitchFamily="18" charset="0"/>
+              <a:ea typeface="黑体" panose="02010609060101010101" pitchFamily="49" charset="-122"/>
+              <a:cs typeface="Times New Roman" panose="02020603050405020304" pitchFamily="18" charset="0"/>
+            </a:endParaRPr>
+          </a:p>
+        </p:txBody>
+      </p:sp>
+      <p:sp>
+        <p:nvSpPr>
+          <p:cNvPr id="4" name="文本框 3">
+            <a:extLst>
+              <a:ext uri="{FF2B5EF4-FFF2-40B4-BE49-F238E27FC236}">
+                <a16:creationId xmlns:a16="http://schemas.microsoft.com/office/drawing/2014/main" id="{D7851C67-0E6F-0B14-2901-D8138CF252D5}"/>
+              </a:ext>
+            </a:extLst>
+          </p:cNvPr>
+          <p:cNvSpPr txBox="1"/>
+          <p:nvPr/>
+        </p:nvSpPr>
+        <p:spPr>
+          <a:xfrm>
+            <a:off x="236469" y="1510236"/>
+            <a:ext cx="1806905" cy="461665"/>
+          </a:xfrm>
+          <a:prstGeom prst="rect">
+            <a:avLst/>
+          </a:prstGeom>
+          <a:noFill/>
+        </p:spPr>
+        <p:txBody>
+          <a:bodyPr wrap="none" rtlCol="0">
+            <a:spAutoFit/>
+          </a:bodyPr>
+          <a:lstStyle/>
+          <a:p>
+            <a:r>
+              <a:rPr lang="zh-CN" altLang="en-US" sz="2400" dirty="0">
+                <a:latin typeface="Times New Roman" panose="02020603050405020304" pitchFamily="18" charset="0"/>
+                <a:ea typeface="黑体" panose="02010609060101010101" pitchFamily="49" charset="-122"/>
+                <a:cs typeface="Times New Roman" panose="02020603050405020304" pitchFamily="18" charset="0"/>
+              </a:rPr>
+              <a:t>子项目</a:t>
+            </a:r>
+            <a:r>
+              <a:rPr lang="en-US" altLang="zh-CN" sz="2400" dirty="0">
+                <a:latin typeface="Times New Roman" panose="02020603050405020304" pitchFamily="18" charset="0"/>
+                <a:ea typeface="黑体" panose="02010609060101010101" pitchFamily="49" charset="-122"/>
+                <a:cs typeface="Times New Roman" panose="02020603050405020304" pitchFamily="18" charset="0"/>
+              </a:rPr>
+              <a:t>/child</a:t>
+            </a:r>
+            <a:endParaRPr lang="zh-CN" altLang="en-US" sz="2400" dirty="0">
+              <a:latin typeface="Times New Roman" panose="02020603050405020304" pitchFamily="18" charset="0"/>
+              <a:ea typeface="黑体" panose="02010609060101010101" pitchFamily="49" charset="-122"/>
+              <a:cs typeface="Times New Roman" panose="02020603050405020304" pitchFamily="18" charset="0"/>
+            </a:endParaRPr>
+          </a:p>
+        </p:txBody>
+      </p:sp>
+      <p:sp>
+        <p:nvSpPr>
+          <p:cNvPr id="5" name="文本框 4">
+            <a:extLst>
+              <a:ext uri="{FF2B5EF4-FFF2-40B4-BE49-F238E27FC236}">
+                <a16:creationId xmlns:a16="http://schemas.microsoft.com/office/drawing/2014/main" id="{E281884B-FF88-6A82-94CE-3E1417866072}"/>
+              </a:ext>
+            </a:extLst>
+          </p:cNvPr>
+          <p:cNvSpPr txBox="1"/>
+          <p:nvPr/>
+        </p:nvSpPr>
+        <p:spPr>
+          <a:xfrm>
+            <a:off x="236469" y="2563353"/>
+            <a:ext cx="1311578" cy="461665"/>
+          </a:xfrm>
+          <a:prstGeom prst="rect">
+            <a:avLst/>
+          </a:prstGeom>
+          <a:noFill/>
+        </p:spPr>
+        <p:txBody>
+          <a:bodyPr wrap="none" rtlCol="0">
+            <a:spAutoFit/>
+          </a:bodyPr>
+          <a:lstStyle/>
+          <a:p>
+            <a:r>
+              <a:rPr lang="zh-CN" altLang="en-US" sz="2400" dirty="0">
+                <a:latin typeface="Times New Roman" panose="02020603050405020304" pitchFamily="18" charset="0"/>
+                <a:ea typeface="黑体" panose="02010609060101010101" pitchFamily="49" charset="-122"/>
+                <a:cs typeface="Times New Roman" panose="02020603050405020304" pitchFamily="18" charset="0"/>
+              </a:rPr>
+              <a:t>应用</a:t>
+            </a:r>
+            <a:r>
+              <a:rPr lang="en-US" altLang="zh-CN" sz="2400" dirty="0">
+                <a:latin typeface="Times New Roman" panose="02020603050405020304" pitchFamily="18" charset="0"/>
+                <a:ea typeface="黑体" panose="02010609060101010101" pitchFamily="49" charset="-122"/>
+                <a:cs typeface="Times New Roman" panose="02020603050405020304" pitchFamily="18" charset="0"/>
+              </a:rPr>
+              <a:t>/exe</a:t>
+            </a:r>
+            <a:endParaRPr lang="zh-CN" altLang="en-US" sz="2400" dirty="0">
+              <a:latin typeface="Times New Roman" panose="02020603050405020304" pitchFamily="18" charset="0"/>
+              <a:ea typeface="黑体" panose="02010609060101010101" pitchFamily="49" charset="-122"/>
+              <a:cs typeface="Times New Roman" panose="02020603050405020304" pitchFamily="18" charset="0"/>
+            </a:endParaRPr>
+          </a:p>
+        </p:txBody>
+      </p:sp>
+      <p:sp>
+        <p:nvSpPr>
+          <p:cNvPr id="6" name="文本框 5">
+            <a:extLst>
+              <a:ext uri="{FF2B5EF4-FFF2-40B4-BE49-F238E27FC236}">
+                <a16:creationId xmlns:a16="http://schemas.microsoft.com/office/drawing/2014/main" id="{AEA996FB-4141-C67B-3645-67BE55084CF6}"/>
+              </a:ext>
+            </a:extLst>
+          </p:cNvPr>
+          <p:cNvSpPr txBox="1"/>
+          <p:nvPr/>
+        </p:nvSpPr>
+        <p:spPr>
+          <a:xfrm>
+            <a:off x="236469" y="3661175"/>
+            <a:ext cx="1739579" cy="461665"/>
+          </a:xfrm>
+          <a:prstGeom prst="rect">
+            <a:avLst/>
+          </a:prstGeom>
+          <a:noFill/>
+        </p:spPr>
+        <p:txBody>
+          <a:bodyPr wrap="none" rtlCol="0">
+            <a:spAutoFit/>
+          </a:bodyPr>
+          <a:lstStyle/>
+          <a:p>
+            <a:r>
+              <a:rPr lang="zh-CN" altLang="en-US" sz="2400" dirty="0">
+                <a:latin typeface="Times New Roman" panose="02020603050405020304" pitchFamily="18" charset="0"/>
+                <a:ea typeface="黑体" panose="02010609060101010101" pitchFamily="49" charset="-122"/>
+                <a:cs typeface="Times New Roman" panose="02020603050405020304" pitchFamily="18" charset="0"/>
+              </a:rPr>
+              <a:t>功能库</a:t>
+            </a:r>
+            <a:r>
+              <a:rPr lang="en-US" altLang="zh-CN" sz="2400" dirty="0">
+                <a:latin typeface="Times New Roman" panose="02020603050405020304" pitchFamily="18" charset="0"/>
+                <a:ea typeface="黑体" panose="02010609060101010101" pitchFamily="49" charset="-122"/>
+                <a:cs typeface="Times New Roman" panose="02020603050405020304" pitchFamily="18" charset="0"/>
+              </a:rPr>
+              <a:t>/</a:t>
+            </a:r>
+            <a:r>
+              <a:rPr lang="en-US" altLang="zh-CN" sz="2400" dirty="0" err="1">
+                <a:latin typeface="Times New Roman" panose="02020603050405020304" pitchFamily="18" charset="0"/>
+                <a:ea typeface="黑体" panose="02010609060101010101" pitchFamily="49" charset="-122"/>
+                <a:cs typeface="Times New Roman" panose="02020603050405020304" pitchFamily="18" charset="0"/>
+              </a:rPr>
+              <a:t>func</a:t>
+            </a:r>
+            <a:endParaRPr lang="zh-CN" altLang="en-US" sz="2400" dirty="0">
+              <a:latin typeface="Times New Roman" panose="02020603050405020304" pitchFamily="18" charset="0"/>
+              <a:ea typeface="黑体" panose="02010609060101010101" pitchFamily="49" charset="-122"/>
+              <a:cs typeface="Times New Roman" panose="02020603050405020304" pitchFamily="18" charset="0"/>
+            </a:endParaRPr>
+          </a:p>
+        </p:txBody>
+      </p:sp>
+      <p:sp>
+        <p:nvSpPr>
+          <p:cNvPr id="7" name="文本框 6">
+            <a:extLst>
+              <a:ext uri="{FF2B5EF4-FFF2-40B4-BE49-F238E27FC236}">
+                <a16:creationId xmlns:a16="http://schemas.microsoft.com/office/drawing/2014/main" id="{55BEE25D-1F74-BC16-6D8A-72ACBB2D4BBE}"/>
+              </a:ext>
+            </a:extLst>
+          </p:cNvPr>
+          <p:cNvSpPr txBox="1"/>
+          <p:nvPr/>
+        </p:nvSpPr>
+        <p:spPr>
+          <a:xfrm>
+            <a:off x="236469" y="5648809"/>
+            <a:ext cx="1739579" cy="461665"/>
+          </a:xfrm>
+          <a:prstGeom prst="rect">
+            <a:avLst/>
+          </a:prstGeom>
+          <a:noFill/>
+        </p:spPr>
+        <p:txBody>
+          <a:bodyPr wrap="none" rtlCol="0">
+            <a:spAutoFit/>
+          </a:bodyPr>
+          <a:lstStyle/>
+          <a:p>
+            <a:r>
+              <a:rPr lang="zh-CN" altLang="en-US" sz="2400" dirty="0">
+                <a:latin typeface="Times New Roman" panose="02020603050405020304" pitchFamily="18" charset="0"/>
+                <a:ea typeface="黑体" panose="02010609060101010101" pitchFamily="49" charset="-122"/>
+                <a:cs typeface="Times New Roman" panose="02020603050405020304" pitchFamily="18" charset="0"/>
+              </a:rPr>
+              <a:t>底层库</a:t>
+            </a:r>
+            <a:r>
+              <a:rPr lang="en-US" altLang="zh-CN" sz="2400" dirty="0">
+                <a:latin typeface="Times New Roman" panose="02020603050405020304" pitchFamily="18" charset="0"/>
+                <a:ea typeface="黑体" panose="02010609060101010101" pitchFamily="49" charset="-122"/>
+                <a:cs typeface="Times New Roman" panose="02020603050405020304" pitchFamily="18" charset="0"/>
+              </a:rPr>
+              <a:t>/base</a:t>
+            </a:r>
+            <a:endParaRPr lang="zh-CN" altLang="en-US" sz="2400" dirty="0">
+              <a:latin typeface="Times New Roman" panose="02020603050405020304" pitchFamily="18" charset="0"/>
+              <a:ea typeface="黑体" panose="02010609060101010101" pitchFamily="49" charset="-122"/>
+              <a:cs typeface="Times New Roman" panose="02020603050405020304" pitchFamily="18" charset="0"/>
+            </a:endParaRPr>
+          </a:p>
+        </p:txBody>
+      </p:sp>
+      <p:sp>
+        <p:nvSpPr>
+          <p:cNvPr id="8" name="文本框 7">
+            <a:extLst>
+              <a:ext uri="{FF2B5EF4-FFF2-40B4-BE49-F238E27FC236}">
+                <a16:creationId xmlns:a16="http://schemas.microsoft.com/office/drawing/2014/main" id="{AE930EA5-9775-CD51-AB09-E30C7C9B9EC2}"/>
+              </a:ext>
+            </a:extLst>
+          </p:cNvPr>
+          <p:cNvSpPr txBox="1"/>
+          <p:nvPr/>
+        </p:nvSpPr>
+        <p:spPr>
+          <a:xfrm>
+            <a:off x="5958215" y="485309"/>
+            <a:ext cx="611065" cy="461665"/>
+          </a:xfrm>
+          <a:prstGeom prst="rect">
+            <a:avLst/>
+          </a:prstGeom>
+        </p:spPr>
+        <p:style>
+          <a:lnRef idx="2">
+            <a:schemeClr val="accent1"/>
+          </a:lnRef>
+          <a:fillRef idx="1">
+            <a:schemeClr val="lt1"/>
+          </a:fillRef>
+          <a:effectRef idx="0">
+            <a:schemeClr val="accent1"/>
+          </a:effectRef>
+          <a:fontRef idx="minor">
+            <a:schemeClr val="dk1"/>
+          </a:fontRef>
+        </p:style>
+        <p:txBody>
+          <a:bodyPr wrap="none" rtlCol="0">
+            <a:spAutoFit/>
+          </a:bodyPr>
+          <a:lstStyle/>
+          <a:p>
+            <a:r>
+              <a:rPr lang="en-US" altLang="zh-CN" sz="2400" dirty="0" err="1">
+                <a:latin typeface="Times New Roman" panose="02020603050405020304" pitchFamily="18" charset="0"/>
+                <a:ea typeface="黑体" panose="02010609060101010101" pitchFamily="49" charset="-122"/>
+                <a:cs typeface="Times New Roman" panose="02020603050405020304" pitchFamily="18" charset="0"/>
+              </a:rPr>
+              <a:t>eva</a:t>
+            </a:r>
+            <a:endParaRPr lang="zh-CN" altLang="en-US" sz="2400" dirty="0">
+              <a:latin typeface="Times New Roman" panose="02020603050405020304" pitchFamily="18" charset="0"/>
+              <a:ea typeface="黑体" panose="02010609060101010101" pitchFamily="49" charset="-122"/>
+              <a:cs typeface="Times New Roman" panose="02020603050405020304" pitchFamily="18" charset="0"/>
+            </a:endParaRPr>
+          </a:p>
+        </p:txBody>
+      </p:sp>
+      <p:sp>
+        <p:nvSpPr>
+          <p:cNvPr id="9" name="文本框 8">
+            <a:extLst>
+              <a:ext uri="{FF2B5EF4-FFF2-40B4-BE49-F238E27FC236}">
+                <a16:creationId xmlns:a16="http://schemas.microsoft.com/office/drawing/2014/main" id="{DA7B3E85-B252-F264-BC5C-1C67CCF30278}"/>
+              </a:ext>
+            </a:extLst>
+          </p:cNvPr>
+          <p:cNvSpPr txBox="1"/>
+          <p:nvPr/>
+        </p:nvSpPr>
+        <p:spPr>
+          <a:xfrm>
+            <a:off x="2155113" y="1510236"/>
+            <a:ext cx="423514" cy="461665"/>
+          </a:xfrm>
+          <a:prstGeom prst="rect">
+            <a:avLst/>
+          </a:prstGeom>
+        </p:spPr>
+        <p:style>
+          <a:lnRef idx="2">
+            <a:schemeClr val="accent5"/>
+          </a:lnRef>
+          <a:fillRef idx="1">
+            <a:schemeClr val="lt1"/>
+          </a:fillRef>
+          <a:effectRef idx="0">
+            <a:schemeClr val="accent5"/>
+          </a:effectRef>
+          <a:fontRef idx="minor">
+            <a:schemeClr val="dk1"/>
+          </a:fontRef>
+        </p:style>
+        <p:txBody>
+          <a:bodyPr wrap="none" rtlCol="0">
+            <a:spAutoFit/>
+          </a:bodyPr>
+          <a:lstStyle/>
+          <a:p>
+            <a:r>
+              <a:rPr lang="en-US" altLang="zh-CN" sz="2400" dirty="0" err="1">
+                <a:latin typeface="Times New Roman" panose="02020603050405020304" pitchFamily="18" charset="0"/>
+                <a:ea typeface="黑体" panose="02010609060101010101" pitchFamily="49" charset="-122"/>
+                <a:cs typeface="Times New Roman" panose="02020603050405020304" pitchFamily="18" charset="0"/>
+              </a:rPr>
+              <a:t>ui</a:t>
+            </a:r>
+            <a:endParaRPr lang="zh-CN" altLang="en-US" sz="2400" dirty="0">
+              <a:latin typeface="Times New Roman" panose="02020603050405020304" pitchFamily="18" charset="0"/>
+              <a:ea typeface="黑体" panose="02010609060101010101" pitchFamily="49" charset="-122"/>
+              <a:cs typeface="Times New Roman" panose="02020603050405020304" pitchFamily="18" charset="0"/>
+            </a:endParaRPr>
+          </a:p>
+        </p:txBody>
+      </p:sp>
+      <p:sp>
+        <p:nvSpPr>
+          <p:cNvPr id="10" name="文本框 9">
+            <a:extLst>
+              <a:ext uri="{FF2B5EF4-FFF2-40B4-BE49-F238E27FC236}">
+                <a16:creationId xmlns:a16="http://schemas.microsoft.com/office/drawing/2014/main" id="{FF85A6D6-22BD-1166-6C9D-15A6EDD33E55}"/>
+              </a:ext>
+            </a:extLst>
+          </p:cNvPr>
+          <p:cNvSpPr txBox="1"/>
+          <p:nvPr/>
+        </p:nvSpPr>
+        <p:spPr>
+          <a:xfrm>
+            <a:off x="3874354" y="1510236"/>
+            <a:ext cx="1386918" cy="461665"/>
+          </a:xfrm>
+          <a:prstGeom prst="rect">
+            <a:avLst/>
+          </a:prstGeom>
+        </p:spPr>
+        <p:style>
+          <a:lnRef idx="2">
+            <a:schemeClr val="accent5"/>
+          </a:lnRef>
+          <a:fillRef idx="1">
+            <a:schemeClr val="lt1"/>
+          </a:fillRef>
+          <a:effectRef idx="0">
+            <a:schemeClr val="accent5"/>
+          </a:effectRef>
+          <a:fontRef idx="minor">
+            <a:schemeClr val="dk1"/>
+          </a:fontRef>
+        </p:style>
+        <p:txBody>
+          <a:bodyPr wrap="none" rtlCol="0">
+            <a:spAutoFit/>
+          </a:bodyPr>
+          <a:lstStyle/>
+          <a:p>
+            <a:r>
+              <a:rPr lang="en-US" altLang="zh-CN" sz="2400" dirty="0">
+                <a:latin typeface="Times New Roman" panose="02020603050405020304" pitchFamily="18" charset="0"/>
+                <a:ea typeface="黑体" panose="02010609060101010101" pitchFamily="49" charset="-122"/>
+                <a:cs typeface="Times New Roman" panose="02020603050405020304" pitchFamily="18" charset="0"/>
+              </a:rPr>
+              <a:t>llama.cpp</a:t>
+            </a:r>
+            <a:endParaRPr lang="zh-CN" altLang="en-US" sz="2400" dirty="0">
+              <a:latin typeface="Times New Roman" panose="02020603050405020304" pitchFamily="18" charset="0"/>
+              <a:ea typeface="黑体" panose="02010609060101010101" pitchFamily="49" charset="-122"/>
+              <a:cs typeface="Times New Roman" panose="02020603050405020304" pitchFamily="18" charset="0"/>
+            </a:endParaRPr>
+          </a:p>
+        </p:txBody>
+      </p:sp>
+      <p:sp>
+        <p:nvSpPr>
+          <p:cNvPr id="11" name="文本框 10">
+            <a:extLst>
+              <a:ext uri="{FF2B5EF4-FFF2-40B4-BE49-F238E27FC236}">
+                <a16:creationId xmlns:a16="http://schemas.microsoft.com/office/drawing/2014/main" id="{A3F680C4-57CD-87CF-6099-818C24816BB1}"/>
+              </a:ext>
+            </a:extLst>
+          </p:cNvPr>
+          <p:cNvSpPr txBox="1"/>
+          <p:nvPr/>
+        </p:nvSpPr>
+        <p:spPr>
+          <a:xfrm>
+            <a:off x="6544228" y="1510236"/>
+            <a:ext cx="1663276" cy="461665"/>
+          </a:xfrm>
+          <a:prstGeom prst="rect">
+            <a:avLst/>
+          </a:prstGeom>
+        </p:spPr>
+        <p:style>
+          <a:lnRef idx="2">
+            <a:schemeClr val="accent5"/>
+          </a:lnRef>
+          <a:fillRef idx="1">
+            <a:schemeClr val="lt1"/>
+          </a:fillRef>
+          <a:effectRef idx="0">
+            <a:schemeClr val="accent5"/>
+          </a:effectRef>
+          <a:fontRef idx="minor">
+            <a:schemeClr val="dk1"/>
+          </a:fontRef>
+        </p:style>
+        <p:txBody>
+          <a:bodyPr wrap="none" rtlCol="0">
+            <a:spAutoFit/>
+          </a:bodyPr>
+          <a:lstStyle/>
+          <a:p>
+            <a:r>
+              <a:rPr lang="en-US" altLang="zh-CN" sz="2400" dirty="0">
+                <a:latin typeface="Times New Roman" panose="02020603050405020304" pitchFamily="18" charset="0"/>
+                <a:ea typeface="黑体" panose="02010609060101010101" pitchFamily="49" charset="-122"/>
+                <a:cs typeface="Times New Roman" panose="02020603050405020304" pitchFamily="18" charset="0"/>
+              </a:rPr>
+              <a:t>whisper.cpp</a:t>
+            </a:r>
+            <a:endParaRPr lang="zh-CN" altLang="en-US" sz="2400" dirty="0">
+              <a:latin typeface="Times New Roman" panose="02020603050405020304" pitchFamily="18" charset="0"/>
+              <a:ea typeface="黑体" panose="02010609060101010101" pitchFamily="49" charset="-122"/>
+              <a:cs typeface="Times New Roman" panose="02020603050405020304" pitchFamily="18" charset="0"/>
+            </a:endParaRPr>
+          </a:p>
+        </p:txBody>
+      </p:sp>
+      <p:sp>
+        <p:nvSpPr>
+          <p:cNvPr id="12" name="文本框 11">
+            <a:extLst>
+              <a:ext uri="{FF2B5EF4-FFF2-40B4-BE49-F238E27FC236}">
+                <a16:creationId xmlns:a16="http://schemas.microsoft.com/office/drawing/2014/main" id="{B7C182B0-260C-6352-E6D2-5A1EFEBE5861}"/>
+              </a:ext>
+            </a:extLst>
+          </p:cNvPr>
+          <p:cNvSpPr txBox="1"/>
+          <p:nvPr/>
+        </p:nvSpPr>
+        <p:spPr>
+          <a:xfrm>
+            <a:off x="9132951" y="1510236"/>
+            <a:ext cx="2681375" cy="461665"/>
+          </a:xfrm>
+          <a:prstGeom prst="rect">
+            <a:avLst/>
+          </a:prstGeom>
+        </p:spPr>
+        <p:style>
+          <a:lnRef idx="2">
+            <a:schemeClr val="accent5"/>
+          </a:lnRef>
+          <a:fillRef idx="1">
+            <a:schemeClr val="lt1"/>
+          </a:fillRef>
+          <a:effectRef idx="0">
+            <a:schemeClr val="accent5"/>
+          </a:effectRef>
+          <a:fontRef idx="minor">
+            <a:schemeClr val="dk1"/>
+          </a:fontRef>
+        </p:style>
+        <p:txBody>
+          <a:bodyPr wrap="none" rtlCol="0">
+            <a:spAutoFit/>
+          </a:bodyPr>
+          <a:lstStyle/>
+          <a:p>
+            <a:r>
+              <a:rPr lang="en-US" altLang="zh-CN" sz="2400" dirty="0">
+                <a:latin typeface="Times New Roman" panose="02020603050405020304" pitchFamily="18" charset="0"/>
+                <a:ea typeface="黑体" panose="02010609060101010101" pitchFamily="49" charset="-122"/>
+                <a:cs typeface="Times New Roman" panose="02020603050405020304" pitchFamily="18" charset="0"/>
+              </a:rPr>
+              <a:t>stable-diffusion.cpp</a:t>
+            </a:r>
+            <a:endParaRPr lang="zh-CN" altLang="en-US" sz="2400" dirty="0">
+              <a:latin typeface="Times New Roman" panose="02020603050405020304" pitchFamily="18" charset="0"/>
+              <a:ea typeface="黑体" panose="02010609060101010101" pitchFamily="49" charset="-122"/>
+              <a:cs typeface="Times New Roman" panose="02020603050405020304" pitchFamily="18" charset="0"/>
+            </a:endParaRPr>
+          </a:p>
+        </p:txBody>
+      </p:sp>
+      <p:sp>
+        <p:nvSpPr>
+          <p:cNvPr id="13" name="文本框 12">
+            <a:extLst>
+              <a:ext uri="{FF2B5EF4-FFF2-40B4-BE49-F238E27FC236}">
+                <a16:creationId xmlns:a16="http://schemas.microsoft.com/office/drawing/2014/main" id="{35B3026E-9125-0CCA-1943-A3A599EBA942}"/>
+              </a:ext>
+            </a:extLst>
+          </p:cNvPr>
+          <p:cNvSpPr txBox="1"/>
+          <p:nvPr/>
+        </p:nvSpPr>
+        <p:spPr>
+          <a:xfrm>
+            <a:off x="2155113" y="2563353"/>
+            <a:ext cx="1114408" cy="461665"/>
+          </a:xfrm>
+          <a:prstGeom prst="rect">
+            <a:avLst/>
+          </a:prstGeom>
+        </p:spPr>
+        <p:style>
+          <a:lnRef idx="2">
+            <a:schemeClr val="accent2"/>
+          </a:lnRef>
+          <a:fillRef idx="1">
+            <a:schemeClr val="lt1"/>
+          </a:fillRef>
+          <a:effectRef idx="0">
+            <a:schemeClr val="accent2"/>
+          </a:effectRef>
+          <a:fontRef idx="minor">
+            <a:schemeClr val="dk1"/>
+          </a:fontRef>
+        </p:style>
+        <p:txBody>
+          <a:bodyPr wrap="none" rtlCol="0">
+            <a:spAutoFit/>
+          </a:bodyPr>
+          <a:lstStyle/>
+          <a:p>
+            <a:r>
+              <a:rPr lang="en-US" altLang="zh-CN" sz="2400" dirty="0">
+                <a:latin typeface="Times New Roman" panose="02020603050405020304" pitchFamily="18" charset="0"/>
+                <a:ea typeface="黑体" panose="02010609060101010101" pitchFamily="49" charset="-122"/>
+                <a:cs typeface="Times New Roman" panose="02020603050405020304" pitchFamily="18" charset="0"/>
+              </a:rPr>
+              <a:t>eva.exe</a:t>
+            </a:r>
+            <a:endParaRPr lang="zh-CN" altLang="en-US" sz="2400" dirty="0">
+              <a:latin typeface="Times New Roman" panose="02020603050405020304" pitchFamily="18" charset="0"/>
+              <a:ea typeface="黑体" panose="02010609060101010101" pitchFamily="49" charset="-122"/>
+              <a:cs typeface="Times New Roman" panose="02020603050405020304" pitchFamily="18" charset="0"/>
+            </a:endParaRPr>
+          </a:p>
+        </p:txBody>
+      </p:sp>
+      <p:sp>
+        <p:nvSpPr>
+          <p:cNvPr id="14" name="文本框 13">
+            <a:extLst>
+              <a:ext uri="{FF2B5EF4-FFF2-40B4-BE49-F238E27FC236}">
+                <a16:creationId xmlns:a16="http://schemas.microsoft.com/office/drawing/2014/main" id="{139B3124-27A9-7710-5CF5-C00E438BC07A}"/>
+              </a:ext>
+            </a:extLst>
+          </p:cNvPr>
+          <p:cNvSpPr txBox="1"/>
+          <p:nvPr/>
+        </p:nvSpPr>
+        <p:spPr>
+          <a:xfrm>
+            <a:off x="3874354" y="2563353"/>
+            <a:ext cx="2512226" cy="830997"/>
+          </a:xfrm>
+          <a:prstGeom prst="rect">
+            <a:avLst/>
+          </a:prstGeom>
+        </p:spPr>
+        <p:style>
+          <a:lnRef idx="2">
+            <a:schemeClr val="accent2"/>
+          </a:lnRef>
+          <a:fillRef idx="1">
+            <a:schemeClr val="lt1"/>
+          </a:fillRef>
+          <a:effectRef idx="0">
+            <a:schemeClr val="accent2"/>
+          </a:effectRef>
+          <a:fontRef idx="minor">
+            <a:schemeClr val="dk1"/>
+          </a:fontRef>
+        </p:style>
+        <p:txBody>
+          <a:bodyPr wrap="none" rtlCol="0">
+            <a:spAutoFit/>
+          </a:bodyPr>
+          <a:lstStyle/>
+          <a:p>
+            <a:r>
+              <a:rPr lang="en-US" altLang="zh-CN" sz="2400" dirty="0">
+                <a:latin typeface="Times New Roman" panose="02020603050405020304" pitchFamily="18" charset="0"/>
+                <a:ea typeface="黑体" panose="02010609060101010101" pitchFamily="49" charset="-122"/>
+                <a:cs typeface="Times New Roman" panose="02020603050405020304" pitchFamily="18" charset="0"/>
+              </a:rPr>
+              <a:t>llama-server.exe</a:t>
+            </a:r>
+          </a:p>
+          <a:p>
+            <a:r>
+              <a:rPr lang="en-US" altLang="zh-CN" sz="2400" dirty="0">
+                <a:latin typeface="Times New Roman" panose="02020603050405020304" pitchFamily="18" charset="0"/>
+                <a:ea typeface="黑体" panose="02010609060101010101" pitchFamily="49" charset="-122"/>
+                <a:cs typeface="Times New Roman" panose="02020603050405020304" pitchFamily="18" charset="0"/>
+              </a:rPr>
+              <a:t>llama-quantize.exe</a:t>
+            </a:r>
+          </a:p>
+        </p:txBody>
+      </p:sp>
+      <p:sp>
+        <p:nvSpPr>
+          <p:cNvPr id="15" name="文本框 14">
+            <a:extLst>
+              <a:ext uri="{FF2B5EF4-FFF2-40B4-BE49-F238E27FC236}">
+                <a16:creationId xmlns:a16="http://schemas.microsoft.com/office/drawing/2014/main" id="{36DABA26-4ECB-893A-F1DD-0A2E478710B7}"/>
+              </a:ext>
+            </a:extLst>
+          </p:cNvPr>
+          <p:cNvSpPr txBox="1"/>
+          <p:nvPr/>
+        </p:nvSpPr>
+        <p:spPr>
+          <a:xfrm>
+            <a:off x="6544228" y="2563353"/>
+            <a:ext cx="2132571" cy="461665"/>
+          </a:xfrm>
+          <a:prstGeom prst="rect">
+            <a:avLst/>
+          </a:prstGeom>
+        </p:spPr>
+        <p:style>
+          <a:lnRef idx="2">
+            <a:schemeClr val="accent2"/>
+          </a:lnRef>
+          <a:fillRef idx="1">
+            <a:schemeClr val="lt1"/>
+          </a:fillRef>
+          <a:effectRef idx="0">
+            <a:schemeClr val="accent2"/>
+          </a:effectRef>
+          <a:fontRef idx="minor">
+            <a:schemeClr val="dk1"/>
+          </a:fontRef>
+        </p:style>
+        <p:txBody>
+          <a:bodyPr wrap="none" rtlCol="0">
+            <a:spAutoFit/>
+          </a:bodyPr>
+          <a:lstStyle/>
+          <a:p>
+            <a:r>
+              <a:rPr lang="en-US" altLang="zh-CN" sz="2400" dirty="0">
+                <a:latin typeface="Times New Roman" panose="02020603050405020304" pitchFamily="18" charset="0"/>
+                <a:ea typeface="黑体" panose="02010609060101010101" pitchFamily="49" charset="-122"/>
+                <a:cs typeface="Times New Roman" panose="02020603050405020304" pitchFamily="18" charset="0"/>
+              </a:rPr>
+              <a:t>whisper-cli.exe</a:t>
+            </a:r>
+            <a:endParaRPr lang="zh-CN" altLang="en-US" sz="2400" dirty="0">
+              <a:latin typeface="Times New Roman" panose="02020603050405020304" pitchFamily="18" charset="0"/>
+              <a:ea typeface="黑体" panose="02010609060101010101" pitchFamily="49" charset="-122"/>
+              <a:cs typeface="Times New Roman" panose="02020603050405020304" pitchFamily="18" charset="0"/>
+            </a:endParaRPr>
+          </a:p>
+        </p:txBody>
+      </p:sp>
+      <p:sp>
+        <p:nvSpPr>
+          <p:cNvPr id="16" name="文本框 15">
+            <a:extLst>
+              <a:ext uri="{FF2B5EF4-FFF2-40B4-BE49-F238E27FC236}">
+                <a16:creationId xmlns:a16="http://schemas.microsoft.com/office/drawing/2014/main" id="{D1DF0166-292E-7600-50B8-94E59AA15EBA}"/>
+              </a:ext>
+            </a:extLst>
+          </p:cNvPr>
+          <p:cNvSpPr txBox="1"/>
+          <p:nvPr/>
+        </p:nvSpPr>
+        <p:spPr>
+          <a:xfrm>
+            <a:off x="9132951" y="2563353"/>
+            <a:ext cx="962123" cy="461665"/>
+          </a:xfrm>
+          <a:prstGeom prst="rect">
+            <a:avLst/>
+          </a:prstGeom>
+        </p:spPr>
+        <p:style>
+          <a:lnRef idx="2">
+            <a:schemeClr val="accent2"/>
+          </a:lnRef>
+          <a:fillRef idx="1">
+            <a:schemeClr val="lt1"/>
+          </a:fillRef>
+          <a:effectRef idx="0">
+            <a:schemeClr val="accent2"/>
+          </a:effectRef>
+          <a:fontRef idx="minor">
+            <a:schemeClr val="dk1"/>
+          </a:fontRef>
+        </p:style>
+        <p:txBody>
+          <a:bodyPr wrap="none" rtlCol="0">
+            <a:spAutoFit/>
+          </a:bodyPr>
+          <a:lstStyle/>
+          <a:p>
+            <a:r>
+              <a:rPr lang="en-US" altLang="zh-CN" sz="2400" dirty="0">
+                <a:latin typeface="Times New Roman" panose="02020603050405020304" pitchFamily="18" charset="0"/>
+                <a:ea typeface="黑体" panose="02010609060101010101" pitchFamily="49" charset="-122"/>
+                <a:cs typeface="Times New Roman" panose="02020603050405020304" pitchFamily="18" charset="0"/>
+              </a:rPr>
+              <a:t>sd.exe</a:t>
+            </a:r>
+            <a:endParaRPr lang="zh-CN" altLang="en-US" sz="2400" dirty="0">
+              <a:latin typeface="Times New Roman" panose="02020603050405020304" pitchFamily="18" charset="0"/>
+              <a:ea typeface="黑体" panose="02010609060101010101" pitchFamily="49" charset="-122"/>
+              <a:cs typeface="Times New Roman" panose="02020603050405020304" pitchFamily="18" charset="0"/>
+            </a:endParaRPr>
+          </a:p>
+        </p:txBody>
+      </p:sp>
+      <p:sp>
+        <p:nvSpPr>
+          <p:cNvPr id="17" name="文本框 16">
+            <a:extLst>
+              <a:ext uri="{FF2B5EF4-FFF2-40B4-BE49-F238E27FC236}">
+                <a16:creationId xmlns:a16="http://schemas.microsoft.com/office/drawing/2014/main" id="{5966F1CE-35A0-D021-0288-1B5171F9B710}"/>
+              </a:ext>
+            </a:extLst>
+          </p:cNvPr>
+          <p:cNvSpPr txBox="1"/>
+          <p:nvPr/>
+        </p:nvSpPr>
+        <p:spPr>
+          <a:xfrm>
+            <a:off x="3930296" y="4533333"/>
+            <a:ext cx="1266693" cy="461665"/>
+          </a:xfrm>
+          <a:prstGeom prst="rect">
+            <a:avLst/>
+          </a:prstGeom>
+        </p:spPr>
+        <p:style>
+          <a:lnRef idx="2">
+            <a:schemeClr val="accent6"/>
+          </a:lnRef>
+          <a:fillRef idx="1">
+            <a:schemeClr val="lt1"/>
+          </a:fillRef>
+          <a:effectRef idx="0">
+            <a:schemeClr val="accent6"/>
+          </a:effectRef>
+          <a:fontRef idx="minor">
+            <a:schemeClr val="dk1"/>
+          </a:fontRef>
+        </p:style>
+        <p:txBody>
+          <a:bodyPr wrap="none" rtlCol="0">
+            <a:spAutoFit/>
+          </a:bodyPr>
+          <a:lstStyle/>
+          <a:p>
+            <a:r>
+              <a:rPr lang="en-US" altLang="zh-CN" sz="2400" dirty="0">
+                <a:latin typeface="Times New Roman" panose="02020603050405020304" pitchFamily="18" charset="0"/>
+                <a:ea typeface="黑体" panose="02010609060101010101" pitchFamily="49" charset="-122"/>
+                <a:cs typeface="Times New Roman" panose="02020603050405020304" pitchFamily="18" charset="0"/>
+              </a:rPr>
+              <a:t>llama.dll</a:t>
+            </a:r>
+            <a:endParaRPr lang="zh-CN" altLang="en-US" sz="2400" dirty="0">
+              <a:latin typeface="Times New Roman" panose="02020603050405020304" pitchFamily="18" charset="0"/>
+              <a:ea typeface="黑体" panose="02010609060101010101" pitchFamily="49" charset="-122"/>
+              <a:cs typeface="Times New Roman" panose="02020603050405020304" pitchFamily="18" charset="0"/>
+            </a:endParaRPr>
+          </a:p>
+        </p:txBody>
+      </p:sp>
+      <p:sp>
+        <p:nvSpPr>
+          <p:cNvPr id="20" name="文本框 19">
+            <a:extLst>
+              <a:ext uri="{FF2B5EF4-FFF2-40B4-BE49-F238E27FC236}">
+                <a16:creationId xmlns:a16="http://schemas.microsoft.com/office/drawing/2014/main" id="{16BE7174-038B-7AFB-03FF-552DBCDA0FE3}"/>
+              </a:ext>
+            </a:extLst>
+          </p:cNvPr>
+          <p:cNvSpPr txBox="1"/>
+          <p:nvPr/>
+        </p:nvSpPr>
+        <p:spPr>
+          <a:xfrm>
+            <a:off x="6544228" y="4533333"/>
+            <a:ext cx="1543051" cy="461665"/>
+          </a:xfrm>
+          <a:prstGeom prst="rect">
+            <a:avLst/>
+          </a:prstGeom>
+        </p:spPr>
+        <p:style>
+          <a:lnRef idx="2">
+            <a:schemeClr val="accent6"/>
+          </a:lnRef>
+          <a:fillRef idx="1">
+            <a:schemeClr val="lt1"/>
+          </a:fillRef>
+          <a:effectRef idx="0">
+            <a:schemeClr val="accent6"/>
+          </a:effectRef>
+          <a:fontRef idx="minor">
+            <a:schemeClr val="dk1"/>
+          </a:fontRef>
+        </p:style>
+        <p:txBody>
+          <a:bodyPr wrap="none" rtlCol="0">
+            <a:spAutoFit/>
+          </a:bodyPr>
+          <a:lstStyle/>
+          <a:p>
+            <a:r>
+              <a:rPr lang="en-US" altLang="zh-CN" sz="2400" dirty="0">
+                <a:latin typeface="Times New Roman" panose="02020603050405020304" pitchFamily="18" charset="0"/>
+                <a:ea typeface="黑体" panose="02010609060101010101" pitchFamily="49" charset="-122"/>
+                <a:cs typeface="Times New Roman" panose="02020603050405020304" pitchFamily="18" charset="0"/>
+              </a:rPr>
+              <a:t>whisper.dll</a:t>
+            </a:r>
+            <a:endParaRPr lang="zh-CN" altLang="en-US" sz="2400" dirty="0">
+              <a:latin typeface="Times New Roman" panose="02020603050405020304" pitchFamily="18" charset="0"/>
+              <a:ea typeface="黑体" panose="02010609060101010101" pitchFamily="49" charset="-122"/>
+              <a:cs typeface="Times New Roman" panose="02020603050405020304" pitchFamily="18" charset="0"/>
+            </a:endParaRPr>
+          </a:p>
+        </p:txBody>
+      </p:sp>
+      <p:sp>
+        <p:nvSpPr>
+          <p:cNvPr id="21" name="文本框 20">
+            <a:extLst>
+              <a:ext uri="{FF2B5EF4-FFF2-40B4-BE49-F238E27FC236}">
+                <a16:creationId xmlns:a16="http://schemas.microsoft.com/office/drawing/2014/main" id="{249495AE-56F2-434C-6745-A40518118DE5}"/>
+              </a:ext>
+            </a:extLst>
+          </p:cNvPr>
+          <p:cNvSpPr txBox="1"/>
+          <p:nvPr/>
+        </p:nvSpPr>
+        <p:spPr>
+          <a:xfrm>
+            <a:off x="9132951" y="4533333"/>
+            <a:ext cx="2509854" cy="461665"/>
+          </a:xfrm>
+          <a:prstGeom prst="rect">
+            <a:avLst/>
+          </a:prstGeom>
+        </p:spPr>
+        <p:style>
+          <a:lnRef idx="2">
+            <a:schemeClr val="accent6"/>
+          </a:lnRef>
+          <a:fillRef idx="1">
+            <a:schemeClr val="lt1"/>
+          </a:fillRef>
+          <a:effectRef idx="0">
+            <a:schemeClr val="accent6"/>
+          </a:effectRef>
+          <a:fontRef idx="minor">
+            <a:schemeClr val="dk1"/>
+          </a:fontRef>
+        </p:style>
+        <p:txBody>
+          <a:bodyPr wrap="none" rtlCol="0">
+            <a:spAutoFit/>
+          </a:bodyPr>
+          <a:lstStyle/>
+          <a:p>
+            <a:r>
+              <a:rPr lang="en-US" altLang="zh-CN" sz="2400" dirty="0">
+                <a:latin typeface="Times New Roman" panose="02020603050405020304" pitchFamily="18" charset="0"/>
+                <a:ea typeface="黑体" panose="02010609060101010101" pitchFamily="49" charset="-122"/>
+                <a:cs typeface="Times New Roman" panose="02020603050405020304" pitchFamily="18" charset="0"/>
+              </a:rPr>
+              <a:t>stable-diffusion.dll</a:t>
+            </a:r>
+            <a:endParaRPr lang="zh-CN" altLang="en-US" sz="2400" dirty="0">
+              <a:latin typeface="Times New Roman" panose="02020603050405020304" pitchFamily="18" charset="0"/>
+              <a:ea typeface="黑体" panose="02010609060101010101" pitchFamily="49" charset="-122"/>
+              <a:cs typeface="Times New Roman" panose="02020603050405020304" pitchFamily="18" charset="0"/>
+            </a:endParaRPr>
+          </a:p>
+        </p:txBody>
+      </p:sp>
+      <p:sp>
+        <p:nvSpPr>
+          <p:cNvPr id="22" name="文本框 21">
+            <a:extLst>
+              <a:ext uri="{FF2B5EF4-FFF2-40B4-BE49-F238E27FC236}">
+                <a16:creationId xmlns:a16="http://schemas.microsoft.com/office/drawing/2014/main" id="{C1AC6A90-5313-687F-ADEE-AE0F65E1A823}"/>
+              </a:ext>
+            </a:extLst>
+          </p:cNvPr>
+          <p:cNvSpPr txBox="1"/>
+          <p:nvPr/>
+        </p:nvSpPr>
+        <p:spPr>
+          <a:xfrm>
+            <a:off x="3874354" y="5648809"/>
+            <a:ext cx="1217000" cy="461665"/>
+          </a:xfrm>
+          <a:prstGeom prst="rect">
+            <a:avLst/>
+          </a:prstGeom>
+        </p:spPr>
+        <p:style>
+          <a:lnRef idx="2">
+            <a:schemeClr val="accent3"/>
+          </a:lnRef>
+          <a:fillRef idx="1">
+            <a:schemeClr val="lt1"/>
+          </a:fillRef>
+          <a:effectRef idx="0">
+            <a:schemeClr val="accent3"/>
+          </a:effectRef>
+          <a:fontRef idx="minor">
+            <a:schemeClr val="dk1"/>
+          </a:fontRef>
+        </p:style>
+        <p:txBody>
+          <a:bodyPr wrap="none" rtlCol="0">
+            <a:spAutoFit/>
+          </a:bodyPr>
+          <a:lstStyle/>
+          <a:p>
+            <a:r>
+              <a:rPr lang="en-US" altLang="zh-CN" sz="2400" dirty="0">
+                <a:latin typeface="Times New Roman" panose="02020603050405020304" pitchFamily="18" charset="0"/>
+                <a:ea typeface="黑体" panose="02010609060101010101" pitchFamily="49" charset="-122"/>
+                <a:cs typeface="Times New Roman" panose="02020603050405020304" pitchFamily="18" charset="0"/>
+              </a:rPr>
+              <a:t>ggml.dll</a:t>
+            </a:r>
+            <a:endParaRPr lang="zh-CN" altLang="en-US" sz="2400" dirty="0">
+              <a:latin typeface="Times New Roman" panose="02020603050405020304" pitchFamily="18" charset="0"/>
+              <a:ea typeface="黑体" panose="02010609060101010101" pitchFamily="49" charset="-122"/>
+              <a:cs typeface="Times New Roman" panose="02020603050405020304" pitchFamily="18" charset="0"/>
+            </a:endParaRPr>
+          </a:p>
+        </p:txBody>
+      </p:sp>
+      <p:sp>
+        <p:nvSpPr>
+          <p:cNvPr id="24" name="文本框 23">
+            <a:extLst>
+              <a:ext uri="{FF2B5EF4-FFF2-40B4-BE49-F238E27FC236}">
+                <a16:creationId xmlns:a16="http://schemas.microsoft.com/office/drawing/2014/main" id="{1DF49049-8F4A-BBC6-7CFC-5BEE845C3067}"/>
+              </a:ext>
+            </a:extLst>
+          </p:cNvPr>
+          <p:cNvSpPr txBox="1"/>
+          <p:nvPr/>
+        </p:nvSpPr>
+        <p:spPr>
+          <a:xfrm>
+            <a:off x="9132951" y="5648809"/>
+            <a:ext cx="1593706" cy="461665"/>
+          </a:xfrm>
+          <a:prstGeom prst="rect">
+            <a:avLst/>
+          </a:prstGeom>
+        </p:spPr>
+        <p:style>
+          <a:lnRef idx="2">
+            <a:schemeClr val="accent3"/>
+          </a:lnRef>
+          <a:fillRef idx="1">
+            <a:schemeClr val="lt1"/>
+          </a:fillRef>
+          <a:effectRef idx="0">
+            <a:schemeClr val="accent3"/>
+          </a:effectRef>
+          <a:fontRef idx="minor">
+            <a:schemeClr val="dk1"/>
+          </a:fontRef>
+        </p:style>
+        <p:txBody>
+          <a:bodyPr wrap="none" rtlCol="0">
+            <a:spAutoFit/>
+          </a:bodyPr>
+          <a:lstStyle/>
+          <a:p>
+            <a:r>
+              <a:rPr lang="en-US" altLang="zh-CN" sz="2400" dirty="0">
+                <a:latin typeface="Times New Roman" panose="02020603050405020304" pitchFamily="18" charset="0"/>
+                <a:ea typeface="黑体" panose="02010609060101010101" pitchFamily="49" charset="-122"/>
+                <a:cs typeface="Times New Roman" panose="02020603050405020304" pitchFamily="18" charset="0"/>
+              </a:rPr>
+              <a:t>sd-ggml.dll</a:t>
+            </a:r>
+            <a:endParaRPr lang="zh-CN" altLang="en-US" sz="2400" dirty="0">
+              <a:latin typeface="Times New Roman" panose="02020603050405020304" pitchFamily="18" charset="0"/>
+              <a:ea typeface="黑体" panose="02010609060101010101" pitchFamily="49" charset="-122"/>
+              <a:cs typeface="Times New Roman" panose="02020603050405020304" pitchFamily="18" charset="0"/>
+            </a:endParaRPr>
+          </a:p>
+        </p:txBody>
+      </p:sp>
+      <p:sp>
+        <p:nvSpPr>
+          <p:cNvPr id="25" name="文本框 24">
+            <a:extLst>
+              <a:ext uri="{FF2B5EF4-FFF2-40B4-BE49-F238E27FC236}">
+                <a16:creationId xmlns:a16="http://schemas.microsoft.com/office/drawing/2014/main" id="{37C758D7-24D7-1A82-2B50-713AB470F986}"/>
+              </a:ext>
+            </a:extLst>
+          </p:cNvPr>
+          <p:cNvSpPr txBox="1"/>
+          <p:nvPr/>
+        </p:nvSpPr>
+        <p:spPr>
+          <a:xfrm>
+            <a:off x="2155113" y="5648809"/>
+            <a:ext cx="1031051" cy="461665"/>
+          </a:xfrm>
+          <a:prstGeom prst="rect">
+            <a:avLst/>
+          </a:prstGeom>
+        </p:spPr>
+        <p:style>
+          <a:lnRef idx="2">
+            <a:schemeClr val="accent3"/>
+          </a:lnRef>
+          <a:fillRef idx="1">
+            <a:schemeClr val="lt1"/>
+          </a:fillRef>
+          <a:effectRef idx="0">
+            <a:schemeClr val="accent3"/>
+          </a:effectRef>
+          <a:fontRef idx="minor">
+            <a:schemeClr val="dk1"/>
+          </a:fontRef>
+        </p:style>
+        <p:txBody>
+          <a:bodyPr wrap="none" rtlCol="0">
+            <a:spAutoFit/>
+          </a:bodyPr>
+          <a:lstStyle/>
+          <a:p>
+            <a:r>
+              <a:rPr lang="en-US" altLang="zh-CN" sz="2400" dirty="0">
+                <a:latin typeface="Times New Roman" panose="02020603050405020304" pitchFamily="18" charset="0"/>
+                <a:ea typeface="黑体" panose="02010609060101010101" pitchFamily="49" charset="-122"/>
+                <a:cs typeface="Times New Roman" panose="02020603050405020304" pitchFamily="18" charset="0"/>
+              </a:rPr>
+              <a:t>Qt5.15</a:t>
+            </a:r>
+            <a:endParaRPr lang="zh-CN" altLang="en-US" sz="2400" dirty="0">
+              <a:latin typeface="Times New Roman" panose="02020603050405020304" pitchFamily="18" charset="0"/>
+              <a:ea typeface="黑体" panose="02010609060101010101" pitchFamily="49" charset="-122"/>
+              <a:cs typeface="Times New Roman" panose="02020603050405020304" pitchFamily="18" charset="0"/>
+            </a:endParaRPr>
+          </a:p>
+        </p:txBody>
+      </p:sp>
+      <p:cxnSp>
+        <p:nvCxnSpPr>
+          <p:cNvPr id="26" name="直接箭头连接符 25">
+            <a:extLst>
+              <a:ext uri="{FF2B5EF4-FFF2-40B4-BE49-F238E27FC236}">
+                <a16:creationId xmlns:a16="http://schemas.microsoft.com/office/drawing/2014/main" id="{A8C90C45-DA6C-E5F9-79DC-0BFC0088B5DC}"/>
+              </a:ext>
+            </a:extLst>
+          </p:cNvPr>
+          <p:cNvCxnSpPr>
+            <a:cxnSpLocks/>
+            <a:stCxn id="13" idx="2"/>
+            <a:endCxn id="25" idx="0"/>
+          </p:cNvCxnSpPr>
+          <p:nvPr/>
+        </p:nvCxnSpPr>
+        <p:spPr>
+          <a:xfrm flipH="1">
+            <a:off x="2670639" y="3025018"/>
+            <a:ext cx="41678" cy="2623791"/>
+          </a:xfrm>
+          <a:prstGeom prst="straightConnector1">
+            <a:avLst/>
+          </a:prstGeom>
+          <a:ln w="25400">
+            <a:solidFill>
+              <a:schemeClr val="accent2"/>
+            </a:solidFill>
+            <a:prstDash val="dash"/>
+            <a:tailEnd type="arrow"/>
+          </a:ln>
+        </p:spPr>
+        <p:style>
+          <a:lnRef idx="1">
+            <a:schemeClr val="accent1"/>
+          </a:lnRef>
+          <a:fillRef idx="0">
+            <a:schemeClr val="accent1"/>
+          </a:fillRef>
+          <a:effectRef idx="0">
+            <a:schemeClr val="accent1"/>
+          </a:effectRef>
+          <a:fontRef idx="minor">
+            <a:schemeClr val="tx1"/>
+          </a:fontRef>
+        </p:style>
+      </p:cxnSp>
+      <p:cxnSp>
+        <p:nvCxnSpPr>
+          <p:cNvPr id="29" name="直接箭头连接符 28">
+            <a:extLst>
+              <a:ext uri="{FF2B5EF4-FFF2-40B4-BE49-F238E27FC236}">
+                <a16:creationId xmlns:a16="http://schemas.microsoft.com/office/drawing/2014/main" id="{26C00261-3746-8E92-894E-148D980D8ED7}"/>
+              </a:ext>
+            </a:extLst>
+          </p:cNvPr>
+          <p:cNvCxnSpPr>
+            <a:cxnSpLocks/>
+            <a:stCxn id="13" idx="2"/>
+            <a:endCxn id="27" idx="1"/>
+          </p:cNvCxnSpPr>
+          <p:nvPr/>
+        </p:nvCxnSpPr>
+        <p:spPr>
+          <a:xfrm>
+            <a:off x="2712317" y="3025018"/>
+            <a:ext cx="1236548" cy="866990"/>
+          </a:xfrm>
+          <a:prstGeom prst="straightConnector1">
+            <a:avLst/>
+          </a:prstGeom>
+          <a:ln w="25400">
+            <a:solidFill>
+              <a:schemeClr val="accent2"/>
+            </a:solidFill>
+            <a:prstDash val="dash"/>
+            <a:tailEnd type="arrow"/>
+          </a:ln>
+        </p:spPr>
+        <p:style>
+          <a:lnRef idx="1">
+            <a:schemeClr val="accent1"/>
+          </a:lnRef>
+          <a:fillRef idx="0">
+            <a:schemeClr val="accent1"/>
+          </a:fillRef>
+          <a:effectRef idx="0">
+            <a:schemeClr val="accent1"/>
+          </a:effectRef>
+          <a:fontRef idx="minor">
+            <a:schemeClr val="tx1"/>
+          </a:fontRef>
+        </p:style>
+      </p:cxnSp>
+      <p:cxnSp>
+        <p:nvCxnSpPr>
+          <p:cNvPr id="30" name="直接箭头连接符 29">
+            <a:extLst>
+              <a:ext uri="{FF2B5EF4-FFF2-40B4-BE49-F238E27FC236}">
+                <a16:creationId xmlns:a16="http://schemas.microsoft.com/office/drawing/2014/main" id="{D7AAE249-D8A8-D615-B74D-AAE75BCF81AB}"/>
+              </a:ext>
+            </a:extLst>
+          </p:cNvPr>
+          <p:cNvCxnSpPr>
+            <a:cxnSpLocks/>
+            <a:stCxn id="13" idx="2"/>
+            <a:endCxn id="17" idx="1"/>
+          </p:cNvCxnSpPr>
+          <p:nvPr/>
+        </p:nvCxnSpPr>
+        <p:spPr>
+          <a:xfrm>
+            <a:off x="2712317" y="3025018"/>
+            <a:ext cx="1217979" cy="1739148"/>
+          </a:xfrm>
+          <a:prstGeom prst="straightConnector1">
+            <a:avLst/>
+          </a:prstGeom>
+          <a:ln w="25400">
+            <a:solidFill>
+              <a:schemeClr val="accent2"/>
+            </a:solidFill>
+            <a:prstDash val="dash"/>
+            <a:tailEnd type="arrow"/>
+          </a:ln>
+        </p:spPr>
+        <p:style>
+          <a:lnRef idx="1">
+            <a:schemeClr val="accent1"/>
+          </a:lnRef>
+          <a:fillRef idx="0">
+            <a:schemeClr val="accent1"/>
+          </a:fillRef>
+          <a:effectRef idx="0">
+            <a:schemeClr val="accent1"/>
+          </a:effectRef>
+          <a:fontRef idx="minor">
+            <a:schemeClr val="tx1"/>
+          </a:fontRef>
+        </p:style>
+      </p:cxnSp>
+      <p:cxnSp>
+        <p:nvCxnSpPr>
+          <p:cNvPr id="35" name="直接箭头连接符 34">
+            <a:extLst>
+              <a:ext uri="{FF2B5EF4-FFF2-40B4-BE49-F238E27FC236}">
+                <a16:creationId xmlns:a16="http://schemas.microsoft.com/office/drawing/2014/main" id="{9877030D-E0EB-693F-0512-D67A76D675D2}"/>
+              </a:ext>
+            </a:extLst>
+          </p:cNvPr>
+          <p:cNvCxnSpPr>
+            <a:cxnSpLocks/>
+            <a:stCxn id="14" idx="2"/>
+            <a:endCxn id="27" idx="0"/>
+          </p:cNvCxnSpPr>
+          <p:nvPr/>
+        </p:nvCxnSpPr>
+        <p:spPr>
+          <a:xfrm flipH="1">
+            <a:off x="4685605" y="3394350"/>
+            <a:ext cx="444862" cy="266825"/>
+          </a:xfrm>
+          <a:prstGeom prst="straightConnector1">
+            <a:avLst/>
+          </a:prstGeom>
+          <a:ln w="25400">
+            <a:solidFill>
+              <a:schemeClr val="accent2"/>
+            </a:solidFill>
+            <a:prstDash val="dash"/>
+            <a:tailEnd type="arrow"/>
+          </a:ln>
+        </p:spPr>
+        <p:style>
+          <a:lnRef idx="1">
+            <a:schemeClr val="accent1"/>
+          </a:lnRef>
+          <a:fillRef idx="0">
+            <a:schemeClr val="accent1"/>
+          </a:fillRef>
+          <a:effectRef idx="0">
+            <a:schemeClr val="accent1"/>
+          </a:effectRef>
+          <a:fontRef idx="minor">
+            <a:schemeClr val="tx1"/>
+          </a:fontRef>
+        </p:style>
+      </p:cxnSp>
+      <p:cxnSp>
+        <p:nvCxnSpPr>
+          <p:cNvPr id="38" name="直接箭头连接符 37">
+            <a:extLst>
+              <a:ext uri="{FF2B5EF4-FFF2-40B4-BE49-F238E27FC236}">
+                <a16:creationId xmlns:a16="http://schemas.microsoft.com/office/drawing/2014/main" id="{DE4644AD-5A26-4B1E-5690-599809EFCD27}"/>
+              </a:ext>
+            </a:extLst>
+          </p:cNvPr>
+          <p:cNvCxnSpPr>
+            <a:cxnSpLocks/>
+            <a:stCxn id="17" idx="2"/>
+            <a:endCxn id="22" idx="0"/>
+          </p:cNvCxnSpPr>
+          <p:nvPr/>
+        </p:nvCxnSpPr>
+        <p:spPr>
+          <a:xfrm flipH="1">
+            <a:off x="4482854" y="4994998"/>
+            <a:ext cx="80789" cy="653811"/>
+          </a:xfrm>
+          <a:prstGeom prst="straightConnector1">
+            <a:avLst/>
+          </a:prstGeom>
+          <a:ln w="25400">
+            <a:solidFill>
+              <a:srgbClr val="92D050"/>
+            </a:solidFill>
+            <a:prstDash val="dash"/>
+            <a:tailEnd type="arrow"/>
+          </a:ln>
+        </p:spPr>
+        <p:style>
+          <a:lnRef idx="1">
+            <a:schemeClr val="accent1"/>
+          </a:lnRef>
+          <a:fillRef idx="0">
+            <a:schemeClr val="accent1"/>
+          </a:fillRef>
+          <a:effectRef idx="0">
+            <a:schemeClr val="accent1"/>
+          </a:effectRef>
+          <a:fontRef idx="minor">
+            <a:schemeClr val="tx1"/>
+          </a:fontRef>
+        </p:style>
+      </p:cxnSp>
+      <p:cxnSp>
+        <p:nvCxnSpPr>
+          <p:cNvPr id="41" name="直接箭头连接符 40">
+            <a:extLst>
+              <a:ext uri="{FF2B5EF4-FFF2-40B4-BE49-F238E27FC236}">
+                <a16:creationId xmlns:a16="http://schemas.microsoft.com/office/drawing/2014/main" id="{92510CF3-D258-6870-5C50-6681F5F99A55}"/>
+              </a:ext>
+            </a:extLst>
+          </p:cNvPr>
+          <p:cNvCxnSpPr>
+            <a:cxnSpLocks/>
+            <a:stCxn id="15" idx="2"/>
+            <a:endCxn id="51" idx="0"/>
+          </p:cNvCxnSpPr>
+          <p:nvPr/>
+        </p:nvCxnSpPr>
+        <p:spPr>
+          <a:xfrm>
+            <a:off x="7610514" y="3025018"/>
+            <a:ext cx="180182" cy="636157"/>
+          </a:xfrm>
+          <a:prstGeom prst="straightConnector1">
+            <a:avLst/>
+          </a:prstGeom>
+          <a:ln w="25400">
+            <a:solidFill>
+              <a:schemeClr val="accent2"/>
+            </a:solidFill>
+            <a:prstDash val="dash"/>
+            <a:tailEnd type="arrow"/>
+          </a:ln>
+        </p:spPr>
+        <p:style>
+          <a:lnRef idx="1">
+            <a:schemeClr val="accent1"/>
+          </a:lnRef>
+          <a:fillRef idx="0">
+            <a:schemeClr val="accent1"/>
+          </a:fillRef>
+          <a:effectRef idx="0">
+            <a:schemeClr val="accent1"/>
+          </a:effectRef>
+          <a:fontRef idx="minor">
+            <a:schemeClr val="tx1"/>
+          </a:fontRef>
+        </p:style>
+      </p:cxnSp>
+      <p:cxnSp>
+        <p:nvCxnSpPr>
+          <p:cNvPr id="42" name="直接箭头连接符 41">
+            <a:extLst>
+              <a:ext uri="{FF2B5EF4-FFF2-40B4-BE49-F238E27FC236}">
+                <a16:creationId xmlns:a16="http://schemas.microsoft.com/office/drawing/2014/main" id="{24E5D648-2C82-B80E-1FDE-145A0D0D1427}"/>
+              </a:ext>
+            </a:extLst>
+          </p:cNvPr>
+          <p:cNvCxnSpPr>
+            <a:cxnSpLocks/>
+            <a:stCxn id="16" idx="2"/>
+            <a:endCxn id="21" idx="0"/>
+          </p:cNvCxnSpPr>
+          <p:nvPr/>
+        </p:nvCxnSpPr>
+        <p:spPr>
+          <a:xfrm>
+            <a:off x="9614013" y="3025018"/>
+            <a:ext cx="773865" cy="1508315"/>
+          </a:xfrm>
+          <a:prstGeom prst="straightConnector1">
+            <a:avLst/>
+          </a:prstGeom>
+          <a:ln w="25400">
+            <a:solidFill>
+              <a:schemeClr val="accent2"/>
+            </a:solidFill>
+            <a:prstDash val="dash"/>
+            <a:tailEnd type="arrow"/>
+          </a:ln>
+        </p:spPr>
+        <p:style>
+          <a:lnRef idx="1">
+            <a:schemeClr val="accent1"/>
+          </a:lnRef>
+          <a:fillRef idx="0">
+            <a:schemeClr val="accent1"/>
+          </a:fillRef>
+          <a:effectRef idx="0">
+            <a:schemeClr val="accent1"/>
+          </a:effectRef>
+          <a:fontRef idx="minor">
+            <a:schemeClr val="tx1"/>
+          </a:fontRef>
+        </p:style>
+      </p:cxnSp>
+      <p:cxnSp>
+        <p:nvCxnSpPr>
+          <p:cNvPr id="48" name="直接箭头连接符 47">
+            <a:extLst>
+              <a:ext uri="{FF2B5EF4-FFF2-40B4-BE49-F238E27FC236}">
+                <a16:creationId xmlns:a16="http://schemas.microsoft.com/office/drawing/2014/main" id="{64ACC3DA-CF1E-BEA8-5F69-B63C6F25346F}"/>
+              </a:ext>
+            </a:extLst>
+          </p:cNvPr>
+          <p:cNvCxnSpPr>
+            <a:cxnSpLocks/>
+            <a:stCxn id="21" idx="2"/>
+            <a:endCxn id="24" idx="0"/>
+          </p:cNvCxnSpPr>
+          <p:nvPr/>
+        </p:nvCxnSpPr>
+        <p:spPr>
+          <a:xfrm flipH="1">
+            <a:off x="9929804" y="4994998"/>
+            <a:ext cx="458074" cy="653811"/>
+          </a:xfrm>
+          <a:prstGeom prst="straightConnector1">
+            <a:avLst/>
+          </a:prstGeom>
+          <a:ln w="25400">
+            <a:solidFill>
+              <a:srgbClr val="92D050"/>
+            </a:solidFill>
+            <a:prstDash val="dash"/>
+            <a:tailEnd type="arrow"/>
+          </a:ln>
+        </p:spPr>
+        <p:style>
+          <a:lnRef idx="1">
+            <a:schemeClr val="accent1"/>
+          </a:lnRef>
+          <a:fillRef idx="0">
+            <a:schemeClr val="accent1"/>
+          </a:fillRef>
+          <a:effectRef idx="0">
+            <a:schemeClr val="accent1"/>
+          </a:effectRef>
+          <a:fontRef idx="minor">
+            <a:schemeClr val="tx1"/>
+          </a:fontRef>
+        </p:style>
+      </p:cxnSp>
+      <p:cxnSp>
+        <p:nvCxnSpPr>
+          <p:cNvPr id="49" name="直接箭头连接符 48">
+            <a:extLst>
+              <a:ext uri="{FF2B5EF4-FFF2-40B4-BE49-F238E27FC236}">
+                <a16:creationId xmlns:a16="http://schemas.microsoft.com/office/drawing/2014/main" id="{3D4BECCA-C3E7-B6EF-40DC-CE1BA66E86A8}"/>
+              </a:ext>
+            </a:extLst>
+          </p:cNvPr>
+          <p:cNvCxnSpPr>
+            <a:cxnSpLocks/>
+            <a:stCxn id="20" idx="2"/>
+            <a:endCxn id="24" idx="0"/>
+          </p:cNvCxnSpPr>
+          <p:nvPr/>
+        </p:nvCxnSpPr>
+        <p:spPr>
+          <a:xfrm>
+            <a:off x="7315754" y="4994998"/>
+            <a:ext cx="2614050" cy="653811"/>
+          </a:xfrm>
+          <a:prstGeom prst="straightConnector1">
+            <a:avLst/>
+          </a:prstGeom>
+          <a:ln w="25400">
+            <a:solidFill>
+              <a:srgbClr val="92D050"/>
+            </a:solidFill>
+            <a:prstDash val="dash"/>
+            <a:tailEnd type="arrow"/>
+          </a:ln>
+        </p:spPr>
+        <p:style>
+          <a:lnRef idx="1">
+            <a:schemeClr val="accent1"/>
+          </a:lnRef>
+          <a:fillRef idx="0">
+            <a:schemeClr val="accent1"/>
+          </a:fillRef>
+          <a:effectRef idx="0">
+            <a:schemeClr val="accent1"/>
+          </a:effectRef>
+          <a:fontRef idx="minor">
+            <a:schemeClr val="tx1"/>
+          </a:fontRef>
+        </p:style>
+      </p:cxnSp>
+      <p:sp>
+        <p:nvSpPr>
+          <p:cNvPr id="27" name="文本框 26">
+            <a:extLst>
+              <a:ext uri="{FF2B5EF4-FFF2-40B4-BE49-F238E27FC236}">
+                <a16:creationId xmlns:a16="http://schemas.microsoft.com/office/drawing/2014/main" id="{4DB7B832-7AE2-2C04-F06D-8FAB3C560932}"/>
+              </a:ext>
+            </a:extLst>
+          </p:cNvPr>
+          <p:cNvSpPr txBox="1"/>
+          <p:nvPr/>
+        </p:nvSpPr>
+        <p:spPr>
+          <a:xfrm>
+            <a:off x="3948865" y="3661175"/>
+            <a:ext cx="1473480" cy="461665"/>
+          </a:xfrm>
+          <a:prstGeom prst="rect">
+            <a:avLst/>
+          </a:prstGeom>
+        </p:spPr>
+        <p:style>
+          <a:lnRef idx="2">
+            <a:schemeClr val="accent6"/>
+          </a:lnRef>
+          <a:fillRef idx="1">
+            <a:schemeClr val="lt1"/>
+          </a:fillRef>
+          <a:effectRef idx="0">
+            <a:schemeClr val="accent6"/>
+          </a:effectRef>
+          <a:fontRef idx="minor">
+            <a:schemeClr val="dk1"/>
+          </a:fontRef>
+        </p:style>
+        <p:txBody>
+          <a:bodyPr wrap="none" rtlCol="0">
+            <a:spAutoFit/>
+          </a:bodyPr>
+          <a:lstStyle/>
+          <a:p>
+            <a:r>
+              <a:rPr lang="en-US" altLang="zh-CN" sz="2400" dirty="0" err="1">
+                <a:latin typeface="Times New Roman" panose="02020603050405020304" pitchFamily="18" charset="0"/>
+                <a:ea typeface="黑体" panose="02010609060101010101" pitchFamily="49" charset="-122"/>
+                <a:cs typeface="Times New Roman" panose="02020603050405020304" pitchFamily="18" charset="0"/>
+              </a:rPr>
+              <a:t>common.a</a:t>
+            </a:r>
+            <a:endParaRPr lang="zh-CN" altLang="en-US" sz="2400" dirty="0">
+              <a:latin typeface="Times New Roman" panose="02020603050405020304" pitchFamily="18" charset="0"/>
+              <a:ea typeface="黑体" panose="02010609060101010101" pitchFamily="49" charset="-122"/>
+              <a:cs typeface="Times New Roman" panose="02020603050405020304" pitchFamily="18" charset="0"/>
+            </a:endParaRPr>
+          </a:p>
+        </p:txBody>
+      </p:sp>
+      <p:cxnSp>
+        <p:nvCxnSpPr>
+          <p:cNvPr id="43" name="直接箭头连接符 42">
+            <a:extLst>
+              <a:ext uri="{FF2B5EF4-FFF2-40B4-BE49-F238E27FC236}">
+                <a16:creationId xmlns:a16="http://schemas.microsoft.com/office/drawing/2014/main" id="{853CA4F3-7EDD-4F67-A1EE-5CF485B24745}"/>
+              </a:ext>
+            </a:extLst>
+          </p:cNvPr>
+          <p:cNvCxnSpPr>
+            <a:cxnSpLocks/>
+            <a:stCxn id="27" idx="2"/>
+            <a:endCxn id="17" idx="0"/>
+          </p:cNvCxnSpPr>
+          <p:nvPr/>
+        </p:nvCxnSpPr>
+        <p:spPr>
+          <a:xfrm flipH="1">
+            <a:off x="4563643" y="4122840"/>
+            <a:ext cx="121962" cy="410493"/>
+          </a:xfrm>
+          <a:prstGeom prst="straightConnector1">
+            <a:avLst/>
+          </a:prstGeom>
+          <a:ln w="25400">
+            <a:solidFill>
+              <a:srgbClr val="92D050"/>
+            </a:solidFill>
+            <a:prstDash val="dash"/>
+            <a:tailEnd type="arrow"/>
+          </a:ln>
+        </p:spPr>
+        <p:style>
+          <a:lnRef idx="1">
+            <a:schemeClr val="accent1"/>
+          </a:lnRef>
+          <a:fillRef idx="0">
+            <a:schemeClr val="accent1"/>
+          </a:fillRef>
+          <a:effectRef idx="0">
+            <a:schemeClr val="accent1"/>
+          </a:effectRef>
+          <a:fontRef idx="minor">
+            <a:schemeClr val="tx1"/>
+          </a:fontRef>
+        </p:style>
+      </p:cxnSp>
+      <p:sp>
+        <p:nvSpPr>
+          <p:cNvPr id="51" name="文本框 50">
+            <a:extLst>
+              <a:ext uri="{FF2B5EF4-FFF2-40B4-BE49-F238E27FC236}">
+                <a16:creationId xmlns:a16="http://schemas.microsoft.com/office/drawing/2014/main" id="{028C08CC-2032-64AB-180C-9FA72AEEC2E5}"/>
+              </a:ext>
+            </a:extLst>
+          </p:cNvPr>
+          <p:cNvSpPr txBox="1"/>
+          <p:nvPr/>
+        </p:nvSpPr>
+        <p:spPr>
+          <a:xfrm>
+            <a:off x="6518424" y="3661175"/>
+            <a:ext cx="2544543" cy="461665"/>
+          </a:xfrm>
+          <a:prstGeom prst="rect">
+            <a:avLst/>
+          </a:prstGeom>
+        </p:spPr>
+        <p:style>
+          <a:lnRef idx="2">
+            <a:schemeClr val="accent6"/>
+          </a:lnRef>
+          <a:fillRef idx="1">
+            <a:schemeClr val="lt1"/>
+          </a:fillRef>
+          <a:effectRef idx="0">
+            <a:schemeClr val="accent6"/>
+          </a:effectRef>
+          <a:fontRef idx="minor">
+            <a:schemeClr val="dk1"/>
+          </a:fontRef>
+        </p:style>
+        <p:txBody>
+          <a:bodyPr wrap="none" rtlCol="0">
+            <a:spAutoFit/>
+          </a:bodyPr>
+          <a:lstStyle/>
+          <a:p>
+            <a:r>
+              <a:rPr lang="en-US" altLang="zh-CN" sz="2400" dirty="0">
+                <a:latin typeface="Times New Roman" panose="02020603050405020304" pitchFamily="18" charset="0"/>
+                <a:ea typeface="黑体" panose="02010609060101010101" pitchFamily="49" charset="-122"/>
+                <a:cs typeface="Times New Roman" panose="02020603050405020304" pitchFamily="18" charset="0"/>
+              </a:rPr>
+              <a:t>whisper-</a:t>
+            </a:r>
+            <a:r>
+              <a:rPr lang="en-US" altLang="zh-CN" sz="2400" dirty="0" err="1">
+                <a:latin typeface="Times New Roman" panose="02020603050405020304" pitchFamily="18" charset="0"/>
+                <a:ea typeface="黑体" panose="02010609060101010101" pitchFamily="49" charset="-122"/>
+                <a:cs typeface="Times New Roman" panose="02020603050405020304" pitchFamily="18" charset="0"/>
+              </a:rPr>
+              <a:t>common.a</a:t>
+            </a:r>
+            <a:endParaRPr lang="zh-CN" altLang="en-US" sz="2400" dirty="0">
+              <a:latin typeface="Times New Roman" panose="02020603050405020304" pitchFamily="18" charset="0"/>
+              <a:ea typeface="黑体" panose="02010609060101010101" pitchFamily="49" charset="-122"/>
+              <a:cs typeface="Times New Roman" panose="02020603050405020304" pitchFamily="18" charset="0"/>
+            </a:endParaRPr>
+          </a:p>
+        </p:txBody>
+      </p:sp>
+      <p:cxnSp>
+        <p:nvCxnSpPr>
+          <p:cNvPr id="57" name="直接箭头连接符 56">
+            <a:extLst>
+              <a:ext uri="{FF2B5EF4-FFF2-40B4-BE49-F238E27FC236}">
+                <a16:creationId xmlns:a16="http://schemas.microsoft.com/office/drawing/2014/main" id="{185EE4AA-C093-A575-4595-7A622A5979EA}"/>
+              </a:ext>
+            </a:extLst>
+          </p:cNvPr>
+          <p:cNvCxnSpPr>
+            <a:cxnSpLocks/>
+            <a:stCxn id="51" idx="2"/>
+            <a:endCxn id="20" idx="0"/>
+          </p:cNvCxnSpPr>
+          <p:nvPr/>
+        </p:nvCxnSpPr>
+        <p:spPr>
+          <a:xfrm flipH="1">
+            <a:off x="7315754" y="4122840"/>
+            <a:ext cx="474942" cy="410493"/>
+          </a:xfrm>
+          <a:prstGeom prst="straightConnector1">
+            <a:avLst/>
+          </a:prstGeom>
+          <a:ln w="25400">
+            <a:solidFill>
+              <a:srgbClr val="92D050"/>
+            </a:solidFill>
+            <a:prstDash val="dash"/>
+            <a:tailEnd type="arrow"/>
+          </a:ln>
+        </p:spPr>
+        <p:style>
+          <a:lnRef idx="1">
+            <a:schemeClr val="accent1"/>
+          </a:lnRef>
+          <a:fillRef idx="0">
+            <a:schemeClr val="accent1"/>
+          </a:fillRef>
+          <a:effectRef idx="0">
+            <a:schemeClr val="accent1"/>
+          </a:effectRef>
+          <a:fontRef idx="minor">
+            <a:schemeClr val="tx1"/>
+          </a:fontRef>
+        </p:style>
+      </p:cxnSp>
+      <p:cxnSp>
+        <p:nvCxnSpPr>
+          <p:cNvPr id="100" name="直接箭头连接符 99">
+            <a:extLst>
+              <a:ext uri="{FF2B5EF4-FFF2-40B4-BE49-F238E27FC236}">
+                <a16:creationId xmlns:a16="http://schemas.microsoft.com/office/drawing/2014/main" id="{8BE0F73A-F886-CD31-59CD-9395762E762C}"/>
+              </a:ext>
+            </a:extLst>
+          </p:cNvPr>
+          <p:cNvCxnSpPr>
+            <a:cxnSpLocks/>
+            <a:stCxn id="15" idx="2"/>
+            <a:endCxn id="20" idx="0"/>
+          </p:cNvCxnSpPr>
+          <p:nvPr/>
+        </p:nvCxnSpPr>
+        <p:spPr>
+          <a:xfrm flipH="1">
+            <a:off x="7315754" y="3025018"/>
+            <a:ext cx="294760" cy="1508315"/>
+          </a:xfrm>
+          <a:prstGeom prst="straightConnector1">
+            <a:avLst/>
+          </a:prstGeom>
+          <a:ln w="25400">
+            <a:solidFill>
+              <a:schemeClr val="accent2"/>
+            </a:solidFill>
+            <a:prstDash val="dash"/>
+            <a:tailEnd type="arrow"/>
+          </a:ln>
+        </p:spPr>
+        <p:style>
+          <a:lnRef idx="1">
+            <a:schemeClr val="accent1"/>
+          </a:lnRef>
+          <a:fillRef idx="0">
+            <a:schemeClr val="accent1"/>
+          </a:fillRef>
+          <a:effectRef idx="0">
+            <a:schemeClr val="accent1"/>
+          </a:effectRef>
+          <a:fontRef idx="minor">
+            <a:schemeClr val="tx1"/>
+          </a:fontRef>
+        </p:style>
+      </p:cxnSp>
+      <p:cxnSp>
+        <p:nvCxnSpPr>
+          <p:cNvPr id="95" name="直接箭头连接符 94">
+            <a:extLst>
+              <a:ext uri="{FF2B5EF4-FFF2-40B4-BE49-F238E27FC236}">
+                <a16:creationId xmlns:a16="http://schemas.microsoft.com/office/drawing/2014/main" id="{A1660DFC-CB22-465C-D06A-339F555F634E}"/>
+              </a:ext>
+            </a:extLst>
+          </p:cNvPr>
+          <p:cNvCxnSpPr>
+            <a:cxnSpLocks/>
+            <a:stCxn id="14" idx="2"/>
+            <a:endCxn id="17" idx="0"/>
+          </p:cNvCxnSpPr>
+          <p:nvPr/>
+        </p:nvCxnSpPr>
+        <p:spPr>
+          <a:xfrm flipH="1">
+            <a:off x="4563643" y="3394350"/>
+            <a:ext cx="566824" cy="1138983"/>
+          </a:xfrm>
+          <a:prstGeom prst="straightConnector1">
+            <a:avLst/>
+          </a:prstGeom>
+          <a:ln w="25400">
+            <a:solidFill>
+              <a:schemeClr val="accent2"/>
+            </a:solidFill>
+            <a:prstDash val="dash"/>
+            <a:tailEnd type="arrow"/>
+          </a:ln>
+        </p:spPr>
+        <p:style>
+          <a:lnRef idx="1">
+            <a:schemeClr val="accent1"/>
+          </a:lnRef>
+          <a:fillRef idx="0">
+            <a:schemeClr val="accent1"/>
+          </a:fillRef>
+          <a:effectRef idx="0">
+            <a:schemeClr val="accent1"/>
+          </a:effectRef>
+          <a:fontRef idx="minor">
+            <a:schemeClr val="tx1"/>
+          </a:fontRef>
+        </p:style>
+      </p:cxnSp>
+    </p:spTree>
+    <p:extLst>
+      <p:ext uri="{BB962C8B-B14F-4D97-AF65-F5344CB8AC3E}">
+        <p14:creationId xmlns:p14="http://schemas.microsoft.com/office/powerpoint/2010/main" val="3213062325"/>
+      </p:ext>
+    </p:extLst>
+  </p:cSld>
+  <p:clrMapOvr>
+    <a:masterClrMapping/>
+  </p:clrMapOvr>
+  <p:timing>
+    <p:tnLst>
+      <p:par>
+        <p:cTn id="1" dur="indefinite" restart="never" nodeType="tmRoot">
+          <p:childTnLst>
+            <p:seq concurrent="1" nextAc="seek">
+              <p:cTn id="2" dur="indefinite" nodeType="mainSeq">
+                <p:childTnLst>
+                  <p:par>
+                    <p:cTn id="3" fill="hold">
+                      <p:stCondLst>
+                        <p:cond delay="indefinite"/>
+                      </p:stCondLst>
+                      <p:childTnLst>
+                        <p:par>
+                          <p:cTn id="4" fill="hold">
+                            <p:stCondLst>
+                              <p:cond delay="0"/>
+                            </p:stCondLst>
+                            <p:childTnLst>
+                              <p:par>
+                                <p:cTn id="5" presetID="22" presetClass="entr" presetSubtype="1" fill="hold" nodeType="clickEffect">
+                                  <p:stCondLst>
+                                    <p:cond delay="0"/>
+                                  </p:stCondLst>
+                                  <p:childTnLst>
+                                    <p:set>
+                                      <p:cBhvr>
+                                        <p:cTn id="6" dur="1" fill="hold">
+                                          <p:stCondLst>
+                                            <p:cond delay="0"/>
+                                          </p:stCondLst>
+                                        </p:cTn>
+                                        <p:tgtEl>
+                                          <p:spTgt spid="26"/>
+                                        </p:tgtEl>
+                                        <p:attrNameLst>
+                                          <p:attrName>style.visibility</p:attrName>
+                                        </p:attrNameLst>
+                                      </p:cBhvr>
+                                      <p:to>
+                                        <p:strVal val="visible"/>
+                                      </p:to>
+                                    </p:set>
+                                    <p:animEffect transition="in" filter="wipe(up)">
+                                      <p:cBhvr>
+                                        <p:cTn id="7" dur="500"/>
+                                        <p:tgtEl>
+                                          <p:spTgt spid="26"/>
+                                        </p:tgtEl>
+                                      </p:cBhvr>
+                                    </p:animEffect>
+                                  </p:childTnLst>
+                                </p:cTn>
+                              </p:par>
+                            </p:childTnLst>
+                          </p:cTn>
+                        </p:par>
+                      </p:childTnLst>
+                    </p:cTn>
+                  </p:par>
+                  <p:par>
+                    <p:cTn id="8" fill="hold">
+                      <p:stCondLst>
+                        <p:cond delay="indefinite"/>
+                      </p:stCondLst>
+                      <p:childTnLst>
+                        <p:par>
+                          <p:cTn id="9" fill="hold">
+                            <p:stCondLst>
+                              <p:cond delay="0"/>
+                            </p:stCondLst>
+                            <p:childTnLst>
+                              <p:par>
+                                <p:cTn id="10" presetID="22" presetClass="entr" presetSubtype="1" fill="hold" nodeType="clickEffect">
+                                  <p:stCondLst>
+                                    <p:cond delay="0"/>
+                                  </p:stCondLst>
+                                  <p:childTnLst>
+                                    <p:set>
+                                      <p:cBhvr>
+                                        <p:cTn id="11" dur="1" fill="hold">
+                                          <p:stCondLst>
+                                            <p:cond delay="0"/>
+                                          </p:stCondLst>
+                                        </p:cTn>
+                                        <p:tgtEl>
+                                          <p:spTgt spid="29"/>
+                                        </p:tgtEl>
+                                        <p:attrNameLst>
+                                          <p:attrName>style.visibility</p:attrName>
+                                        </p:attrNameLst>
+                                      </p:cBhvr>
+                                      <p:to>
+                                        <p:strVal val="visible"/>
+                                      </p:to>
+                                    </p:set>
+                                    <p:animEffect transition="in" filter="wipe(up)">
+                                      <p:cBhvr>
+                                        <p:cTn id="12" dur="500"/>
+                                        <p:tgtEl>
+                                          <p:spTgt spid="29"/>
+                                        </p:tgtEl>
+                                      </p:cBhvr>
+                                    </p:animEffect>
+                                  </p:childTnLst>
+                                </p:cTn>
+                              </p:par>
+                            </p:childTnLst>
+                          </p:cTn>
+                        </p:par>
+                      </p:childTnLst>
+                    </p:cTn>
+                  </p:par>
+                  <p:par>
+                    <p:cTn id="13" fill="hold">
+                      <p:stCondLst>
+                        <p:cond delay="indefinite"/>
+                      </p:stCondLst>
+                      <p:childTnLst>
+                        <p:par>
+                          <p:cTn id="14" fill="hold">
+                            <p:stCondLst>
+                              <p:cond delay="0"/>
+                            </p:stCondLst>
+                            <p:childTnLst>
+                              <p:par>
+                                <p:cTn id="15" presetID="22" presetClass="entr" presetSubtype="1" fill="hold" nodeType="clickEffect">
+                                  <p:stCondLst>
+                                    <p:cond delay="0"/>
+                                  </p:stCondLst>
+                                  <p:childTnLst>
+                                    <p:set>
+                                      <p:cBhvr>
+                                        <p:cTn id="16" dur="1" fill="hold">
+                                          <p:stCondLst>
+                                            <p:cond delay="0"/>
+                                          </p:stCondLst>
+                                        </p:cTn>
+                                        <p:tgtEl>
+                                          <p:spTgt spid="30"/>
+                                        </p:tgtEl>
+                                        <p:attrNameLst>
+                                          <p:attrName>style.visibility</p:attrName>
+                                        </p:attrNameLst>
+                                      </p:cBhvr>
+                                      <p:to>
+                                        <p:strVal val="visible"/>
+                                      </p:to>
+                                    </p:set>
+                                    <p:animEffect transition="in" filter="wipe(up)">
+                                      <p:cBhvr>
+                                        <p:cTn id="17" dur="500"/>
+                                        <p:tgtEl>
+                                          <p:spTgt spid="30"/>
+                                        </p:tgtEl>
+                                      </p:cBhvr>
+                                    </p:animEffect>
+                                  </p:childTnLst>
+                                </p:cTn>
+                              </p:par>
+                            </p:childTnLst>
+                          </p:cTn>
+                        </p:par>
+                      </p:childTnLst>
+                    </p:cTn>
+                  </p:par>
+                  <p:par>
+                    <p:cTn id="18" fill="hold">
+                      <p:stCondLst>
+                        <p:cond delay="indefinite"/>
+                      </p:stCondLst>
+                      <p:childTnLst>
+                        <p:par>
+                          <p:cTn id="19" fill="hold">
+                            <p:stCondLst>
+                              <p:cond delay="0"/>
+                            </p:stCondLst>
+                            <p:childTnLst>
+                              <p:par>
+                                <p:cTn id="20" presetID="22" presetClass="entr" presetSubtype="1" fill="hold" nodeType="clickEffect">
+                                  <p:stCondLst>
+                                    <p:cond delay="0"/>
+                                  </p:stCondLst>
+                                  <p:childTnLst>
+                                    <p:set>
+                                      <p:cBhvr>
+                                        <p:cTn id="21" dur="1" fill="hold">
+                                          <p:stCondLst>
+                                            <p:cond delay="0"/>
+                                          </p:stCondLst>
+                                        </p:cTn>
+                                        <p:tgtEl>
+                                          <p:spTgt spid="35"/>
+                                        </p:tgtEl>
+                                        <p:attrNameLst>
+                                          <p:attrName>style.visibility</p:attrName>
+                                        </p:attrNameLst>
+                                      </p:cBhvr>
+                                      <p:to>
+                                        <p:strVal val="visible"/>
+                                      </p:to>
+                                    </p:set>
+                                    <p:animEffect transition="in" filter="wipe(up)">
+                                      <p:cBhvr>
+                                        <p:cTn id="22" dur="500"/>
+                                        <p:tgtEl>
+                                          <p:spTgt spid="35"/>
+                                        </p:tgtEl>
+                                      </p:cBhvr>
+                                    </p:animEffect>
+                                  </p:childTnLst>
+                                </p:cTn>
+                              </p:par>
+                            </p:childTnLst>
+                          </p:cTn>
+                        </p:par>
+                      </p:childTnLst>
+                    </p:cTn>
+                  </p:par>
+                  <p:par>
+                    <p:cTn id="23" fill="hold">
+                      <p:stCondLst>
+                        <p:cond delay="indefinite"/>
+                      </p:stCondLst>
+                      <p:childTnLst>
+                        <p:par>
+                          <p:cTn id="24" fill="hold">
+                            <p:stCondLst>
+                              <p:cond delay="0"/>
+                            </p:stCondLst>
+                            <p:childTnLst>
+                              <p:par>
+                                <p:cTn id="25" presetID="22" presetClass="entr" presetSubtype="1" fill="hold" nodeType="clickEffect">
+                                  <p:stCondLst>
+                                    <p:cond delay="0"/>
+                                  </p:stCondLst>
+                                  <p:childTnLst>
+                                    <p:set>
+                                      <p:cBhvr>
+                                        <p:cTn id="26" dur="1" fill="hold">
+                                          <p:stCondLst>
+                                            <p:cond delay="0"/>
+                                          </p:stCondLst>
+                                        </p:cTn>
+                                        <p:tgtEl>
+                                          <p:spTgt spid="38"/>
+                                        </p:tgtEl>
+                                        <p:attrNameLst>
+                                          <p:attrName>style.visibility</p:attrName>
+                                        </p:attrNameLst>
+                                      </p:cBhvr>
+                                      <p:to>
+                                        <p:strVal val="visible"/>
+                                      </p:to>
+                                    </p:set>
+                                    <p:animEffect transition="in" filter="wipe(up)">
+                                      <p:cBhvr>
+                                        <p:cTn id="27" dur="500"/>
+                                        <p:tgtEl>
+                                          <p:spTgt spid="38"/>
+                                        </p:tgtEl>
+                                      </p:cBhvr>
+                                    </p:animEffect>
+                                  </p:childTnLst>
+                                </p:cTn>
+                              </p:par>
+                            </p:childTnLst>
+                          </p:cTn>
+                        </p:par>
+                      </p:childTnLst>
+                    </p:cTn>
+                  </p:par>
+                  <p:par>
+                    <p:cTn id="28" fill="hold">
+                      <p:stCondLst>
+                        <p:cond delay="indefinite"/>
+                      </p:stCondLst>
+                      <p:childTnLst>
+                        <p:par>
+                          <p:cTn id="29" fill="hold">
+                            <p:stCondLst>
+                              <p:cond delay="0"/>
+                            </p:stCondLst>
+                            <p:childTnLst>
+                              <p:par>
+                                <p:cTn id="30" presetID="22" presetClass="entr" presetSubtype="1" fill="hold" nodeType="clickEffect">
+                                  <p:stCondLst>
+                                    <p:cond delay="0"/>
+                                  </p:stCondLst>
+                                  <p:childTnLst>
+                                    <p:set>
+                                      <p:cBhvr>
+                                        <p:cTn id="31" dur="1" fill="hold">
+                                          <p:stCondLst>
+                                            <p:cond delay="0"/>
+                                          </p:stCondLst>
+                                        </p:cTn>
+                                        <p:tgtEl>
+                                          <p:spTgt spid="41"/>
+                                        </p:tgtEl>
+                                        <p:attrNameLst>
+                                          <p:attrName>style.visibility</p:attrName>
+                                        </p:attrNameLst>
+                                      </p:cBhvr>
+                                      <p:to>
+                                        <p:strVal val="visible"/>
+                                      </p:to>
+                                    </p:set>
+                                    <p:animEffect transition="in" filter="wipe(up)">
+                                      <p:cBhvr>
+                                        <p:cTn id="32" dur="500"/>
+                                        <p:tgtEl>
+                                          <p:spTgt spid="41"/>
+                                        </p:tgtEl>
+                                      </p:cBhvr>
+                                    </p:animEffect>
+                                  </p:childTnLst>
+                                </p:cTn>
+                              </p:par>
+                            </p:childTnLst>
+                          </p:cTn>
+                        </p:par>
+                      </p:childTnLst>
+                    </p:cTn>
+                  </p:par>
+                  <p:par>
+                    <p:cTn id="33" fill="hold">
+                      <p:stCondLst>
+                        <p:cond delay="indefinite"/>
+                      </p:stCondLst>
+                      <p:childTnLst>
+                        <p:par>
+                          <p:cTn id="34" fill="hold">
+                            <p:stCondLst>
+                              <p:cond delay="0"/>
+                            </p:stCondLst>
+                            <p:childTnLst>
+                              <p:par>
+                                <p:cTn id="35" presetID="22" presetClass="entr" presetSubtype="1" fill="hold" nodeType="clickEffect">
+                                  <p:stCondLst>
+                                    <p:cond delay="0"/>
+                                  </p:stCondLst>
+                                  <p:childTnLst>
+                                    <p:set>
+                                      <p:cBhvr>
+                                        <p:cTn id="36" dur="1" fill="hold">
+                                          <p:stCondLst>
+                                            <p:cond delay="0"/>
+                                          </p:stCondLst>
+                                        </p:cTn>
+                                        <p:tgtEl>
+                                          <p:spTgt spid="42"/>
+                                        </p:tgtEl>
+                                        <p:attrNameLst>
+                                          <p:attrName>style.visibility</p:attrName>
+                                        </p:attrNameLst>
+                                      </p:cBhvr>
+                                      <p:to>
+                                        <p:strVal val="visible"/>
+                                      </p:to>
+                                    </p:set>
+                                    <p:animEffect transition="in" filter="wipe(up)">
+                                      <p:cBhvr>
+                                        <p:cTn id="37" dur="500"/>
+                                        <p:tgtEl>
+                                          <p:spTgt spid="42"/>
+                                        </p:tgtEl>
+                                      </p:cBhvr>
+                                    </p:animEffect>
+                                  </p:childTnLst>
+                                </p:cTn>
+                              </p:par>
+                            </p:childTnLst>
+                          </p:cTn>
+                        </p:par>
+                      </p:childTnLst>
+                    </p:cTn>
+                  </p:par>
+                  <p:par>
+                    <p:cTn id="38" fill="hold">
+                      <p:stCondLst>
+                        <p:cond delay="indefinite"/>
+                      </p:stCondLst>
+                      <p:childTnLst>
+                        <p:par>
+                          <p:cTn id="39" fill="hold">
+                            <p:stCondLst>
+                              <p:cond delay="0"/>
+                            </p:stCondLst>
+                            <p:childTnLst>
+                              <p:par>
+                                <p:cTn id="40" presetID="22" presetClass="entr" presetSubtype="1" fill="hold" nodeType="clickEffect">
+                                  <p:stCondLst>
+                                    <p:cond delay="0"/>
+                                  </p:stCondLst>
+                                  <p:childTnLst>
+                                    <p:set>
+                                      <p:cBhvr>
+                                        <p:cTn id="41" dur="1" fill="hold">
+                                          <p:stCondLst>
+                                            <p:cond delay="0"/>
+                                          </p:stCondLst>
+                                        </p:cTn>
+                                        <p:tgtEl>
+                                          <p:spTgt spid="48"/>
+                                        </p:tgtEl>
+                                        <p:attrNameLst>
+                                          <p:attrName>style.visibility</p:attrName>
+                                        </p:attrNameLst>
+                                      </p:cBhvr>
+                                      <p:to>
+                                        <p:strVal val="visible"/>
+                                      </p:to>
+                                    </p:set>
+                                    <p:animEffect transition="in" filter="wipe(up)">
+                                      <p:cBhvr>
+                                        <p:cTn id="42" dur="500"/>
+                                        <p:tgtEl>
+                                          <p:spTgt spid="48"/>
+                                        </p:tgtEl>
+                                      </p:cBhvr>
+                                    </p:animEffect>
+                                  </p:childTnLst>
+                                </p:cTn>
+                              </p:par>
+                            </p:childTnLst>
+                          </p:cTn>
+                        </p:par>
+                      </p:childTnLst>
+                    </p:cTn>
+                  </p:par>
+                  <p:par>
+                    <p:cTn id="43" fill="hold">
+                      <p:stCondLst>
+                        <p:cond delay="indefinite"/>
+                      </p:stCondLst>
+                      <p:childTnLst>
+                        <p:par>
+                          <p:cTn id="44" fill="hold">
+                            <p:stCondLst>
+                              <p:cond delay="0"/>
+                            </p:stCondLst>
+                            <p:childTnLst>
+                              <p:par>
+                                <p:cTn id="45" presetID="22" presetClass="entr" presetSubtype="1" fill="hold" nodeType="clickEffect">
+                                  <p:stCondLst>
+                                    <p:cond delay="0"/>
+                                  </p:stCondLst>
+                                  <p:childTnLst>
+                                    <p:set>
+                                      <p:cBhvr>
+                                        <p:cTn id="46" dur="1" fill="hold">
+                                          <p:stCondLst>
+                                            <p:cond delay="0"/>
+                                          </p:stCondLst>
+                                        </p:cTn>
+                                        <p:tgtEl>
+                                          <p:spTgt spid="49"/>
+                                        </p:tgtEl>
+                                        <p:attrNameLst>
+                                          <p:attrName>style.visibility</p:attrName>
+                                        </p:attrNameLst>
+                                      </p:cBhvr>
+                                      <p:to>
+                                        <p:strVal val="visible"/>
+                                      </p:to>
+                                    </p:set>
+                                    <p:animEffect transition="in" filter="wipe(up)">
+                                      <p:cBhvr>
+                                        <p:cTn id="47" dur="500"/>
+                                        <p:tgtEl>
+                                          <p:spTgt spid="49"/>
+                                        </p:tgtEl>
+                                      </p:cBhvr>
+                                    </p:animEffect>
+                                  </p:childTnLst>
+                                </p:cTn>
+                              </p:par>
+                            </p:childTnLst>
+                          </p:cTn>
+                        </p:par>
+                      </p:childTnLst>
+                    </p:cTn>
+                  </p:par>
+                  <p:par>
+                    <p:cTn id="48" fill="hold">
+                      <p:stCondLst>
+                        <p:cond delay="indefinite"/>
+                      </p:stCondLst>
+                      <p:childTnLst>
+                        <p:par>
+                          <p:cTn id="49" fill="hold">
+                            <p:stCondLst>
+                              <p:cond delay="0"/>
+                            </p:stCondLst>
+                            <p:childTnLst>
+                              <p:par>
+                                <p:cTn id="50" presetID="22" presetClass="entr" presetSubtype="1" fill="hold" nodeType="clickEffect">
+                                  <p:stCondLst>
+                                    <p:cond delay="0"/>
+                                  </p:stCondLst>
+                                  <p:childTnLst>
+                                    <p:set>
+                                      <p:cBhvr>
+                                        <p:cTn id="51" dur="1" fill="hold">
+                                          <p:stCondLst>
+                                            <p:cond delay="0"/>
+                                          </p:stCondLst>
+                                        </p:cTn>
+                                        <p:tgtEl>
+                                          <p:spTgt spid="43"/>
+                                        </p:tgtEl>
+                                        <p:attrNameLst>
+                                          <p:attrName>style.visibility</p:attrName>
+                                        </p:attrNameLst>
+                                      </p:cBhvr>
+                                      <p:to>
+                                        <p:strVal val="visible"/>
+                                      </p:to>
+                                    </p:set>
+                                    <p:animEffect transition="in" filter="wipe(up)">
+                                      <p:cBhvr>
+                                        <p:cTn id="52" dur="500"/>
+                                        <p:tgtEl>
+                                          <p:spTgt spid="43"/>
+                                        </p:tgtEl>
+                                      </p:cBhvr>
+                                    </p:animEffect>
+                                  </p:childTnLst>
+                                </p:cTn>
+                              </p:par>
+                            </p:childTnLst>
+                          </p:cTn>
+                        </p:par>
+                      </p:childTnLst>
+                    </p:cTn>
+                  </p:par>
+                  <p:par>
+                    <p:cTn id="53" fill="hold">
+                      <p:stCondLst>
+                        <p:cond delay="indefinite"/>
+                      </p:stCondLst>
+                      <p:childTnLst>
+                        <p:par>
+                          <p:cTn id="54" fill="hold">
+                            <p:stCondLst>
+                              <p:cond delay="0"/>
+                            </p:stCondLst>
+                            <p:childTnLst>
+                              <p:par>
+                                <p:cTn id="55" presetID="22" presetClass="entr" presetSubtype="1" fill="hold" nodeType="clickEffect">
+                                  <p:stCondLst>
+                                    <p:cond delay="0"/>
+                                  </p:stCondLst>
+                                  <p:childTnLst>
+                                    <p:set>
+                                      <p:cBhvr>
+                                        <p:cTn id="56" dur="1" fill="hold">
+                                          <p:stCondLst>
+                                            <p:cond delay="0"/>
+                                          </p:stCondLst>
+                                        </p:cTn>
+                                        <p:tgtEl>
+                                          <p:spTgt spid="57"/>
+                                        </p:tgtEl>
+                                        <p:attrNameLst>
+                                          <p:attrName>style.visibility</p:attrName>
+                                        </p:attrNameLst>
+                                      </p:cBhvr>
+                                      <p:to>
+                                        <p:strVal val="visible"/>
+                                      </p:to>
+                                    </p:set>
+                                    <p:animEffect transition="in" filter="wipe(up)">
+                                      <p:cBhvr>
+                                        <p:cTn id="57" dur="500"/>
+                                        <p:tgtEl>
+                                          <p:spTgt spid="57"/>
+                                        </p:tgtEl>
+                                      </p:cBhvr>
+                                    </p:animEffect>
+                                  </p:childTnLst>
+                                </p:cTn>
+                              </p:par>
+                            </p:childTnLst>
+                          </p:cTn>
+                        </p:par>
+                      </p:childTnLst>
+                    </p:cTn>
+                  </p:par>
+                  <p:par>
+                    <p:cTn id="58" fill="hold">
+                      <p:stCondLst>
+                        <p:cond delay="indefinite"/>
+                      </p:stCondLst>
+                      <p:childTnLst>
+                        <p:par>
+                          <p:cTn id="59" fill="hold">
+                            <p:stCondLst>
+                              <p:cond delay="0"/>
+                            </p:stCondLst>
+                            <p:childTnLst>
+                              <p:par>
+                                <p:cTn id="60" presetID="22" presetClass="entr" presetSubtype="1" fill="hold" nodeType="clickEffect">
+                                  <p:stCondLst>
+                                    <p:cond delay="0"/>
+                                  </p:stCondLst>
+                                  <p:childTnLst>
+                                    <p:set>
+                                      <p:cBhvr>
+                                        <p:cTn id="61" dur="1" fill="hold">
+                                          <p:stCondLst>
+                                            <p:cond delay="0"/>
+                                          </p:stCondLst>
+                                        </p:cTn>
+                                        <p:tgtEl>
+                                          <p:spTgt spid="95"/>
+                                        </p:tgtEl>
+                                        <p:attrNameLst>
+                                          <p:attrName>style.visibility</p:attrName>
+                                        </p:attrNameLst>
+                                      </p:cBhvr>
+                                      <p:to>
+                                        <p:strVal val="visible"/>
+                                      </p:to>
+                                    </p:set>
+                                    <p:animEffect transition="in" filter="wipe(up)">
+                                      <p:cBhvr>
+                                        <p:cTn id="62" dur="500"/>
+                                        <p:tgtEl>
+                                          <p:spTgt spid="95"/>
+                                        </p:tgtEl>
+                                      </p:cBhvr>
+                                    </p:animEffect>
+                                  </p:childTnLst>
+                                </p:cTn>
+                              </p:par>
+                            </p:childTnLst>
+                          </p:cTn>
+                        </p:par>
+                      </p:childTnLst>
+                    </p:cTn>
+                  </p:par>
+                  <p:par>
+                    <p:cTn id="63" fill="hold">
+                      <p:stCondLst>
+                        <p:cond delay="indefinite"/>
+                      </p:stCondLst>
+                      <p:childTnLst>
+                        <p:par>
+                          <p:cTn id="64" fill="hold">
+                            <p:stCondLst>
+                              <p:cond delay="0"/>
+                            </p:stCondLst>
+                            <p:childTnLst>
+                              <p:par>
+                                <p:cTn id="65" presetID="22" presetClass="entr" presetSubtype="1" fill="hold" nodeType="clickEffect">
+                                  <p:stCondLst>
+                                    <p:cond delay="0"/>
+                                  </p:stCondLst>
+                                  <p:childTnLst>
+                                    <p:set>
+                                      <p:cBhvr>
+                                        <p:cTn id="66" dur="1" fill="hold">
+                                          <p:stCondLst>
+                                            <p:cond delay="0"/>
+                                          </p:stCondLst>
+                                        </p:cTn>
+                                        <p:tgtEl>
+                                          <p:spTgt spid="100"/>
+                                        </p:tgtEl>
+                                        <p:attrNameLst>
+                                          <p:attrName>style.visibility</p:attrName>
+                                        </p:attrNameLst>
+                                      </p:cBhvr>
+                                      <p:to>
+                                        <p:strVal val="visible"/>
+                                      </p:to>
+                                    </p:set>
+                                    <p:animEffect transition="in" filter="wipe(up)">
+                                      <p:cBhvr>
+                                        <p:cTn id="67" dur="500"/>
+                                        <p:tgtEl>
+                                          <p:spTgt spid="100"/>
+                                        </p:tgtEl>
+                                      </p:cBhvr>
+                                    </p:animEffect>
+                                  </p:childTnLst>
+                                </p:cTn>
+                              </p:par>
+                            </p:childTnLst>
+                          </p:cTn>
+                        </p:par>
+                      </p:childTnLst>
+                    </p:cTn>
+                  </p:par>
+                </p:childTnLst>
+              </p:cTn>
+              <p:prevCondLst>
+                <p:cond evt="onPrev" delay="0">
+                  <p:tgtEl>
+                    <p:sldTgt/>
+                  </p:tgtEl>
+                </p:cond>
+              </p:prevCondLst>
+              <p:nextCondLst>
+                <p:cond evt="onNext" delay="0">
+                  <p:tgtEl>
+                    <p:sldTgt/>
+                  </p:tgtEl>
+                </p:cond>
+              </p:nextCondLst>
+            </p:seq>
+          </p:childTnLst>
+        </p:cTn>
+      </p:par>
+    </p:tnLst>
+  </p:timing>
+</p:sld>
+</file>
+
 <file path=ppt/slides/slide5.xml><?xml version="1.0" encoding="utf-8"?>
 <p:sld xmlns:a="http://schemas.openxmlformats.org/drawingml/2006/main" xmlns:r="http://schemas.openxmlformats.org/officeDocument/2006/relationships" xmlns:p="http://schemas.openxmlformats.org/presentationml/2006/main">
   <p:cSld>

--- a/ui/resource/软件介绍.pptx
+++ b/ui/resource/软件介绍.pptx
@@ -5,10 +5,10 @@
     <p:sldMasterId id="2147483683" r:id="rId1"/>
   </p:sldMasterIdLst>
   <p:notesMasterIdLst>
-    <p:notesMasterId r:id="rId47"/>
+    <p:notesMasterId r:id="rId49"/>
   </p:notesMasterIdLst>
   <p:handoutMasterIdLst>
-    <p:handoutMasterId r:id="rId48"/>
+    <p:handoutMasterId r:id="rId50"/>
   </p:handoutMasterIdLst>
   <p:sldIdLst>
     <p:sldId id="534" r:id="rId2"/>
@@ -56,11 +56,13 @@
     <p:sldId id="554" r:id="rId44"/>
     <p:sldId id="531" r:id="rId45"/>
     <p:sldId id="555" r:id="rId46"/>
+    <p:sldId id="556" r:id="rId47"/>
+    <p:sldId id="557" r:id="rId48"/>
   </p:sldIdLst>
   <p:sldSz cx="12192000" cy="6858000"/>
   <p:notesSz cx="6858000" cy="9144000"/>
   <p:custDataLst>
-    <p:tags r:id="rId49"/>
+    <p:tags r:id="rId51"/>
   </p:custDataLst>
   <p:defaultTextStyle>
     <a:defPPr>
@@ -215,6 +217,8 @@
             <p14:sldId id="554"/>
             <p14:sldId id="531"/>
             <p14:sldId id="555"/>
+            <p14:sldId id="556"/>
+            <p14:sldId id="557"/>
           </p14:sldIdLst>
         </p14:section>
       </p14:sectionLst>
@@ -11786,7 +11790,7 @@
           <a:p>
             <a:fld id="{285264BB-8F8A-4D4A-88A3-0640162C694A}" type="datetimeFigureOut">
               <a:rPr lang="zh-CN" altLang="en-US" smtClean="0"/>
-              <a:t>2024/11/5</a:t>
+              <a:t>2024/11/11</a:t>
             </a:fld>
             <a:endParaRPr lang="zh-CN" altLang="en-US"/>
           </a:p>
@@ -11951,7 +11955,7 @@
           <a:p>
             <a:fld id="{C3C1C5A8-D213-43C4-B748-86D822F1E0AF}" type="datetimeFigureOut">
               <a:rPr lang="zh-CN" altLang="en-US" smtClean="0"/>
-              <a:t>2024/11/5</a:t>
+              <a:t>2024/11/11</a:t>
             </a:fld>
             <a:endParaRPr lang="zh-CN" altLang="en-US"/>
           </a:p>
@@ -18684,7 +18688,7 @@
           <a:p>
             <a:fld id="{760FBDFE-C587-4B4C-A407-44438C67B59E}" type="datetimeFigureOut">
               <a:rPr lang="zh-CN" altLang="en-US" smtClean="0"/>
-              <a:t>2024/11/5</a:t>
+              <a:t>2024/11/11</a:t>
             </a:fld>
             <a:endParaRPr lang="zh-CN" altLang="en-US"/>
           </a:p>
@@ -19127,7 +19131,7 @@
             <a:fld id="{96DFF08F-DC6B-4601-B491-B0F83F6DD2DA}" type="datetimeFigureOut">
               <a:rPr lang="en-US" dirty="0"/>
               <a:pPr/>
-              <a:t>11/5/2024</a:t>
+              <a:t>11/11/2024</a:t>
             </a:fld>
             <a:endParaRPr lang="en-US" dirty="0"/>
           </a:p>
@@ -44415,6 +44419,2980 @@
 </p:sld>
 </file>
 
+<file path=ppt/slides/slide46.xml><?xml version="1.0" encoding="utf-8"?>
+<p:sld xmlns:a="http://schemas.openxmlformats.org/drawingml/2006/main" xmlns:r="http://schemas.openxmlformats.org/officeDocument/2006/relationships" xmlns:p="http://schemas.openxmlformats.org/presentationml/2006/main">
+  <p:cSld>
+    <p:spTree>
+      <p:nvGrpSpPr>
+        <p:cNvPr id="1" name=""/>
+        <p:cNvGrpSpPr/>
+        <p:nvPr/>
+      </p:nvGrpSpPr>
+      <p:grpSpPr>
+        <a:xfrm>
+          <a:off x="0" y="0"/>
+          <a:ext cx="0" cy="0"/>
+          <a:chOff x="0" y="0"/>
+          <a:chExt cx="0" cy="0"/>
+        </a:xfrm>
+      </p:grpSpPr>
+      <p:sp>
+        <p:nvSpPr>
+          <p:cNvPr id="33" name="矩形 32">
+            <a:extLst>
+              <a:ext uri="{FF2B5EF4-FFF2-40B4-BE49-F238E27FC236}">
+                <a16:creationId xmlns:a16="http://schemas.microsoft.com/office/drawing/2014/main" id="{9FD4527E-8CED-5A80-3CC1-8DE23C4D58D4}"/>
+              </a:ext>
+            </a:extLst>
+          </p:cNvPr>
+          <p:cNvSpPr/>
+          <p:nvPr/>
+        </p:nvSpPr>
+        <p:spPr>
+          <a:xfrm>
+            <a:off x="291061" y="399011"/>
+            <a:ext cx="11594651" cy="5976851"/>
+          </a:xfrm>
+          <a:prstGeom prst="rect">
+            <a:avLst/>
+          </a:prstGeom>
+          <a:solidFill>
+            <a:schemeClr val="bg1"/>
+          </a:solidFill>
+        </p:spPr>
+        <p:style>
+          <a:lnRef idx="2">
+            <a:schemeClr val="accent1">
+              <a:shade val="15000"/>
+            </a:schemeClr>
+          </a:lnRef>
+          <a:fillRef idx="1">
+            <a:schemeClr val="accent1"/>
+          </a:fillRef>
+          <a:effectRef idx="0">
+            <a:schemeClr val="accent1"/>
+          </a:effectRef>
+          <a:fontRef idx="minor">
+            <a:schemeClr val="lt1"/>
+          </a:fontRef>
+        </p:style>
+        <p:txBody>
+          <a:bodyPr rtlCol="0" anchor="ctr"/>
+          <a:lstStyle/>
+          <a:p>
+            <a:pPr algn="ctr"/>
+            <a:endParaRPr lang="zh-CN" altLang="en-US" dirty="0"/>
+          </a:p>
+        </p:txBody>
+      </p:sp>
+      <p:sp>
+        <p:nvSpPr>
+          <p:cNvPr id="2" name="文本框 1">
+            <a:extLst>
+              <a:ext uri="{FF2B5EF4-FFF2-40B4-BE49-F238E27FC236}">
+                <a16:creationId xmlns:a16="http://schemas.microsoft.com/office/drawing/2014/main" id="{C84F1A43-7A71-CE82-1CF3-12E3767004F9}"/>
+              </a:ext>
+            </a:extLst>
+          </p:cNvPr>
+          <p:cNvSpPr txBox="1"/>
+          <p:nvPr/>
+        </p:nvSpPr>
+        <p:spPr>
+          <a:xfrm>
+            <a:off x="2330112" y="1865603"/>
+            <a:ext cx="1021433" cy="461665"/>
+          </a:xfrm>
+          <a:prstGeom prst="rect">
+            <a:avLst/>
+          </a:prstGeom>
+        </p:spPr>
+        <p:style>
+          <a:lnRef idx="2">
+            <a:schemeClr val="accent1"/>
+          </a:lnRef>
+          <a:fillRef idx="1">
+            <a:schemeClr val="lt1"/>
+          </a:fillRef>
+          <a:effectRef idx="0">
+            <a:schemeClr val="accent1"/>
+          </a:effectRef>
+          <a:fontRef idx="minor">
+            <a:schemeClr val="dk1"/>
+          </a:fontRef>
+        </p:style>
+        <p:txBody>
+          <a:bodyPr wrap="none" rtlCol="0">
+            <a:spAutoFit/>
+          </a:bodyPr>
+          <a:lstStyle/>
+          <a:p>
+            <a:r>
+              <a:rPr lang="en-US" altLang="zh-CN" sz="2400" dirty="0">
+                <a:latin typeface="Times New Roman" panose="02020603050405020304" pitchFamily="18" charset="0"/>
+                <a:ea typeface="黑体" panose="02010609060101010101" pitchFamily="49" charset="-122"/>
+                <a:cs typeface="Times New Roman" panose="02020603050405020304" pitchFamily="18" charset="0"/>
+              </a:rPr>
+              <a:t>widget</a:t>
+            </a:r>
+            <a:endParaRPr lang="zh-CN" altLang="en-US" sz="2400" dirty="0">
+              <a:latin typeface="Times New Roman" panose="02020603050405020304" pitchFamily="18" charset="0"/>
+              <a:ea typeface="黑体" panose="02010609060101010101" pitchFamily="49" charset="-122"/>
+              <a:cs typeface="Times New Roman" panose="02020603050405020304" pitchFamily="18" charset="0"/>
+            </a:endParaRPr>
+          </a:p>
+        </p:txBody>
+      </p:sp>
+      <p:sp>
+        <p:nvSpPr>
+          <p:cNvPr id="3" name="文本框 2">
+            <a:extLst>
+              <a:ext uri="{FF2B5EF4-FFF2-40B4-BE49-F238E27FC236}">
+                <a16:creationId xmlns:a16="http://schemas.microsoft.com/office/drawing/2014/main" id="{719F879C-6E85-C171-EBF8-46A20E8D689E}"/>
+              </a:ext>
+            </a:extLst>
+          </p:cNvPr>
+          <p:cNvSpPr txBox="1"/>
+          <p:nvPr/>
+        </p:nvSpPr>
+        <p:spPr>
+          <a:xfrm>
+            <a:off x="787914" y="2698116"/>
+            <a:ext cx="577402" cy="461665"/>
+          </a:xfrm>
+          <a:prstGeom prst="rect">
+            <a:avLst/>
+          </a:prstGeom>
+        </p:spPr>
+        <p:style>
+          <a:lnRef idx="2">
+            <a:schemeClr val="accent1"/>
+          </a:lnRef>
+          <a:fillRef idx="1">
+            <a:schemeClr val="lt1"/>
+          </a:fillRef>
+          <a:effectRef idx="0">
+            <a:schemeClr val="accent1"/>
+          </a:effectRef>
+          <a:fontRef idx="minor">
+            <a:schemeClr val="dk1"/>
+          </a:fontRef>
+        </p:style>
+        <p:txBody>
+          <a:bodyPr wrap="none" rtlCol="0">
+            <a:spAutoFit/>
+          </a:bodyPr>
+          <a:lstStyle/>
+          <a:p>
+            <a:r>
+              <a:rPr lang="en-US" altLang="zh-CN" sz="2400" dirty="0">
+                <a:latin typeface="Times New Roman" panose="02020603050405020304" pitchFamily="18" charset="0"/>
+                <a:ea typeface="黑体" panose="02010609060101010101" pitchFamily="49" charset="-122"/>
+                <a:cs typeface="Times New Roman" panose="02020603050405020304" pitchFamily="18" charset="0"/>
+              </a:rPr>
+              <a:t>bot</a:t>
+            </a:r>
+            <a:endParaRPr lang="zh-CN" altLang="en-US" sz="2400" dirty="0">
+              <a:latin typeface="Times New Roman" panose="02020603050405020304" pitchFamily="18" charset="0"/>
+              <a:ea typeface="黑体" panose="02010609060101010101" pitchFamily="49" charset="-122"/>
+              <a:cs typeface="Times New Roman" panose="02020603050405020304" pitchFamily="18" charset="0"/>
+            </a:endParaRPr>
+          </a:p>
+        </p:txBody>
+      </p:sp>
+      <p:sp>
+        <p:nvSpPr>
+          <p:cNvPr id="4" name="文本框 3">
+            <a:extLst>
+              <a:ext uri="{FF2B5EF4-FFF2-40B4-BE49-F238E27FC236}">
+                <a16:creationId xmlns:a16="http://schemas.microsoft.com/office/drawing/2014/main" id="{82A635FA-2779-D33B-970D-9E71553D15A1}"/>
+              </a:ext>
+            </a:extLst>
+          </p:cNvPr>
+          <p:cNvSpPr txBox="1"/>
+          <p:nvPr/>
+        </p:nvSpPr>
+        <p:spPr>
+          <a:xfrm>
+            <a:off x="4320745" y="2698116"/>
+            <a:ext cx="559769" cy="461665"/>
+          </a:xfrm>
+          <a:prstGeom prst="rect">
+            <a:avLst/>
+          </a:prstGeom>
+        </p:spPr>
+        <p:style>
+          <a:lnRef idx="2">
+            <a:schemeClr val="accent1"/>
+          </a:lnRef>
+          <a:fillRef idx="1">
+            <a:schemeClr val="lt1"/>
+          </a:fillRef>
+          <a:effectRef idx="0">
+            <a:schemeClr val="accent1"/>
+          </a:effectRef>
+          <a:fontRef idx="minor">
+            <a:schemeClr val="dk1"/>
+          </a:fontRef>
+        </p:style>
+        <p:txBody>
+          <a:bodyPr wrap="none" rtlCol="0">
+            <a:spAutoFit/>
+          </a:bodyPr>
+          <a:lstStyle/>
+          <a:p>
+            <a:r>
+              <a:rPr lang="en-US" altLang="zh-CN" sz="2400" dirty="0">
+                <a:latin typeface="Times New Roman" panose="02020603050405020304" pitchFamily="18" charset="0"/>
+                <a:ea typeface="黑体" panose="02010609060101010101" pitchFamily="49" charset="-122"/>
+                <a:cs typeface="Times New Roman" panose="02020603050405020304" pitchFamily="18" charset="0"/>
+              </a:rPr>
+              <a:t>net</a:t>
+            </a:r>
+            <a:endParaRPr lang="zh-CN" altLang="en-US" sz="2400" dirty="0">
+              <a:latin typeface="Times New Roman" panose="02020603050405020304" pitchFamily="18" charset="0"/>
+              <a:ea typeface="黑体" panose="02010609060101010101" pitchFamily="49" charset="-122"/>
+              <a:cs typeface="Times New Roman" panose="02020603050405020304" pitchFamily="18" charset="0"/>
+            </a:endParaRPr>
+          </a:p>
+        </p:txBody>
+      </p:sp>
+      <p:sp>
+        <p:nvSpPr>
+          <p:cNvPr id="5" name="文本框 4">
+            <a:extLst>
+              <a:ext uri="{FF2B5EF4-FFF2-40B4-BE49-F238E27FC236}">
+                <a16:creationId xmlns:a16="http://schemas.microsoft.com/office/drawing/2014/main" id="{3B9D993A-6484-85EC-B24B-2EEFE7344203}"/>
+              </a:ext>
+            </a:extLst>
+          </p:cNvPr>
+          <p:cNvSpPr txBox="1"/>
+          <p:nvPr/>
+        </p:nvSpPr>
+        <p:spPr>
+          <a:xfrm>
+            <a:off x="3807784" y="4114071"/>
+            <a:ext cx="1072730" cy="461665"/>
+          </a:xfrm>
+          <a:prstGeom prst="rect">
+            <a:avLst/>
+          </a:prstGeom>
+        </p:spPr>
+        <p:style>
+          <a:lnRef idx="2">
+            <a:schemeClr val="accent1"/>
+          </a:lnRef>
+          <a:fillRef idx="1">
+            <a:schemeClr val="lt1"/>
+          </a:fillRef>
+          <a:effectRef idx="0">
+            <a:schemeClr val="accent1"/>
+          </a:effectRef>
+          <a:fontRef idx="minor">
+            <a:schemeClr val="dk1"/>
+          </a:fontRef>
+        </p:style>
+        <p:txBody>
+          <a:bodyPr wrap="none" rtlCol="0">
+            <a:spAutoFit/>
+          </a:bodyPr>
+          <a:lstStyle/>
+          <a:p>
+            <a:r>
+              <a:rPr lang="en-US" altLang="zh-CN" sz="2400" dirty="0">
+                <a:latin typeface="Times New Roman" panose="02020603050405020304" pitchFamily="18" charset="0"/>
+                <a:ea typeface="黑体" panose="02010609060101010101" pitchFamily="49" charset="-122"/>
+                <a:cs typeface="Times New Roman" panose="02020603050405020304" pitchFamily="18" charset="0"/>
+              </a:rPr>
+              <a:t>expend</a:t>
+            </a:r>
+            <a:endParaRPr lang="zh-CN" altLang="en-US" sz="2400" dirty="0">
+              <a:latin typeface="Times New Roman" panose="02020603050405020304" pitchFamily="18" charset="0"/>
+              <a:ea typeface="黑体" panose="02010609060101010101" pitchFamily="49" charset="-122"/>
+              <a:cs typeface="Times New Roman" panose="02020603050405020304" pitchFamily="18" charset="0"/>
+            </a:endParaRPr>
+          </a:p>
+        </p:txBody>
+      </p:sp>
+      <p:sp>
+        <p:nvSpPr>
+          <p:cNvPr id="6" name="文本框 5">
+            <a:extLst>
+              <a:ext uri="{FF2B5EF4-FFF2-40B4-BE49-F238E27FC236}">
+                <a16:creationId xmlns:a16="http://schemas.microsoft.com/office/drawing/2014/main" id="{8CFE562F-C4D3-504B-1BEE-AAB902C4637F}"/>
+              </a:ext>
+            </a:extLst>
+          </p:cNvPr>
+          <p:cNvSpPr txBox="1"/>
+          <p:nvPr/>
+        </p:nvSpPr>
+        <p:spPr>
+          <a:xfrm>
+            <a:off x="787914" y="4114071"/>
+            <a:ext cx="662361" cy="461665"/>
+          </a:xfrm>
+          <a:prstGeom prst="rect">
+            <a:avLst/>
+          </a:prstGeom>
+        </p:spPr>
+        <p:style>
+          <a:lnRef idx="2">
+            <a:schemeClr val="accent1"/>
+          </a:lnRef>
+          <a:fillRef idx="1">
+            <a:schemeClr val="lt1"/>
+          </a:fillRef>
+          <a:effectRef idx="0">
+            <a:schemeClr val="accent1"/>
+          </a:effectRef>
+          <a:fontRef idx="minor">
+            <a:schemeClr val="dk1"/>
+          </a:fontRef>
+        </p:style>
+        <p:txBody>
+          <a:bodyPr wrap="none" rtlCol="0">
+            <a:spAutoFit/>
+          </a:bodyPr>
+          <a:lstStyle/>
+          <a:p>
+            <a:r>
+              <a:rPr lang="en-US" altLang="zh-CN" sz="2400" dirty="0">
+                <a:latin typeface="Times New Roman" panose="02020603050405020304" pitchFamily="18" charset="0"/>
+                <a:ea typeface="黑体" panose="02010609060101010101" pitchFamily="49" charset="-122"/>
+                <a:cs typeface="Times New Roman" panose="02020603050405020304" pitchFamily="18" charset="0"/>
+              </a:rPr>
+              <a:t>tool</a:t>
+            </a:r>
+            <a:endParaRPr lang="zh-CN" altLang="en-US" sz="2400" dirty="0">
+              <a:latin typeface="Times New Roman" panose="02020603050405020304" pitchFamily="18" charset="0"/>
+              <a:ea typeface="黑体" panose="02010609060101010101" pitchFamily="49" charset="-122"/>
+              <a:cs typeface="Times New Roman" panose="02020603050405020304" pitchFamily="18" charset="0"/>
+            </a:endParaRPr>
+          </a:p>
+        </p:txBody>
+      </p:sp>
+      <p:cxnSp>
+        <p:nvCxnSpPr>
+          <p:cNvPr id="7" name="直接箭头连接符 6">
+            <a:extLst>
+              <a:ext uri="{FF2B5EF4-FFF2-40B4-BE49-F238E27FC236}">
+                <a16:creationId xmlns:a16="http://schemas.microsoft.com/office/drawing/2014/main" id="{8F3F5BFF-2B9B-2426-CE13-6C429F946B47}"/>
+              </a:ext>
+            </a:extLst>
+          </p:cNvPr>
+          <p:cNvCxnSpPr>
+            <a:cxnSpLocks/>
+            <a:stCxn id="2" idx="1"/>
+            <a:endCxn id="3" idx="0"/>
+          </p:cNvCxnSpPr>
+          <p:nvPr/>
+        </p:nvCxnSpPr>
+        <p:spPr>
+          <a:xfrm flipH="1">
+            <a:off x="1076615" y="2096436"/>
+            <a:ext cx="1253497" cy="601680"/>
+          </a:xfrm>
+          <a:prstGeom prst="straightConnector1">
+            <a:avLst/>
+          </a:prstGeom>
+          <a:ln w="25400">
+            <a:solidFill>
+              <a:schemeClr val="accent5">
+                <a:lumMod val="60000"/>
+                <a:lumOff val="40000"/>
+              </a:schemeClr>
+            </a:solidFill>
+            <a:prstDash val="dash"/>
+            <a:headEnd type="arrow"/>
+            <a:tailEnd type="arrow"/>
+          </a:ln>
+        </p:spPr>
+        <p:style>
+          <a:lnRef idx="1">
+            <a:schemeClr val="accent1"/>
+          </a:lnRef>
+          <a:fillRef idx="0">
+            <a:schemeClr val="accent1"/>
+          </a:fillRef>
+          <a:effectRef idx="0">
+            <a:schemeClr val="accent1"/>
+          </a:effectRef>
+          <a:fontRef idx="minor">
+            <a:schemeClr val="tx1"/>
+          </a:fontRef>
+        </p:style>
+      </p:cxnSp>
+      <p:sp>
+        <p:nvSpPr>
+          <p:cNvPr id="16" name="文本框 15">
+            <a:extLst>
+              <a:ext uri="{FF2B5EF4-FFF2-40B4-BE49-F238E27FC236}">
+                <a16:creationId xmlns:a16="http://schemas.microsoft.com/office/drawing/2014/main" id="{DEB4D38F-DDF6-A84B-0569-134820998822}"/>
+              </a:ext>
+            </a:extLst>
+          </p:cNvPr>
+          <p:cNvSpPr txBox="1"/>
+          <p:nvPr/>
+        </p:nvSpPr>
+        <p:spPr>
+          <a:xfrm>
+            <a:off x="5063395" y="1289267"/>
+            <a:ext cx="6748963" cy="4093428"/>
+          </a:xfrm>
+          <a:prstGeom prst="rect">
+            <a:avLst/>
+          </a:prstGeom>
+          <a:noFill/>
+        </p:spPr>
+        <p:txBody>
+          <a:bodyPr wrap="none" rtlCol="0">
+            <a:spAutoFit/>
+          </a:bodyPr>
+          <a:lstStyle/>
+          <a:p>
+            <a:r>
+              <a:rPr lang="en-US" altLang="zh-CN" sz="2000" dirty="0" err="1">
+                <a:latin typeface="Times New Roman" panose="02020603050405020304" pitchFamily="18" charset="0"/>
+                <a:ea typeface="黑体" panose="02010609060101010101" pitchFamily="49" charset="-122"/>
+                <a:cs typeface="Times New Roman" panose="02020603050405020304" pitchFamily="18" charset="0"/>
+              </a:rPr>
+              <a:t>eva</a:t>
+            </a:r>
+            <a:r>
+              <a:rPr lang="zh-CN" altLang="en-US" sz="2000" dirty="0">
+                <a:latin typeface="Times New Roman" panose="02020603050405020304" pitchFamily="18" charset="0"/>
+                <a:ea typeface="黑体" panose="02010609060101010101" pitchFamily="49" charset="-122"/>
+                <a:cs typeface="Times New Roman" panose="02020603050405020304" pitchFamily="18" charset="0"/>
+              </a:rPr>
+              <a:t>主要有</a:t>
+            </a:r>
+            <a:r>
+              <a:rPr lang="en-US" altLang="zh-CN" sz="2000" dirty="0">
+                <a:latin typeface="Times New Roman" panose="02020603050405020304" pitchFamily="18" charset="0"/>
+                <a:ea typeface="黑体" panose="02010609060101010101" pitchFamily="49" charset="-122"/>
+                <a:cs typeface="Times New Roman" panose="02020603050405020304" pitchFamily="18" charset="0"/>
+              </a:rPr>
+              <a:t>5</a:t>
+            </a:r>
+            <a:r>
+              <a:rPr lang="zh-CN" altLang="en-US" sz="2000" dirty="0">
+                <a:latin typeface="Times New Roman" panose="02020603050405020304" pitchFamily="18" charset="0"/>
+                <a:ea typeface="黑体" panose="02010609060101010101" pitchFamily="49" charset="-122"/>
+                <a:cs typeface="Times New Roman" panose="02020603050405020304" pitchFamily="18" charset="0"/>
+              </a:rPr>
+              <a:t>个类，左边是类间的通信示意</a:t>
+            </a:r>
+            <a:endParaRPr lang="en-US" altLang="zh-CN" sz="2000" dirty="0">
+              <a:latin typeface="Times New Roman" panose="02020603050405020304" pitchFamily="18" charset="0"/>
+              <a:ea typeface="黑体" panose="02010609060101010101" pitchFamily="49" charset="-122"/>
+              <a:cs typeface="Times New Roman" panose="02020603050405020304" pitchFamily="18" charset="0"/>
+            </a:endParaRPr>
+          </a:p>
+          <a:p>
+            <a:r>
+              <a:rPr lang="en-US" altLang="zh-CN" sz="2000" dirty="0">
+                <a:latin typeface="Times New Roman" panose="02020603050405020304" pitchFamily="18" charset="0"/>
+                <a:ea typeface="黑体" panose="02010609060101010101" pitchFamily="49" charset="-122"/>
+                <a:cs typeface="Times New Roman" panose="02020603050405020304" pitchFamily="18" charset="0"/>
+              </a:rPr>
+              <a:t>widget</a:t>
+            </a:r>
+            <a:r>
+              <a:rPr lang="zh-CN" altLang="en-US" sz="2000" dirty="0">
+                <a:latin typeface="Times New Roman" panose="02020603050405020304" pitchFamily="18" charset="0"/>
+                <a:ea typeface="黑体" panose="02010609060101010101" pitchFamily="49" charset="-122"/>
+                <a:cs typeface="Times New Roman" panose="02020603050405020304" pitchFamily="18" charset="0"/>
+              </a:rPr>
+              <a:t>：窗口类，用于控制和交互</a:t>
+            </a:r>
+            <a:endParaRPr lang="en-US" altLang="zh-CN" sz="2000" dirty="0">
+              <a:latin typeface="Times New Roman" panose="02020603050405020304" pitchFamily="18" charset="0"/>
+              <a:ea typeface="黑体" panose="02010609060101010101" pitchFamily="49" charset="-122"/>
+              <a:cs typeface="Times New Roman" panose="02020603050405020304" pitchFamily="18" charset="0"/>
+            </a:endParaRPr>
+          </a:p>
+          <a:p>
+            <a:r>
+              <a:rPr lang="en-US" altLang="zh-CN" sz="2000" dirty="0">
+                <a:latin typeface="Times New Roman" panose="02020603050405020304" pitchFamily="18" charset="0"/>
+                <a:ea typeface="黑体" panose="02010609060101010101" pitchFamily="49" charset="-122"/>
+                <a:cs typeface="Times New Roman" panose="02020603050405020304" pitchFamily="18" charset="0"/>
+              </a:rPr>
+              <a:t>bot</a:t>
+            </a:r>
+            <a:r>
+              <a:rPr lang="zh-CN" altLang="en-US" sz="2000" dirty="0">
+                <a:latin typeface="Times New Roman" panose="02020603050405020304" pitchFamily="18" charset="0"/>
+                <a:ea typeface="黑体" panose="02010609060101010101" pitchFamily="49" charset="-122"/>
+                <a:cs typeface="Times New Roman" panose="02020603050405020304" pitchFamily="18" charset="0"/>
+              </a:rPr>
+              <a:t>：模型类，管理模型的推理和采样</a:t>
+            </a:r>
+            <a:endParaRPr lang="en-US" altLang="zh-CN" sz="2000" dirty="0">
+              <a:latin typeface="Times New Roman" panose="02020603050405020304" pitchFamily="18" charset="0"/>
+              <a:ea typeface="黑体" panose="02010609060101010101" pitchFamily="49" charset="-122"/>
+              <a:cs typeface="Times New Roman" panose="02020603050405020304" pitchFamily="18" charset="0"/>
+            </a:endParaRPr>
+          </a:p>
+          <a:p>
+            <a:r>
+              <a:rPr lang="en-US" altLang="zh-CN" sz="2000" dirty="0">
+                <a:latin typeface="Times New Roman" panose="02020603050405020304" pitchFamily="18" charset="0"/>
+                <a:ea typeface="黑体" panose="02010609060101010101" pitchFamily="49" charset="-122"/>
+                <a:cs typeface="Times New Roman" panose="02020603050405020304" pitchFamily="18" charset="0"/>
+              </a:rPr>
+              <a:t>net</a:t>
+            </a:r>
+            <a:r>
+              <a:rPr lang="zh-CN" altLang="en-US" sz="2000" dirty="0">
+                <a:latin typeface="Times New Roman" panose="02020603050405020304" pitchFamily="18" charset="0"/>
+                <a:ea typeface="黑体" panose="02010609060101010101" pitchFamily="49" charset="-122"/>
+                <a:cs typeface="Times New Roman" panose="02020603050405020304" pitchFamily="18" charset="0"/>
+              </a:rPr>
+              <a:t>：网络类，用于访问网络接口</a:t>
+            </a:r>
+            <a:endParaRPr lang="en-US" altLang="zh-CN" sz="2000" dirty="0">
+              <a:latin typeface="Times New Roman" panose="02020603050405020304" pitchFamily="18" charset="0"/>
+              <a:ea typeface="黑体" panose="02010609060101010101" pitchFamily="49" charset="-122"/>
+              <a:cs typeface="Times New Roman" panose="02020603050405020304" pitchFamily="18" charset="0"/>
+            </a:endParaRPr>
+          </a:p>
+          <a:p>
+            <a:r>
+              <a:rPr lang="en-US" altLang="zh-CN" sz="2000" dirty="0">
+                <a:latin typeface="Times New Roman" panose="02020603050405020304" pitchFamily="18" charset="0"/>
+                <a:ea typeface="黑体" panose="02010609060101010101" pitchFamily="49" charset="-122"/>
+                <a:cs typeface="Times New Roman" panose="02020603050405020304" pitchFamily="18" charset="0"/>
+              </a:rPr>
+              <a:t>tool</a:t>
+            </a:r>
+            <a:r>
+              <a:rPr lang="zh-CN" altLang="en-US" sz="2000" dirty="0">
+                <a:latin typeface="Times New Roman" panose="02020603050405020304" pitchFamily="18" charset="0"/>
+                <a:ea typeface="黑体" panose="02010609060101010101" pitchFamily="49" charset="-122"/>
+                <a:cs typeface="Times New Roman" panose="02020603050405020304" pitchFamily="18" charset="0"/>
+              </a:rPr>
+              <a:t>：工具类，用于执行预设任务</a:t>
+            </a:r>
+            <a:endParaRPr lang="en-US" altLang="zh-CN" sz="2000" dirty="0">
+              <a:latin typeface="Times New Roman" panose="02020603050405020304" pitchFamily="18" charset="0"/>
+              <a:ea typeface="黑体" panose="02010609060101010101" pitchFamily="49" charset="-122"/>
+              <a:cs typeface="Times New Roman" panose="02020603050405020304" pitchFamily="18" charset="0"/>
+            </a:endParaRPr>
+          </a:p>
+          <a:p>
+            <a:r>
+              <a:rPr lang="en-US" altLang="zh-CN" sz="2000" dirty="0">
+                <a:latin typeface="Times New Roman" panose="02020603050405020304" pitchFamily="18" charset="0"/>
+                <a:ea typeface="黑体" panose="02010609060101010101" pitchFamily="49" charset="-122"/>
+                <a:cs typeface="Times New Roman" panose="02020603050405020304" pitchFamily="18" charset="0"/>
+              </a:rPr>
+              <a:t>expend</a:t>
+            </a:r>
+            <a:r>
+              <a:rPr lang="zh-CN" altLang="en-US" sz="2000" dirty="0">
+                <a:latin typeface="Times New Roman" panose="02020603050405020304" pitchFamily="18" charset="0"/>
+                <a:ea typeface="黑体" panose="02010609060101010101" pitchFamily="49" charset="-122"/>
+                <a:cs typeface="Times New Roman" panose="02020603050405020304" pitchFamily="18" charset="0"/>
+              </a:rPr>
+              <a:t>：增殖类，用于其它增强功能</a:t>
+            </a:r>
+            <a:endParaRPr lang="en-US" altLang="zh-CN" sz="2000" dirty="0">
+              <a:latin typeface="Times New Roman" panose="02020603050405020304" pitchFamily="18" charset="0"/>
+              <a:ea typeface="黑体" panose="02010609060101010101" pitchFamily="49" charset="-122"/>
+              <a:cs typeface="Times New Roman" panose="02020603050405020304" pitchFamily="18" charset="0"/>
+            </a:endParaRPr>
+          </a:p>
+          <a:p>
+            <a:endParaRPr lang="en-US" altLang="zh-CN" sz="2000" dirty="0">
+              <a:latin typeface="Times New Roman" panose="02020603050405020304" pitchFamily="18" charset="0"/>
+              <a:ea typeface="黑体" panose="02010609060101010101" pitchFamily="49" charset="-122"/>
+              <a:cs typeface="Times New Roman" panose="02020603050405020304" pitchFamily="18" charset="0"/>
+            </a:endParaRPr>
+          </a:p>
+          <a:p>
+            <a:r>
+              <a:rPr lang="en-US" altLang="zh-CN" sz="2000" dirty="0">
+                <a:latin typeface="Times New Roman" panose="02020603050405020304" pitchFamily="18" charset="0"/>
+                <a:ea typeface="黑体" panose="02010609060101010101" pitchFamily="49" charset="-122"/>
+                <a:cs typeface="Times New Roman" panose="02020603050405020304" pitchFamily="18" charset="0"/>
+              </a:rPr>
+              <a:t>EVA mainly consists of five classes</a:t>
+            </a:r>
+          </a:p>
+          <a:p>
+            <a:r>
+              <a:rPr lang="en-US" altLang="zh-CN" sz="2000" dirty="0">
+                <a:latin typeface="Times New Roman" panose="02020603050405020304" pitchFamily="18" charset="0"/>
+                <a:ea typeface="黑体" panose="02010609060101010101" pitchFamily="49" charset="-122"/>
+                <a:cs typeface="Times New Roman" panose="02020603050405020304" pitchFamily="18" charset="0"/>
+              </a:rPr>
+              <a:t>widget: Window class, used for control and interaction.</a:t>
+            </a:r>
+          </a:p>
+          <a:p>
+            <a:r>
+              <a:rPr lang="en-US" altLang="zh-CN" sz="2000" dirty="0">
+                <a:latin typeface="Times New Roman" panose="02020603050405020304" pitchFamily="18" charset="0"/>
+                <a:ea typeface="黑体" panose="02010609060101010101" pitchFamily="49" charset="-122"/>
+                <a:cs typeface="Times New Roman" panose="02020603050405020304" pitchFamily="18" charset="0"/>
+              </a:rPr>
+              <a:t>bot: Model class, managing model decoding and sampling.</a:t>
+            </a:r>
+          </a:p>
+          <a:p>
+            <a:r>
+              <a:rPr lang="en-US" altLang="zh-CN" sz="2000" dirty="0">
+                <a:latin typeface="Times New Roman" panose="02020603050405020304" pitchFamily="18" charset="0"/>
+                <a:ea typeface="黑体" panose="02010609060101010101" pitchFamily="49" charset="-122"/>
+                <a:cs typeface="Times New Roman" panose="02020603050405020304" pitchFamily="18" charset="0"/>
+              </a:rPr>
+              <a:t>net: Network class, used for accessing network interfaces.</a:t>
+            </a:r>
+          </a:p>
+          <a:p>
+            <a:r>
+              <a:rPr lang="en-US" altLang="zh-CN" sz="2000" dirty="0">
+                <a:latin typeface="Times New Roman" panose="02020603050405020304" pitchFamily="18" charset="0"/>
+                <a:ea typeface="黑体" panose="02010609060101010101" pitchFamily="49" charset="-122"/>
+                <a:cs typeface="Times New Roman" panose="02020603050405020304" pitchFamily="18" charset="0"/>
+              </a:rPr>
+              <a:t>tool: Tool class, used for executing predefined tasks.</a:t>
+            </a:r>
+          </a:p>
+          <a:p>
+            <a:r>
+              <a:rPr lang="en-US" altLang="zh-CN" sz="2000" dirty="0">
+                <a:latin typeface="Times New Roman" panose="02020603050405020304" pitchFamily="18" charset="0"/>
+                <a:ea typeface="黑体" panose="02010609060101010101" pitchFamily="49" charset="-122"/>
+                <a:cs typeface="Times New Roman" panose="02020603050405020304" pitchFamily="18" charset="0"/>
+              </a:rPr>
+              <a:t>expend: Expansion class, used for other enhancement functions.</a:t>
+            </a:r>
+          </a:p>
+        </p:txBody>
+      </p:sp>
+      <p:cxnSp>
+        <p:nvCxnSpPr>
+          <p:cNvPr id="21" name="直接箭头连接符 20">
+            <a:extLst>
+              <a:ext uri="{FF2B5EF4-FFF2-40B4-BE49-F238E27FC236}">
+                <a16:creationId xmlns:a16="http://schemas.microsoft.com/office/drawing/2014/main" id="{D17E5878-570D-7974-1EEB-45280F705FA3}"/>
+              </a:ext>
+            </a:extLst>
+          </p:cNvPr>
+          <p:cNvCxnSpPr>
+            <a:cxnSpLocks/>
+            <a:stCxn id="2" idx="3"/>
+            <a:endCxn id="4" idx="0"/>
+          </p:cNvCxnSpPr>
+          <p:nvPr/>
+        </p:nvCxnSpPr>
+        <p:spPr>
+          <a:xfrm>
+            <a:off x="3351545" y="2096436"/>
+            <a:ext cx="1249085" cy="601680"/>
+          </a:xfrm>
+          <a:prstGeom prst="straightConnector1">
+            <a:avLst/>
+          </a:prstGeom>
+          <a:ln w="25400">
+            <a:solidFill>
+              <a:schemeClr val="accent5">
+                <a:lumMod val="60000"/>
+                <a:lumOff val="40000"/>
+              </a:schemeClr>
+            </a:solidFill>
+            <a:prstDash val="dash"/>
+            <a:headEnd type="arrow"/>
+            <a:tailEnd type="arrow"/>
+          </a:ln>
+        </p:spPr>
+        <p:style>
+          <a:lnRef idx="1">
+            <a:schemeClr val="accent1"/>
+          </a:lnRef>
+          <a:fillRef idx="0">
+            <a:schemeClr val="accent1"/>
+          </a:fillRef>
+          <a:effectRef idx="0">
+            <a:schemeClr val="accent1"/>
+          </a:effectRef>
+          <a:fontRef idx="minor">
+            <a:schemeClr val="tx1"/>
+          </a:fontRef>
+        </p:style>
+      </p:cxnSp>
+      <p:cxnSp>
+        <p:nvCxnSpPr>
+          <p:cNvPr id="24" name="直接箭头连接符 23">
+            <a:extLst>
+              <a:ext uri="{FF2B5EF4-FFF2-40B4-BE49-F238E27FC236}">
+                <a16:creationId xmlns:a16="http://schemas.microsoft.com/office/drawing/2014/main" id="{1525E075-6306-4F81-0DA6-D69EBA524A51}"/>
+              </a:ext>
+            </a:extLst>
+          </p:cNvPr>
+          <p:cNvCxnSpPr>
+            <a:cxnSpLocks/>
+            <a:stCxn id="2" idx="2"/>
+            <a:endCxn id="6" idx="0"/>
+          </p:cNvCxnSpPr>
+          <p:nvPr/>
+        </p:nvCxnSpPr>
+        <p:spPr>
+          <a:xfrm flipH="1">
+            <a:off x="1119095" y="2327268"/>
+            <a:ext cx="1721734" cy="1786803"/>
+          </a:xfrm>
+          <a:prstGeom prst="straightConnector1">
+            <a:avLst/>
+          </a:prstGeom>
+          <a:ln w="25400">
+            <a:solidFill>
+              <a:schemeClr val="accent5">
+                <a:lumMod val="60000"/>
+                <a:lumOff val="40000"/>
+              </a:schemeClr>
+            </a:solidFill>
+            <a:prstDash val="dash"/>
+            <a:headEnd type="arrow"/>
+            <a:tailEnd type="arrow"/>
+          </a:ln>
+        </p:spPr>
+        <p:style>
+          <a:lnRef idx="1">
+            <a:schemeClr val="accent1"/>
+          </a:lnRef>
+          <a:fillRef idx="0">
+            <a:schemeClr val="accent1"/>
+          </a:fillRef>
+          <a:effectRef idx="0">
+            <a:schemeClr val="accent1"/>
+          </a:effectRef>
+          <a:fontRef idx="minor">
+            <a:schemeClr val="tx1"/>
+          </a:fontRef>
+        </p:style>
+      </p:cxnSp>
+      <p:cxnSp>
+        <p:nvCxnSpPr>
+          <p:cNvPr id="27" name="直接箭头连接符 26">
+            <a:extLst>
+              <a:ext uri="{FF2B5EF4-FFF2-40B4-BE49-F238E27FC236}">
+                <a16:creationId xmlns:a16="http://schemas.microsoft.com/office/drawing/2014/main" id="{4413B13F-4BA8-1706-C9BC-2E97D5EBEEF2}"/>
+              </a:ext>
+            </a:extLst>
+          </p:cNvPr>
+          <p:cNvCxnSpPr>
+            <a:cxnSpLocks/>
+            <a:stCxn id="2" idx="2"/>
+            <a:endCxn id="5" idx="0"/>
+          </p:cNvCxnSpPr>
+          <p:nvPr/>
+        </p:nvCxnSpPr>
+        <p:spPr>
+          <a:xfrm>
+            <a:off x="2840829" y="2327268"/>
+            <a:ext cx="1503320" cy="1786803"/>
+          </a:xfrm>
+          <a:prstGeom prst="straightConnector1">
+            <a:avLst/>
+          </a:prstGeom>
+          <a:ln w="25400">
+            <a:solidFill>
+              <a:schemeClr val="accent5">
+                <a:lumMod val="60000"/>
+                <a:lumOff val="40000"/>
+              </a:schemeClr>
+            </a:solidFill>
+            <a:prstDash val="dash"/>
+            <a:headEnd type="arrow"/>
+            <a:tailEnd type="arrow"/>
+          </a:ln>
+        </p:spPr>
+        <p:style>
+          <a:lnRef idx="1">
+            <a:schemeClr val="accent1"/>
+          </a:lnRef>
+          <a:fillRef idx="0">
+            <a:schemeClr val="accent1"/>
+          </a:fillRef>
+          <a:effectRef idx="0">
+            <a:schemeClr val="accent1"/>
+          </a:effectRef>
+          <a:fontRef idx="minor">
+            <a:schemeClr val="tx1"/>
+          </a:fontRef>
+        </p:style>
+      </p:cxnSp>
+      <p:cxnSp>
+        <p:nvCxnSpPr>
+          <p:cNvPr id="30" name="直接箭头连接符 29">
+            <a:extLst>
+              <a:ext uri="{FF2B5EF4-FFF2-40B4-BE49-F238E27FC236}">
+                <a16:creationId xmlns:a16="http://schemas.microsoft.com/office/drawing/2014/main" id="{71735F87-9916-4009-47DB-1B8405DF5D38}"/>
+              </a:ext>
+            </a:extLst>
+          </p:cNvPr>
+          <p:cNvCxnSpPr>
+            <a:cxnSpLocks/>
+            <a:stCxn id="5" idx="1"/>
+            <a:endCxn id="6" idx="3"/>
+          </p:cNvCxnSpPr>
+          <p:nvPr/>
+        </p:nvCxnSpPr>
+        <p:spPr>
+          <a:xfrm flipH="1">
+            <a:off x="1450275" y="4344904"/>
+            <a:ext cx="2357509" cy="0"/>
+          </a:xfrm>
+          <a:prstGeom prst="straightConnector1">
+            <a:avLst/>
+          </a:prstGeom>
+          <a:ln w="25400">
+            <a:solidFill>
+              <a:schemeClr val="accent5">
+                <a:lumMod val="60000"/>
+                <a:lumOff val="40000"/>
+              </a:schemeClr>
+            </a:solidFill>
+            <a:prstDash val="dash"/>
+            <a:headEnd type="arrow"/>
+            <a:tailEnd type="arrow"/>
+          </a:ln>
+        </p:spPr>
+        <p:style>
+          <a:lnRef idx="1">
+            <a:schemeClr val="accent1"/>
+          </a:lnRef>
+          <a:fillRef idx="0">
+            <a:schemeClr val="accent1"/>
+          </a:fillRef>
+          <a:effectRef idx="0">
+            <a:schemeClr val="accent1"/>
+          </a:effectRef>
+          <a:fontRef idx="minor">
+            <a:schemeClr val="tx1"/>
+          </a:fontRef>
+        </p:style>
+      </p:cxnSp>
+    </p:spTree>
+    <p:extLst>
+      <p:ext uri="{BB962C8B-B14F-4D97-AF65-F5344CB8AC3E}">
+        <p14:creationId xmlns:p14="http://schemas.microsoft.com/office/powerpoint/2010/main" val="2085401053"/>
+      </p:ext>
+    </p:extLst>
+  </p:cSld>
+  <p:clrMapOvr>
+    <a:masterClrMapping/>
+  </p:clrMapOvr>
+  <p:timing>
+    <p:tnLst>
+      <p:par>
+        <p:cTn id="1" dur="indefinite" restart="never" nodeType="tmRoot">
+          <p:childTnLst>
+            <p:seq concurrent="1" nextAc="seek">
+              <p:cTn id="2" dur="indefinite" nodeType="mainSeq">
+                <p:childTnLst>
+                  <p:par>
+                    <p:cTn id="3" fill="hold">
+                      <p:stCondLst>
+                        <p:cond delay="indefinite"/>
+                      </p:stCondLst>
+                      <p:childTnLst>
+                        <p:par>
+                          <p:cTn id="4" fill="hold">
+                            <p:stCondLst>
+                              <p:cond delay="0"/>
+                            </p:stCondLst>
+                            <p:childTnLst>
+                              <p:par>
+                                <p:cTn id="5" presetID="22" presetClass="entr" presetSubtype="1" fill="hold" nodeType="clickEffect">
+                                  <p:stCondLst>
+                                    <p:cond delay="0"/>
+                                  </p:stCondLst>
+                                  <p:childTnLst>
+                                    <p:set>
+                                      <p:cBhvr>
+                                        <p:cTn id="6" dur="1" fill="hold">
+                                          <p:stCondLst>
+                                            <p:cond delay="0"/>
+                                          </p:stCondLst>
+                                        </p:cTn>
+                                        <p:tgtEl>
+                                          <p:spTgt spid="7"/>
+                                        </p:tgtEl>
+                                        <p:attrNameLst>
+                                          <p:attrName>style.visibility</p:attrName>
+                                        </p:attrNameLst>
+                                      </p:cBhvr>
+                                      <p:to>
+                                        <p:strVal val="visible"/>
+                                      </p:to>
+                                    </p:set>
+                                    <p:animEffect transition="in" filter="wipe(up)">
+                                      <p:cBhvr>
+                                        <p:cTn id="7" dur="500"/>
+                                        <p:tgtEl>
+                                          <p:spTgt spid="7"/>
+                                        </p:tgtEl>
+                                      </p:cBhvr>
+                                    </p:animEffect>
+                                  </p:childTnLst>
+                                </p:cTn>
+                              </p:par>
+                            </p:childTnLst>
+                          </p:cTn>
+                        </p:par>
+                      </p:childTnLst>
+                    </p:cTn>
+                  </p:par>
+                  <p:par>
+                    <p:cTn id="8" fill="hold">
+                      <p:stCondLst>
+                        <p:cond delay="indefinite"/>
+                      </p:stCondLst>
+                      <p:childTnLst>
+                        <p:par>
+                          <p:cTn id="9" fill="hold">
+                            <p:stCondLst>
+                              <p:cond delay="0"/>
+                            </p:stCondLst>
+                            <p:childTnLst>
+                              <p:par>
+                                <p:cTn id="10" presetID="22" presetClass="entr" presetSubtype="1" fill="hold" nodeType="clickEffect">
+                                  <p:stCondLst>
+                                    <p:cond delay="0"/>
+                                  </p:stCondLst>
+                                  <p:childTnLst>
+                                    <p:set>
+                                      <p:cBhvr>
+                                        <p:cTn id="11" dur="1" fill="hold">
+                                          <p:stCondLst>
+                                            <p:cond delay="0"/>
+                                          </p:stCondLst>
+                                        </p:cTn>
+                                        <p:tgtEl>
+                                          <p:spTgt spid="21"/>
+                                        </p:tgtEl>
+                                        <p:attrNameLst>
+                                          <p:attrName>style.visibility</p:attrName>
+                                        </p:attrNameLst>
+                                      </p:cBhvr>
+                                      <p:to>
+                                        <p:strVal val="visible"/>
+                                      </p:to>
+                                    </p:set>
+                                    <p:animEffect transition="in" filter="wipe(up)">
+                                      <p:cBhvr>
+                                        <p:cTn id="12" dur="500"/>
+                                        <p:tgtEl>
+                                          <p:spTgt spid="21"/>
+                                        </p:tgtEl>
+                                      </p:cBhvr>
+                                    </p:animEffect>
+                                  </p:childTnLst>
+                                </p:cTn>
+                              </p:par>
+                            </p:childTnLst>
+                          </p:cTn>
+                        </p:par>
+                      </p:childTnLst>
+                    </p:cTn>
+                  </p:par>
+                  <p:par>
+                    <p:cTn id="13" fill="hold">
+                      <p:stCondLst>
+                        <p:cond delay="indefinite"/>
+                      </p:stCondLst>
+                      <p:childTnLst>
+                        <p:par>
+                          <p:cTn id="14" fill="hold">
+                            <p:stCondLst>
+                              <p:cond delay="0"/>
+                            </p:stCondLst>
+                            <p:childTnLst>
+                              <p:par>
+                                <p:cTn id="15" presetID="22" presetClass="entr" presetSubtype="1" fill="hold" nodeType="clickEffect">
+                                  <p:stCondLst>
+                                    <p:cond delay="0"/>
+                                  </p:stCondLst>
+                                  <p:childTnLst>
+                                    <p:set>
+                                      <p:cBhvr>
+                                        <p:cTn id="16" dur="1" fill="hold">
+                                          <p:stCondLst>
+                                            <p:cond delay="0"/>
+                                          </p:stCondLst>
+                                        </p:cTn>
+                                        <p:tgtEl>
+                                          <p:spTgt spid="24"/>
+                                        </p:tgtEl>
+                                        <p:attrNameLst>
+                                          <p:attrName>style.visibility</p:attrName>
+                                        </p:attrNameLst>
+                                      </p:cBhvr>
+                                      <p:to>
+                                        <p:strVal val="visible"/>
+                                      </p:to>
+                                    </p:set>
+                                    <p:animEffect transition="in" filter="wipe(up)">
+                                      <p:cBhvr>
+                                        <p:cTn id="17" dur="500"/>
+                                        <p:tgtEl>
+                                          <p:spTgt spid="24"/>
+                                        </p:tgtEl>
+                                      </p:cBhvr>
+                                    </p:animEffect>
+                                  </p:childTnLst>
+                                </p:cTn>
+                              </p:par>
+                            </p:childTnLst>
+                          </p:cTn>
+                        </p:par>
+                      </p:childTnLst>
+                    </p:cTn>
+                  </p:par>
+                  <p:par>
+                    <p:cTn id="18" fill="hold">
+                      <p:stCondLst>
+                        <p:cond delay="indefinite"/>
+                      </p:stCondLst>
+                      <p:childTnLst>
+                        <p:par>
+                          <p:cTn id="19" fill="hold">
+                            <p:stCondLst>
+                              <p:cond delay="0"/>
+                            </p:stCondLst>
+                            <p:childTnLst>
+                              <p:par>
+                                <p:cTn id="20" presetID="22" presetClass="entr" presetSubtype="1" fill="hold" nodeType="clickEffect">
+                                  <p:stCondLst>
+                                    <p:cond delay="0"/>
+                                  </p:stCondLst>
+                                  <p:childTnLst>
+                                    <p:set>
+                                      <p:cBhvr>
+                                        <p:cTn id="21" dur="1" fill="hold">
+                                          <p:stCondLst>
+                                            <p:cond delay="0"/>
+                                          </p:stCondLst>
+                                        </p:cTn>
+                                        <p:tgtEl>
+                                          <p:spTgt spid="27"/>
+                                        </p:tgtEl>
+                                        <p:attrNameLst>
+                                          <p:attrName>style.visibility</p:attrName>
+                                        </p:attrNameLst>
+                                      </p:cBhvr>
+                                      <p:to>
+                                        <p:strVal val="visible"/>
+                                      </p:to>
+                                    </p:set>
+                                    <p:animEffect transition="in" filter="wipe(up)">
+                                      <p:cBhvr>
+                                        <p:cTn id="22" dur="500"/>
+                                        <p:tgtEl>
+                                          <p:spTgt spid="27"/>
+                                        </p:tgtEl>
+                                      </p:cBhvr>
+                                    </p:animEffect>
+                                  </p:childTnLst>
+                                </p:cTn>
+                              </p:par>
+                            </p:childTnLst>
+                          </p:cTn>
+                        </p:par>
+                      </p:childTnLst>
+                    </p:cTn>
+                  </p:par>
+                  <p:par>
+                    <p:cTn id="23" fill="hold">
+                      <p:stCondLst>
+                        <p:cond delay="indefinite"/>
+                      </p:stCondLst>
+                      <p:childTnLst>
+                        <p:par>
+                          <p:cTn id="24" fill="hold">
+                            <p:stCondLst>
+                              <p:cond delay="0"/>
+                            </p:stCondLst>
+                            <p:childTnLst>
+                              <p:par>
+                                <p:cTn id="25" presetID="22" presetClass="entr" presetSubtype="1" fill="hold" nodeType="clickEffect">
+                                  <p:stCondLst>
+                                    <p:cond delay="0"/>
+                                  </p:stCondLst>
+                                  <p:childTnLst>
+                                    <p:set>
+                                      <p:cBhvr>
+                                        <p:cTn id="26" dur="1" fill="hold">
+                                          <p:stCondLst>
+                                            <p:cond delay="0"/>
+                                          </p:stCondLst>
+                                        </p:cTn>
+                                        <p:tgtEl>
+                                          <p:spTgt spid="30"/>
+                                        </p:tgtEl>
+                                        <p:attrNameLst>
+                                          <p:attrName>style.visibility</p:attrName>
+                                        </p:attrNameLst>
+                                      </p:cBhvr>
+                                      <p:to>
+                                        <p:strVal val="visible"/>
+                                      </p:to>
+                                    </p:set>
+                                    <p:animEffect transition="in" filter="wipe(up)">
+                                      <p:cBhvr>
+                                        <p:cTn id="27" dur="500"/>
+                                        <p:tgtEl>
+                                          <p:spTgt spid="30"/>
+                                        </p:tgtEl>
+                                      </p:cBhvr>
+                                    </p:animEffect>
+                                  </p:childTnLst>
+                                </p:cTn>
+                              </p:par>
+                            </p:childTnLst>
+                          </p:cTn>
+                        </p:par>
+                      </p:childTnLst>
+                    </p:cTn>
+                  </p:par>
+                </p:childTnLst>
+              </p:cTn>
+              <p:prevCondLst>
+                <p:cond evt="onPrev" delay="0">
+                  <p:tgtEl>
+                    <p:sldTgt/>
+                  </p:tgtEl>
+                </p:cond>
+              </p:prevCondLst>
+              <p:nextCondLst>
+                <p:cond evt="onNext" delay="0">
+                  <p:tgtEl>
+                    <p:sldTgt/>
+                  </p:tgtEl>
+                </p:cond>
+              </p:nextCondLst>
+            </p:seq>
+          </p:childTnLst>
+        </p:cTn>
+      </p:par>
+    </p:tnLst>
+  </p:timing>
+</p:sld>
+</file>
+
+<file path=ppt/slides/slide47.xml><?xml version="1.0" encoding="utf-8"?>
+<p:sld xmlns:a="http://schemas.openxmlformats.org/drawingml/2006/main" xmlns:r="http://schemas.openxmlformats.org/officeDocument/2006/relationships" xmlns:p="http://schemas.openxmlformats.org/presentationml/2006/main">
+  <p:cSld>
+    <p:spTree>
+      <p:nvGrpSpPr>
+        <p:cNvPr id="1" name=""/>
+        <p:cNvGrpSpPr/>
+        <p:nvPr/>
+      </p:nvGrpSpPr>
+      <p:grpSpPr>
+        <a:xfrm>
+          <a:off x="0" y="0"/>
+          <a:ext cx="0" cy="0"/>
+          <a:chOff x="0" y="0"/>
+          <a:chExt cx="0" cy="0"/>
+        </a:xfrm>
+      </p:grpSpPr>
+      <p:sp>
+        <p:nvSpPr>
+          <p:cNvPr id="41" name="矩形 40">
+            <a:extLst>
+              <a:ext uri="{FF2B5EF4-FFF2-40B4-BE49-F238E27FC236}">
+                <a16:creationId xmlns:a16="http://schemas.microsoft.com/office/drawing/2014/main" id="{0355EF4F-27A5-3B4B-174B-1C66721D8BD2}"/>
+              </a:ext>
+            </a:extLst>
+          </p:cNvPr>
+          <p:cNvSpPr/>
+          <p:nvPr/>
+        </p:nvSpPr>
+        <p:spPr>
+          <a:xfrm>
+            <a:off x="291061" y="399011"/>
+            <a:ext cx="11594651" cy="5976851"/>
+          </a:xfrm>
+          <a:prstGeom prst="rect">
+            <a:avLst/>
+          </a:prstGeom>
+          <a:solidFill>
+            <a:schemeClr val="bg1"/>
+          </a:solidFill>
+        </p:spPr>
+        <p:style>
+          <a:lnRef idx="2">
+            <a:schemeClr val="accent1">
+              <a:shade val="15000"/>
+            </a:schemeClr>
+          </a:lnRef>
+          <a:fillRef idx="1">
+            <a:schemeClr val="accent1"/>
+          </a:fillRef>
+          <a:effectRef idx="0">
+            <a:schemeClr val="accent1"/>
+          </a:effectRef>
+          <a:fontRef idx="minor">
+            <a:schemeClr val="lt1"/>
+          </a:fontRef>
+        </p:style>
+        <p:txBody>
+          <a:bodyPr rtlCol="0" anchor="ctr"/>
+          <a:lstStyle/>
+          <a:p>
+            <a:pPr algn="ctr"/>
+            <a:endParaRPr lang="zh-CN" altLang="en-US" dirty="0"/>
+          </a:p>
+        </p:txBody>
+      </p:sp>
+      <p:sp>
+        <p:nvSpPr>
+          <p:cNvPr id="4" name="椭圆 3">
+            <a:extLst>
+              <a:ext uri="{FF2B5EF4-FFF2-40B4-BE49-F238E27FC236}">
+                <a16:creationId xmlns:a16="http://schemas.microsoft.com/office/drawing/2014/main" id="{E817E310-D50F-7584-1B93-16FC3CADF50F}"/>
+              </a:ext>
+            </a:extLst>
+          </p:cNvPr>
+          <p:cNvSpPr/>
+          <p:nvPr/>
+        </p:nvSpPr>
+        <p:spPr>
+          <a:xfrm>
+            <a:off x="3824552" y="1843552"/>
+            <a:ext cx="4188536" cy="4188536"/>
+          </a:xfrm>
+          <a:prstGeom prst="ellipse">
+            <a:avLst/>
+          </a:prstGeom>
+          <a:solidFill>
+            <a:schemeClr val="bg1"/>
+          </a:solidFill>
+        </p:spPr>
+        <p:style>
+          <a:lnRef idx="2">
+            <a:schemeClr val="accent1">
+              <a:shade val="15000"/>
+            </a:schemeClr>
+          </a:lnRef>
+          <a:fillRef idx="1">
+            <a:schemeClr val="accent1"/>
+          </a:fillRef>
+          <a:effectRef idx="0">
+            <a:schemeClr val="accent1"/>
+          </a:effectRef>
+          <a:fontRef idx="minor">
+            <a:schemeClr val="lt1"/>
+          </a:fontRef>
+        </p:style>
+        <p:txBody>
+          <a:bodyPr rtlCol="0" anchor="ctr"/>
+          <a:lstStyle/>
+          <a:p>
+            <a:pPr algn="ctr"/>
+            <a:endParaRPr lang="zh-CN" altLang="en-US"/>
+          </a:p>
+        </p:txBody>
+      </p:sp>
+      <p:sp>
+        <p:nvSpPr>
+          <p:cNvPr id="2" name="文本框 1">
+            <a:extLst>
+              <a:ext uri="{FF2B5EF4-FFF2-40B4-BE49-F238E27FC236}">
+                <a16:creationId xmlns:a16="http://schemas.microsoft.com/office/drawing/2014/main" id="{793C4F82-389D-FF40-61C5-4AAEC2235799}"/>
+              </a:ext>
+            </a:extLst>
+          </p:cNvPr>
+          <p:cNvSpPr txBox="1"/>
+          <p:nvPr/>
+        </p:nvSpPr>
+        <p:spPr>
+          <a:xfrm>
+            <a:off x="1199317" y="868938"/>
+            <a:ext cx="2315506" cy="707886"/>
+          </a:xfrm>
+          <a:prstGeom prst="rect">
+            <a:avLst/>
+          </a:prstGeom>
+          <a:noFill/>
+        </p:spPr>
+        <p:txBody>
+          <a:bodyPr wrap="none" rtlCol="0">
+            <a:spAutoFit/>
+          </a:bodyPr>
+          <a:lstStyle/>
+          <a:p>
+            <a:r>
+              <a:rPr lang="zh-CN" altLang="en-US" sz="2000" dirty="0">
+                <a:latin typeface="Times New Roman" panose="02020603050405020304" pitchFamily="18" charset="0"/>
+                <a:ea typeface="黑体" panose="02010609060101010101" pitchFamily="49" charset="-122"/>
+                <a:cs typeface="Times New Roman" panose="02020603050405020304" pitchFamily="18" charset="0"/>
+              </a:rPr>
+              <a:t>“约定”框架</a:t>
+            </a:r>
+            <a:endParaRPr lang="en-US" altLang="zh-CN" sz="2000" dirty="0">
+              <a:latin typeface="Times New Roman" panose="02020603050405020304" pitchFamily="18" charset="0"/>
+              <a:ea typeface="黑体" panose="02010609060101010101" pitchFamily="49" charset="-122"/>
+              <a:cs typeface="Times New Roman" panose="02020603050405020304" pitchFamily="18" charset="0"/>
+            </a:endParaRPr>
+          </a:p>
+          <a:p>
+            <a:r>
+              <a:rPr lang="en-US" altLang="zh-CN" sz="2000" dirty="0">
+                <a:latin typeface="Times New Roman" panose="02020603050405020304" pitchFamily="18" charset="0"/>
+                <a:ea typeface="黑体" panose="02010609060101010101" pitchFamily="49" charset="-122"/>
+                <a:cs typeface="Times New Roman" panose="02020603050405020304" pitchFamily="18" charset="0"/>
+              </a:rPr>
+              <a:t>“DATE” Framework</a:t>
+            </a:r>
+          </a:p>
+        </p:txBody>
+      </p:sp>
+      <p:sp>
+        <p:nvSpPr>
+          <p:cNvPr id="3" name="椭圆 2">
+            <a:extLst>
+              <a:ext uri="{FF2B5EF4-FFF2-40B4-BE49-F238E27FC236}">
+                <a16:creationId xmlns:a16="http://schemas.microsoft.com/office/drawing/2014/main" id="{FA3672B2-7520-A297-257C-CCC8BE562DDD}"/>
+              </a:ext>
+            </a:extLst>
+          </p:cNvPr>
+          <p:cNvSpPr/>
+          <p:nvPr/>
+        </p:nvSpPr>
+        <p:spPr>
+          <a:xfrm>
+            <a:off x="4824126" y="2843126"/>
+            <a:ext cx="2189388" cy="2189388"/>
+          </a:xfrm>
+          <a:prstGeom prst="ellipse">
+            <a:avLst/>
+          </a:prstGeom>
+          <a:solidFill>
+            <a:schemeClr val="bg1"/>
+          </a:solidFill>
+        </p:spPr>
+        <p:style>
+          <a:lnRef idx="2">
+            <a:schemeClr val="accent1">
+              <a:shade val="15000"/>
+            </a:schemeClr>
+          </a:lnRef>
+          <a:fillRef idx="1">
+            <a:schemeClr val="accent1"/>
+          </a:fillRef>
+          <a:effectRef idx="0">
+            <a:schemeClr val="accent1"/>
+          </a:effectRef>
+          <a:fontRef idx="minor">
+            <a:schemeClr val="lt1"/>
+          </a:fontRef>
+        </p:style>
+        <p:txBody>
+          <a:bodyPr rtlCol="0" anchor="ctr"/>
+          <a:lstStyle/>
+          <a:p>
+            <a:pPr algn="ctr"/>
+            <a:endParaRPr lang="zh-CN" altLang="en-US"/>
+          </a:p>
+        </p:txBody>
+      </p:sp>
+      <p:sp>
+        <p:nvSpPr>
+          <p:cNvPr id="5" name="文本框 4">
+            <a:extLst>
+              <a:ext uri="{FF2B5EF4-FFF2-40B4-BE49-F238E27FC236}">
+                <a16:creationId xmlns:a16="http://schemas.microsoft.com/office/drawing/2014/main" id="{1D7E8A06-AEDD-8D25-227F-0E0144C63BF5}"/>
+              </a:ext>
+            </a:extLst>
+          </p:cNvPr>
+          <p:cNvSpPr txBox="1"/>
+          <p:nvPr/>
+        </p:nvSpPr>
+        <p:spPr>
+          <a:xfrm>
+            <a:off x="1390917" y="3357508"/>
+            <a:ext cx="966153" cy="830997"/>
+          </a:xfrm>
+          <a:prstGeom prst="rect">
+            <a:avLst/>
+          </a:prstGeom>
+        </p:spPr>
+        <p:style>
+          <a:lnRef idx="2">
+            <a:schemeClr val="accent1"/>
+          </a:lnRef>
+          <a:fillRef idx="1">
+            <a:schemeClr val="lt1"/>
+          </a:fillRef>
+          <a:effectRef idx="0">
+            <a:schemeClr val="accent1"/>
+          </a:effectRef>
+          <a:fontRef idx="minor">
+            <a:schemeClr val="dk1"/>
+          </a:fontRef>
+        </p:style>
+        <p:txBody>
+          <a:bodyPr wrap="square" rtlCol="0">
+            <a:spAutoFit/>
+          </a:bodyPr>
+          <a:lstStyle/>
+          <a:p>
+            <a:pPr algn="ctr"/>
+            <a:r>
+              <a:rPr lang="zh-CN" altLang="en-US" sz="2400" dirty="0">
+                <a:latin typeface="Times New Roman" panose="02020603050405020304" pitchFamily="18" charset="0"/>
+                <a:ea typeface="黑体" panose="02010609060101010101" pitchFamily="49" charset="-122"/>
+                <a:cs typeface="Times New Roman" panose="02020603050405020304" pitchFamily="18" charset="0"/>
+              </a:rPr>
+              <a:t>用户</a:t>
+            </a:r>
+            <a:endParaRPr lang="en-US" altLang="zh-CN" sz="2400" dirty="0">
+              <a:latin typeface="Times New Roman" panose="02020603050405020304" pitchFamily="18" charset="0"/>
+              <a:ea typeface="黑体" panose="02010609060101010101" pitchFamily="49" charset="-122"/>
+              <a:cs typeface="Times New Roman" panose="02020603050405020304" pitchFamily="18" charset="0"/>
+            </a:endParaRPr>
+          </a:p>
+          <a:p>
+            <a:pPr algn="ctr"/>
+            <a:r>
+              <a:rPr lang="en-US" altLang="zh-CN" sz="2400" dirty="0">
+                <a:latin typeface="Times New Roman" panose="02020603050405020304" pitchFamily="18" charset="0"/>
+                <a:ea typeface="黑体" panose="02010609060101010101" pitchFamily="49" charset="-122"/>
+                <a:cs typeface="Times New Roman" panose="02020603050405020304" pitchFamily="18" charset="0"/>
+              </a:rPr>
+              <a:t>user</a:t>
+            </a:r>
+            <a:endParaRPr lang="zh-CN" altLang="en-US" sz="2400" dirty="0">
+              <a:latin typeface="Times New Roman" panose="02020603050405020304" pitchFamily="18" charset="0"/>
+              <a:ea typeface="黑体" panose="02010609060101010101" pitchFamily="49" charset="-122"/>
+              <a:cs typeface="Times New Roman" panose="02020603050405020304" pitchFamily="18" charset="0"/>
+            </a:endParaRPr>
+          </a:p>
+        </p:txBody>
+      </p:sp>
+      <p:sp>
+        <p:nvSpPr>
+          <p:cNvPr id="6" name="文本框 5">
+            <a:extLst>
+              <a:ext uri="{FF2B5EF4-FFF2-40B4-BE49-F238E27FC236}">
+                <a16:creationId xmlns:a16="http://schemas.microsoft.com/office/drawing/2014/main" id="{695CBE6A-EB5B-2F97-1DBF-C49ABFAF694E}"/>
+              </a:ext>
+            </a:extLst>
+          </p:cNvPr>
+          <p:cNvSpPr txBox="1"/>
+          <p:nvPr/>
+        </p:nvSpPr>
+        <p:spPr>
+          <a:xfrm>
+            <a:off x="5117516" y="608748"/>
+            <a:ext cx="1499766" cy="830997"/>
+          </a:xfrm>
+          <a:prstGeom prst="rect">
+            <a:avLst/>
+          </a:prstGeom>
+        </p:spPr>
+        <p:style>
+          <a:lnRef idx="2">
+            <a:schemeClr val="accent1"/>
+          </a:lnRef>
+          <a:fillRef idx="1">
+            <a:schemeClr val="lt1"/>
+          </a:fillRef>
+          <a:effectRef idx="0">
+            <a:schemeClr val="accent1"/>
+          </a:effectRef>
+          <a:fontRef idx="minor">
+            <a:schemeClr val="dk1"/>
+          </a:fontRef>
+        </p:style>
+        <p:txBody>
+          <a:bodyPr wrap="square" rtlCol="0">
+            <a:spAutoFit/>
+          </a:bodyPr>
+          <a:lstStyle/>
+          <a:p>
+            <a:pPr algn="ctr"/>
+            <a:r>
+              <a:rPr lang="zh-CN" altLang="en-US" sz="2400" dirty="0">
+                <a:latin typeface="Times New Roman" panose="02020603050405020304" pitchFamily="18" charset="0"/>
+                <a:ea typeface="黑体" panose="02010609060101010101" pitchFamily="49" charset="-122"/>
+                <a:cs typeface="Times New Roman" panose="02020603050405020304" pitchFamily="18" charset="0"/>
+              </a:rPr>
+              <a:t>开发者</a:t>
+            </a:r>
+            <a:r>
+              <a:rPr lang="en-US" altLang="zh-CN" sz="2400" dirty="0">
+                <a:latin typeface="Times New Roman" panose="02020603050405020304" pitchFamily="18" charset="0"/>
+                <a:ea typeface="黑体" panose="02010609060101010101" pitchFamily="49" charset="-122"/>
+                <a:cs typeface="Times New Roman" panose="02020603050405020304" pitchFamily="18" charset="0"/>
+              </a:rPr>
+              <a:t>developer</a:t>
+            </a:r>
+            <a:endParaRPr lang="zh-CN" altLang="en-US" sz="2400" dirty="0">
+              <a:latin typeface="Times New Roman" panose="02020603050405020304" pitchFamily="18" charset="0"/>
+              <a:ea typeface="黑体" panose="02010609060101010101" pitchFamily="49" charset="-122"/>
+              <a:cs typeface="Times New Roman" panose="02020603050405020304" pitchFamily="18" charset="0"/>
+            </a:endParaRPr>
+          </a:p>
+        </p:txBody>
+      </p:sp>
+      <p:sp>
+        <p:nvSpPr>
+          <p:cNvPr id="7" name="文本框 6">
+            <a:extLst>
+              <a:ext uri="{FF2B5EF4-FFF2-40B4-BE49-F238E27FC236}">
+                <a16:creationId xmlns:a16="http://schemas.microsoft.com/office/drawing/2014/main" id="{5521DE00-6082-2D84-1379-6439CC23C663}"/>
+              </a:ext>
+            </a:extLst>
+          </p:cNvPr>
+          <p:cNvSpPr txBox="1"/>
+          <p:nvPr/>
+        </p:nvSpPr>
+        <p:spPr>
+          <a:xfrm>
+            <a:off x="5168937" y="3522321"/>
+            <a:ext cx="1499766" cy="830997"/>
+          </a:xfrm>
+          <a:prstGeom prst="rect">
+            <a:avLst/>
+          </a:prstGeom>
+        </p:spPr>
+        <p:style>
+          <a:lnRef idx="2">
+            <a:schemeClr val="accent1"/>
+          </a:lnRef>
+          <a:fillRef idx="1">
+            <a:schemeClr val="lt1"/>
+          </a:fillRef>
+          <a:effectRef idx="0">
+            <a:schemeClr val="accent1"/>
+          </a:effectRef>
+          <a:fontRef idx="minor">
+            <a:schemeClr val="dk1"/>
+          </a:fontRef>
+        </p:style>
+        <p:txBody>
+          <a:bodyPr wrap="square" rtlCol="0">
+            <a:spAutoFit/>
+          </a:bodyPr>
+          <a:lstStyle/>
+          <a:p>
+            <a:pPr algn="ctr"/>
+            <a:r>
+              <a:rPr lang="zh-CN" altLang="en-US" sz="2400" dirty="0">
+                <a:latin typeface="Times New Roman" panose="02020603050405020304" pitchFamily="18" charset="0"/>
+                <a:ea typeface="黑体" panose="02010609060101010101" pitchFamily="49" charset="-122"/>
+                <a:cs typeface="Times New Roman" panose="02020603050405020304" pitchFamily="18" charset="0"/>
+              </a:rPr>
+              <a:t>大模型</a:t>
+            </a:r>
+            <a:r>
+              <a:rPr lang="en-US" altLang="zh-CN" sz="2400" dirty="0" err="1">
+                <a:latin typeface="Times New Roman" panose="02020603050405020304" pitchFamily="18" charset="0"/>
+                <a:ea typeface="黑体" panose="02010609060101010101" pitchFamily="49" charset="-122"/>
+                <a:cs typeface="Times New Roman" panose="02020603050405020304" pitchFamily="18" charset="0"/>
+              </a:rPr>
+              <a:t>llm</a:t>
+            </a:r>
+            <a:endParaRPr lang="zh-CN" altLang="en-US" sz="2400" dirty="0">
+              <a:latin typeface="Times New Roman" panose="02020603050405020304" pitchFamily="18" charset="0"/>
+              <a:ea typeface="黑体" panose="02010609060101010101" pitchFamily="49" charset="-122"/>
+              <a:cs typeface="Times New Roman" panose="02020603050405020304" pitchFamily="18" charset="0"/>
+            </a:endParaRPr>
+          </a:p>
+        </p:txBody>
+      </p:sp>
+      <p:sp>
+        <p:nvSpPr>
+          <p:cNvPr id="8" name="文本框 7">
+            <a:extLst>
+              <a:ext uri="{FF2B5EF4-FFF2-40B4-BE49-F238E27FC236}">
+                <a16:creationId xmlns:a16="http://schemas.microsoft.com/office/drawing/2014/main" id="{5C350E62-A1DA-78A5-7E2B-0935F67A225A}"/>
+              </a:ext>
+            </a:extLst>
+          </p:cNvPr>
+          <p:cNvSpPr txBox="1"/>
+          <p:nvPr/>
+        </p:nvSpPr>
+        <p:spPr>
+          <a:xfrm>
+            <a:off x="4398223" y="1872413"/>
+            <a:ext cx="1021433" cy="707886"/>
+          </a:xfrm>
+          <a:prstGeom prst="rect">
+            <a:avLst/>
+          </a:prstGeom>
+          <a:noFill/>
+        </p:spPr>
+        <p:txBody>
+          <a:bodyPr wrap="none" rtlCol="0">
+            <a:spAutoFit/>
+          </a:bodyPr>
+          <a:lstStyle/>
+          <a:p>
+            <a:r>
+              <a:rPr lang="zh-CN" altLang="en-US" sz="2000" dirty="0">
+                <a:latin typeface="Times New Roman" panose="02020603050405020304" pitchFamily="18" charset="0"/>
+                <a:ea typeface="黑体" panose="02010609060101010101" pitchFamily="49" charset="-122"/>
+                <a:cs typeface="Times New Roman" panose="02020603050405020304" pitchFamily="18" charset="0"/>
+              </a:rPr>
+              <a:t>拘束器</a:t>
+            </a:r>
+            <a:endParaRPr lang="en-US" altLang="zh-CN" sz="2000" dirty="0">
+              <a:latin typeface="Times New Roman" panose="02020603050405020304" pitchFamily="18" charset="0"/>
+              <a:ea typeface="黑体" panose="02010609060101010101" pitchFamily="49" charset="-122"/>
+              <a:cs typeface="Times New Roman" panose="02020603050405020304" pitchFamily="18" charset="0"/>
+            </a:endParaRPr>
+          </a:p>
+          <a:p>
+            <a:r>
+              <a:rPr lang="en-US" altLang="zh-CN" sz="2000" dirty="0">
+                <a:latin typeface="Times New Roman" panose="02020603050405020304" pitchFamily="18" charset="0"/>
+                <a:ea typeface="黑体" panose="02010609060101010101" pitchFamily="49" charset="-122"/>
+                <a:cs typeface="Times New Roman" panose="02020603050405020304" pitchFamily="18" charset="0"/>
+              </a:rPr>
+              <a:t>restraint</a:t>
+            </a:r>
+          </a:p>
+        </p:txBody>
+      </p:sp>
+      <p:sp>
+        <p:nvSpPr>
+          <p:cNvPr id="9" name="文本框 8">
+            <a:extLst>
+              <a:ext uri="{FF2B5EF4-FFF2-40B4-BE49-F238E27FC236}">
+                <a16:creationId xmlns:a16="http://schemas.microsoft.com/office/drawing/2014/main" id="{49B8F9D9-3383-33BC-DFDE-3A12FCB1D751}"/>
+              </a:ext>
+            </a:extLst>
+          </p:cNvPr>
+          <p:cNvSpPr txBox="1"/>
+          <p:nvPr/>
+        </p:nvSpPr>
+        <p:spPr>
+          <a:xfrm>
+            <a:off x="4668528" y="2741612"/>
+            <a:ext cx="1414170" cy="707886"/>
+          </a:xfrm>
+          <a:prstGeom prst="rect">
+            <a:avLst/>
+          </a:prstGeom>
+          <a:noFill/>
+        </p:spPr>
+        <p:txBody>
+          <a:bodyPr wrap="none" rtlCol="0">
+            <a:spAutoFit/>
+          </a:bodyPr>
+          <a:lstStyle/>
+          <a:p>
+            <a:r>
+              <a:rPr lang="zh-CN" altLang="en-US" sz="2000" dirty="0">
+                <a:latin typeface="Times New Roman" panose="02020603050405020304" pitchFamily="18" charset="0"/>
+                <a:ea typeface="黑体" panose="02010609060101010101" pitchFamily="49" charset="-122"/>
+                <a:cs typeface="Times New Roman" panose="02020603050405020304" pitchFamily="18" charset="0"/>
+              </a:rPr>
+              <a:t>约定指令</a:t>
+            </a:r>
+            <a:endParaRPr lang="en-US" altLang="zh-CN" sz="2000" dirty="0">
+              <a:latin typeface="Times New Roman" panose="02020603050405020304" pitchFamily="18" charset="0"/>
+              <a:ea typeface="黑体" panose="02010609060101010101" pitchFamily="49" charset="-122"/>
+              <a:cs typeface="Times New Roman" panose="02020603050405020304" pitchFamily="18" charset="0"/>
+            </a:endParaRPr>
+          </a:p>
+          <a:p>
+            <a:r>
+              <a:rPr lang="en-US" altLang="zh-CN" sz="2000" dirty="0">
+                <a:latin typeface="Times New Roman" panose="02020603050405020304" pitchFamily="18" charset="0"/>
+                <a:ea typeface="黑体" panose="02010609060101010101" pitchFamily="49" charset="-122"/>
+                <a:cs typeface="Times New Roman" panose="02020603050405020304" pitchFamily="18" charset="0"/>
+              </a:rPr>
+              <a:t>date prompt</a:t>
+            </a:r>
+          </a:p>
+        </p:txBody>
+      </p:sp>
+      <p:sp>
+        <p:nvSpPr>
+          <p:cNvPr id="10" name="椭圆 9">
+            <a:extLst>
+              <a:ext uri="{FF2B5EF4-FFF2-40B4-BE49-F238E27FC236}">
+                <a16:creationId xmlns:a16="http://schemas.microsoft.com/office/drawing/2014/main" id="{2BA2AE46-D39C-EBD7-B104-2C39C7204621}"/>
+              </a:ext>
+            </a:extLst>
+          </p:cNvPr>
+          <p:cNvSpPr/>
+          <p:nvPr/>
+        </p:nvSpPr>
+        <p:spPr>
+          <a:xfrm>
+            <a:off x="8716373" y="1015735"/>
+            <a:ext cx="1189150" cy="1189150"/>
+          </a:xfrm>
+          <a:prstGeom prst="ellipse">
+            <a:avLst/>
+          </a:prstGeom>
+          <a:solidFill>
+            <a:schemeClr val="bg1"/>
+          </a:solidFill>
+        </p:spPr>
+        <p:style>
+          <a:lnRef idx="2">
+            <a:schemeClr val="accent1">
+              <a:shade val="15000"/>
+            </a:schemeClr>
+          </a:lnRef>
+          <a:fillRef idx="1">
+            <a:schemeClr val="accent1"/>
+          </a:fillRef>
+          <a:effectRef idx="0">
+            <a:schemeClr val="accent1"/>
+          </a:effectRef>
+          <a:fontRef idx="minor">
+            <a:schemeClr val="lt1"/>
+          </a:fontRef>
+        </p:style>
+        <p:txBody>
+          <a:bodyPr rtlCol="0" anchor="ctr"/>
+          <a:lstStyle/>
+          <a:p>
+            <a:pPr algn="ctr"/>
+            <a:r>
+              <a:rPr lang="zh-CN" altLang="en-US" dirty="0">
+                <a:solidFill>
+                  <a:schemeClr val="tx1"/>
+                </a:solidFill>
+                <a:latin typeface="Times New Roman" panose="02020603050405020304" pitchFamily="18" charset="0"/>
+                <a:ea typeface="黑体" panose="02010609060101010101" pitchFamily="49" charset="-122"/>
+                <a:cs typeface="Times New Roman" panose="02020603050405020304" pitchFamily="18" charset="0"/>
+              </a:rPr>
+              <a:t>工具</a:t>
+            </a:r>
+            <a:r>
+              <a:rPr lang="en-US" altLang="zh-CN" dirty="0">
+                <a:solidFill>
+                  <a:schemeClr val="tx1"/>
+                </a:solidFill>
+                <a:latin typeface="Times New Roman" panose="02020603050405020304" pitchFamily="18" charset="0"/>
+                <a:ea typeface="黑体" panose="02010609060101010101" pitchFamily="49" charset="-122"/>
+                <a:cs typeface="Times New Roman" panose="02020603050405020304" pitchFamily="18" charset="0"/>
+              </a:rPr>
+              <a:t>1</a:t>
+            </a:r>
+          </a:p>
+          <a:p>
+            <a:pPr algn="ctr"/>
+            <a:r>
+              <a:rPr lang="en-US" altLang="zh-CN" dirty="0">
+                <a:solidFill>
+                  <a:schemeClr val="tx1"/>
+                </a:solidFill>
+                <a:latin typeface="Times New Roman" panose="02020603050405020304" pitchFamily="18" charset="0"/>
+                <a:ea typeface="黑体" panose="02010609060101010101" pitchFamily="49" charset="-122"/>
+                <a:cs typeface="Times New Roman" panose="02020603050405020304" pitchFamily="18" charset="0"/>
+              </a:rPr>
+              <a:t>tool1</a:t>
+            </a:r>
+            <a:endParaRPr lang="zh-CN" altLang="en-US" dirty="0">
+              <a:solidFill>
+                <a:schemeClr val="tx1"/>
+              </a:solidFill>
+              <a:latin typeface="Times New Roman" panose="02020603050405020304" pitchFamily="18" charset="0"/>
+              <a:ea typeface="黑体" panose="02010609060101010101" pitchFamily="49" charset="-122"/>
+              <a:cs typeface="Times New Roman" panose="02020603050405020304" pitchFamily="18" charset="0"/>
+            </a:endParaRPr>
+          </a:p>
+        </p:txBody>
+      </p:sp>
+      <p:sp>
+        <p:nvSpPr>
+          <p:cNvPr id="11" name="椭圆 10">
+            <a:extLst>
+              <a:ext uri="{FF2B5EF4-FFF2-40B4-BE49-F238E27FC236}">
+                <a16:creationId xmlns:a16="http://schemas.microsoft.com/office/drawing/2014/main" id="{409133C6-10A3-444F-9B7A-40E217D3B0C5}"/>
+              </a:ext>
+            </a:extLst>
+          </p:cNvPr>
+          <p:cNvSpPr/>
+          <p:nvPr/>
+        </p:nvSpPr>
+        <p:spPr>
+          <a:xfrm>
+            <a:off x="8716373" y="2999355"/>
+            <a:ext cx="1189150" cy="1189150"/>
+          </a:xfrm>
+          <a:prstGeom prst="ellipse">
+            <a:avLst/>
+          </a:prstGeom>
+          <a:solidFill>
+            <a:schemeClr val="bg1"/>
+          </a:solidFill>
+        </p:spPr>
+        <p:style>
+          <a:lnRef idx="2">
+            <a:schemeClr val="accent1">
+              <a:shade val="15000"/>
+            </a:schemeClr>
+          </a:lnRef>
+          <a:fillRef idx="1">
+            <a:schemeClr val="accent1"/>
+          </a:fillRef>
+          <a:effectRef idx="0">
+            <a:schemeClr val="accent1"/>
+          </a:effectRef>
+          <a:fontRef idx="minor">
+            <a:schemeClr val="lt1"/>
+          </a:fontRef>
+        </p:style>
+        <p:txBody>
+          <a:bodyPr rtlCol="0" anchor="ctr"/>
+          <a:lstStyle/>
+          <a:p>
+            <a:pPr algn="ctr"/>
+            <a:r>
+              <a:rPr lang="zh-CN" altLang="en-US" dirty="0">
+                <a:solidFill>
+                  <a:schemeClr val="tx1"/>
+                </a:solidFill>
+                <a:latin typeface="Times New Roman" panose="02020603050405020304" pitchFamily="18" charset="0"/>
+                <a:ea typeface="黑体" panose="02010609060101010101" pitchFamily="49" charset="-122"/>
+                <a:cs typeface="Times New Roman" panose="02020603050405020304" pitchFamily="18" charset="0"/>
+              </a:rPr>
+              <a:t>工具</a:t>
+            </a:r>
+            <a:r>
+              <a:rPr lang="en-US" altLang="zh-CN" dirty="0">
+                <a:solidFill>
+                  <a:schemeClr val="tx1"/>
+                </a:solidFill>
+                <a:latin typeface="Times New Roman" panose="02020603050405020304" pitchFamily="18" charset="0"/>
+                <a:ea typeface="黑体" panose="02010609060101010101" pitchFamily="49" charset="-122"/>
+                <a:cs typeface="Times New Roman" panose="02020603050405020304" pitchFamily="18" charset="0"/>
+              </a:rPr>
+              <a:t>2</a:t>
+            </a:r>
+          </a:p>
+          <a:p>
+            <a:pPr algn="ctr"/>
+            <a:r>
+              <a:rPr lang="en-US" altLang="zh-CN" dirty="0">
+                <a:solidFill>
+                  <a:schemeClr val="tx1"/>
+                </a:solidFill>
+                <a:latin typeface="Times New Roman" panose="02020603050405020304" pitchFamily="18" charset="0"/>
+                <a:ea typeface="黑体" panose="02010609060101010101" pitchFamily="49" charset="-122"/>
+                <a:cs typeface="Times New Roman" panose="02020603050405020304" pitchFamily="18" charset="0"/>
+              </a:rPr>
+              <a:t>tool2</a:t>
+            </a:r>
+            <a:endParaRPr lang="zh-CN" altLang="en-US" dirty="0">
+              <a:solidFill>
+                <a:schemeClr val="tx1"/>
+              </a:solidFill>
+              <a:latin typeface="Times New Roman" panose="02020603050405020304" pitchFamily="18" charset="0"/>
+              <a:ea typeface="黑体" panose="02010609060101010101" pitchFamily="49" charset="-122"/>
+              <a:cs typeface="Times New Roman" panose="02020603050405020304" pitchFamily="18" charset="0"/>
+            </a:endParaRPr>
+          </a:p>
+        </p:txBody>
+      </p:sp>
+      <p:sp>
+        <p:nvSpPr>
+          <p:cNvPr id="12" name="椭圆 11">
+            <a:extLst>
+              <a:ext uri="{FF2B5EF4-FFF2-40B4-BE49-F238E27FC236}">
+                <a16:creationId xmlns:a16="http://schemas.microsoft.com/office/drawing/2014/main" id="{6AEF21D8-FEAE-E364-81D8-8E5D4196722C}"/>
+              </a:ext>
+            </a:extLst>
+          </p:cNvPr>
+          <p:cNvSpPr/>
+          <p:nvPr/>
+        </p:nvSpPr>
+        <p:spPr>
+          <a:xfrm>
+            <a:off x="8716373" y="4982976"/>
+            <a:ext cx="1189150" cy="1189150"/>
+          </a:xfrm>
+          <a:prstGeom prst="ellipse">
+            <a:avLst/>
+          </a:prstGeom>
+          <a:solidFill>
+            <a:schemeClr val="bg1"/>
+          </a:solidFill>
+        </p:spPr>
+        <p:style>
+          <a:lnRef idx="2">
+            <a:schemeClr val="accent1">
+              <a:shade val="15000"/>
+            </a:schemeClr>
+          </a:lnRef>
+          <a:fillRef idx="1">
+            <a:schemeClr val="accent1"/>
+          </a:fillRef>
+          <a:effectRef idx="0">
+            <a:schemeClr val="accent1"/>
+          </a:effectRef>
+          <a:fontRef idx="minor">
+            <a:schemeClr val="lt1"/>
+          </a:fontRef>
+        </p:style>
+        <p:txBody>
+          <a:bodyPr rtlCol="0" anchor="ctr"/>
+          <a:lstStyle/>
+          <a:p>
+            <a:pPr algn="ctr"/>
+            <a:r>
+              <a:rPr lang="en-US" altLang="zh-CN" dirty="0">
+                <a:solidFill>
+                  <a:schemeClr val="tx1"/>
+                </a:solidFill>
+                <a:latin typeface="Times New Roman" panose="02020603050405020304" pitchFamily="18" charset="0"/>
+                <a:ea typeface="黑体" panose="02010609060101010101" pitchFamily="49" charset="-122"/>
+                <a:cs typeface="Times New Roman" panose="02020603050405020304" pitchFamily="18" charset="0"/>
+              </a:rPr>
+              <a:t>…</a:t>
+            </a:r>
+            <a:endParaRPr lang="zh-CN" altLang="en-US" dirty="0">
+              <a:solidFill>
+                <a:schemeClr val="tx1"/>
+              </a:solidFill>
+              <a:latin typeface="Times New Roman" panose="02020603050405020304" pitchFamily="18" charset="0"/>
+              <a:ea typeface="黑体" panose="02010609060101010101" pitchFamily="49" charset="-122"/>
+              <a:cs typeface="Times New Roman" panose="02020603050405020304" pitchFamily="18" charset="0"/>
+            </a:endParaRPr>
+          </a:p>
+        </p:txBody>
+      </p:sp>
+      <p:cxnSp>
+        <p:nvCxnSpPr>
+          <p:cNvPr id="13" name="直接箭头连接符 12">
+            <a:extLst>
+              <a:ext uri="{FF2B5EF4-FFF2-40B4-BE49-F238E27FC236}">
+                <a16:creationId xmlns:a16="http://schemas.microsoft.com/office/drawing/2014/main" id="{2209C436-87FC-DFBE-13F3-B267DB15CDF8}"/>
+              </a:ext>
+            </a:extLst>
+          </p:cNvPr>
+          <p:cNvCxnSpPr>
+            <a:cxnSpLocks/>
+            <a:stCxn id="6" idx="3"/>
+            <a:endCxn id="10" idx="1"/>
+          </p:cNvCxnSpPr>
+          <p:nvPr/>
+        </p:nvCxnSpPr>
+        <p:spPr>
+          <a:xfrm>
+            <a:off x="6617282" y="1024247"/>
+            <a:ext cx="2273238" cy="165635"/>
+          </a:xfrm>
+          <a:prstGeom prst="straightConnector1">
+            <a:avLst/>
+          </a:prstGeom>
+          <a:ln w="25400">
+            <a:solidFill>
+              <a:schemeClr val="tx1"/>
+            </a:solidFill>
+            <a:prstDash val="dash"/>
+            <a:tailEnd type="arrow"/>
+          </a:ln>
+        </p:spPr>
+        <p:style>
+          <a:lnRef idx="1">
+            <a:schemeClr val="accent1"/>
+          </a:lnRef>
+          <a:fillRef idx="0">
+            <a:schemeClr val="accent1"/>
+          </a:fillRef>
+          <a:effectRef idx="0">
+            <a:schemeClr val="accent1"/>
+          </a:effectRef>
+          <a:fontRef idx="minor">
+            <a:schemeClr val="tx1"/>
+          </a:fontRef>
+        </p:style>
+      </p:cxnSp>
+      <p:cxnSp>
+        <p:nvCxnSpPr>
+          <p:cNvPr id="16" name="直接箭头连接符 15">
+            <a:extLst>
+              <a:ext uri="{FF2B5EF4-FFF2-40B4-BE49-F238E27FC236}">
+                <a16:creationId xmlns:a16="http://schemas.microsoft.com/office/drawing/2014/main" id="{4359D191-D22B-4AD0-4BB4-502F8B3333DD}"/>
+              </a:ext>
+            </a:extLst>
+          </p:cNvPr>
+          <p:cNvCxnSpPr>
+            <a:cxnSpLocks/>
+          </p:cNvCxnSpPr>
+          <p:nvPr/>
+        </p:nvCxnSpPr>
+        <p:spPr>
+          <a:xfrm>
+            <a:off x="5447074" y="1442481"/>
+            <a:ext cx="0" cy="541177"/>
+          </a:xfrm>
+          <a:prstGeom prst="straightConnector1">
+            <a:avLst/>
+          </a:prstGeom>
+          <a:ln w="25400">
+            <a:solidFill>
+              <a:schemeClr val="tx1"/>
+            </a:solidFill>
+            <a:prstDash val="dash"/>
+            <a:tailEnd type="arrow"/>
+          </a:ln>
+        </p:spPr>
+        <p:style>
+          <a:lnRef idx="1">
+            <a:schemeClr val="accent1"/>
+          </a:lnRef>
+          <a:fillRef idx="0">
+            <a:schemeClr val="accent1"/>
+          </a:fillRef>
+          <a:effectRef idx="0">
+            <a:schemeClr val="accent1"/>
+          </a:effectRef>
+          <a:fontRef idx="minor">
+            <a:schemeClr val="tx1"/>
+          </a:fontRef>
+        </p:style>
+      </p:cxnSp>
+      <p:cxnSp>
+        <p:nvCxnSpPr>
+          <p:cNvPr id="17" name="直接箭头连接符 16">
+            <a:extLst>
+              <a:ext uri="{FF2B5EF4-FFF2-40B4-BE49-F238E27FC236}">
+                <a16:creationId xmlns:a16="http://schemas.microsoft.com/office/drawing/2014/main" id="{819A40AF-9B6B-2349-5622-B69E3915D7C2}"/>
+              </a:ext>
+            </a:extLst>
+          </p:cNvPr>
+          <p:cNvCxnSpPr>
+            <a:cxnSpLocks/>
+          </p:cNvCxnSpPr>
+          <p:nvPr/>
+        </p:nvCxnSpPr>
+        <p:spPr>
+          <a:xfrm>
+            <a:off x="5963262" y="1439745"/>
+            <a:ext cx="0" cy="1559610"/>
+          </a:xfrm>
+          <a:prstGeom prst="straightConnector1">
+            <a:avLst/>
+          </a:prstGeom>
+          <a:ln w="25400">
+            <a:solidFill>
+              <a:schemeClr val="tx1"/>
+            </a:solidFill>
+            <a:prstDash val="dash"/>
+            <a:tailEnd type="arrow"/>
+          </a:ln>
+        </p:spPr>
+        <p:style>
+          <a:lnRef idx="1">
+            <a:schemeClr val="accent1"/>
+          </a:lnRef>
+          <a:fillRef idx="0">
+            <a:schemeClr val="accent1"/>
+          </a:fillRef>
+          <a:effectRef idx="0">
+            <a:schemeClr val="accent1"/>
+          </a:effectRef>
+          <a:fontRef idx="minor">
+            <a:schemeClr val="tx1"/>
+          </a:fontRef>
+        </p:style>
+      </p:cxnSp>
+      <p:cxnSp>
+        <p:nvCxnSpPr>
+          <p:cNvPr id="27" name="直接箭头连接符 26">
+            <a:extLst>
+              <a:ext uri="{FF2B5EF4-FFF2-40B4-BE49-F238E27FC236}">
+                <a16:creationId xmlns:a16="http://schemas.microsoft.com/office/drawing/2014/main" id="{FFCD2356-FCA1-E51D-C9F9-C16A417BC0EC}"/>
+              </a:ext>
+            </a:extLst>
+          </p:cNvPr>
+          <p:cNvCxnSpPr>
+            <a:cxnSpLocks/>
+            <a:stCxn id="6" idx="3"/>
+            <a:endCxn id="11" idx="1"/>
+          </p:cNvCxnSpPr>
+          <p:nvPr/>
+        </p:nvCxnSpPr>
+        <p:spPr>
+          <a:xfrm>
+            <a:off x="6617282" y="1024247"/>
+            <a:ext cx="2273238" cy="2149255"/>
+          </a:xfrm>
+          <a:prstGeom prst="straightConnector1">
+            <a:avLst/>
+          </a:prstGeom>
+          <a:ln w="25400">
+            <a:solidFill>
+              <a:schemeClr val="tx1"/>
+            </a:solidFill>
+            <a:prstDash val="dash"/>
+            <a:tailEnd type="arrow"/>
+          </a:ln>
+        </p:spPr>
+        <p:style>
+          <a:lnRef idx="1">
+            <a:schemeClr val="accent1"/>
+          </a:lnRef>
+          <a:fillRef idx="0">
+            <a:schemeClr val="accent1"/>
+          </a:fillRef>
+          <a:effectRef idx="0">
+            <a:schemeClr val="accent1"/>
+          </a:effectRef>
+          <a:fontRef idx="minor">
+            <a:schemeClr val="tx1"/>
+          </a:fontRef>
+        </p:style>
+      </p:cxnSp>
+      <p:cxnSp>
+        <p:nvCxnSpPr>
+          <p:cNvPr id="35" name="直接箭头连接符 34">
+            <a:extLst>
+              <a:ext uri="{FF2B5EF4-FFF2-40B4-BE49-F238E27FC236}">
+                <a16:creationId xmlns:a16="http://schemas.microsoft.com/office/drawing/2014/main" id="{60B2D183-E239-DAA2-7E09-B2416709927B}"/>
+              </a:ext>
+            </a:extLst>
+          </p:cNvPr>
+          <p:cNvCxnSpPr>
+            <a:cxnSpLocks/>
+          </p:cNvCxnSpPr>
+          <p:nvPr/>
+        </p:nvCxnSpPr>
+        <p:spPr>
+          <a:xfrm>
+            <a:off x="2398648" y="3627989"/>
+            <a:ext cx="1425904" cy="0"/>
+          </a:xfrm>
+          <a:prstGeom prst="straightConnector1">
+            <a:avLst/>
+          </a:prstGeom>
+          <a:ln w="25400">
+            <a:solidFill>
+              <a:schemeClr val="tx1"/>
+            </a:solidFill>
+            <a:prstDash val="solid"/>
+            <a:tailEnd type="arrow"/>
+          </a:ln>
+        </p:spPr>
+        <p:style>
+          <a:lnRef idx="1">
+            <a:schemeClr val="accent1"/>
+          </a:lnRef>
+          <a:fillRef idx="0">
+            <a:schemeClr val="accent1"/>
+          </a:fillRef>
+          <a:effectRef idx="0">
+            <a:schemeClr val="accent1"/>
+          </a:effectRef>
+          <a:fontRef idx="minor">
+            <a:schemeClr val="tx1"/>
+          </a:fontRef>
+        </p:style>
+      </p:cxnSp>
+      <p:cxnSp>
+        <p:nvCxnSpPr>
+          <p:cNvPr id="39" name="直接箭头连接符 38">
+            <a:extLst>
+              <a:ext uri="{FF2B5EF4-FFF2-40B4-BE49-F238E27FC236}">
+                <a16:creationId xmlns:a16="http://schemas.microsoft.com/office/drawing/2014/main" id="{6E492FE0-DFE0-F581-2086-27FB9A658404}"/>
+              </a:ext>
+            </a:extLst>
+          </p:cNvPr>
+          <p:cNvCxnSpPr>
+            <a:cxnSpLocks/>
+          </p:cNvCxnSpPr>
+          <p:nvPr/>
+        </p:nvCxnSpPr>
+        <p:spPr>
+          <a:xfrm flipH="1">
+            <a:off x="2398648" y="3908208"/>
+            <a:ext cx="1425904" cy="0"/>
+          </a:xfrm>
+          <a:prstGeom prst="straightConnector1">
+            <a:avLst/>
+          </a:prstGeom>
+          <a:ln w="25400">
+            <a:solidFill>
+              <a:schemeClr val="tx1"/>
+            </a:solidFill>
+            <a:prstDash val="solid"/>
+            <a:tailEnd type="arrow"/>
+          </a:ln>
+        </p:spPr>
+        <p:style>
+          <a:lnRef idx="1">
+            <a:schemeClr val="accent1"/>
+          </a:lnRef>
+          <a:fillRef idx="0">
+            <a:schemeClr val="accent1"/>
+          </a:fillRef>
+          <a:effectRef idx="0">
+            <a:schemeClr val="accent1"/>
+          </a:effectRef>
+          <a:fontRef idx="minor">
+            <a:schemeClr val="tx1"/>
+          </a:fontRef>
+        </p:style>
+      </p:cxnSp>
+      <p:cxnSp>
+        <p:nvCxnSpPr>
+          <p:cNvPr id="14" name="直接箭头连接符 13">
+            <a:extLst>
+              <a:ext uri="{FF2B5EF4-FFF2-40B4-BE49-F238E27FC236}">
+                <a16:creationId xmlns:a16="http://schemas.microsoft.com/office/drawing/2014/main" id="{21ABFD0F-7952-985A-C314-6483E2A945AF}"/>
+              </a:ext>
+            </a:extLst>
+          </p:cNvPr>
+          <p:cNvCxnSpPr>
+            <a:cxnSpLocks/>
+          </p:cNvCxnSpPr>
+          <p:nvPr/>
+        </p:nvCxnSpPr>
+        <p:spPr>
+          <a:xfrm>
+            <a:off x="8003421" y="3522321"/>
+            <a:ext cx="712952" cy="0"/>
+          </a:xfrm>
+          <a:prstGeom prst="straightConnector1">
+            <a:avLst/>
+          </a:prstGeom>
+          <a:ln w="25400">
+            <a:solidFill>
+              <a:schemeClr val="tx1"/>
+            </a:solidFill>
+            <a:prstDash val="solid"/>
+            <a:tailEnd type="arrow"/>
+          </a:ln>
+        </p:spPr>
+        <p:style>
+          <a:lnRef idx="1">
+            <a:schemeClr val="accent1"/>
+          </a:lnRef>
+          <a:fillRef idx="0">
+            <a:schemeClr val="accent1"/>
+          </a:fillRef>
+          <a:effectRef idx="0">
+            <a:schemeClr val="accent1"/>
+          </a:effectRef>
+          <a:fontRef idx="minor">
+            <a:schemeClr val="tx1"/>
+          </a:fontRef>
+        </p:style>
+      </p:cxnSp>
+      <p:cxnSp>
+        <p:nvCxnSpPr>
+          <p:cNvPr id="15" name="直接箭头连接符 14">
+            <a:extLst>
+              <a:ext uri="{FF2B5EF4-FFF2-40B4-BE49-F238E27FC236}">
+                <a16:creationId xmlns:a16="http://schemas.microsoft.com/office/drawing/2014/main" id="{521A02A6-9BE0-BD02-D41C-F968D51AD9B7}"/>
+              </a:ext>
+            </a:extLst>
+          </p:cNvPr>
+          <p:cNvCxnSpPr>
+            <a:cxnSpLocks/>
+          </p:cNvCxnSpPr>
+          <p:nvPr/>
+        </p:nvCxnSpPr>
+        <p:spPr>
+          <a:xfrm flipH="1">
+            <a:off x="8003421" y="3802540"/>
+            <a:ext cx="712952" cy="0"/>
+          </a:xfrm>
+          <a:prstGeom prst="straightConnector1">
+            <a:avLst/>
+          </a:prstGeom>
+          <a:ln w="25400">
+            <a:solidFill>
+              <a:schemeClr val="tx1"/>
+            </a:solidFill>
+            <a:prstDash val="solid"/>
+            <a:tailEnd type="arrow"/>
+          </a:ln>
+        </p:spPr>
+        <p:style>
+          <a:lnRef idx="1">
+            <a:schemeClr val="accent1"/>
+          </a:lnRef>
+          <a:fillRef idx="0">
+            <a:schemeClr val="accent1"/>
+          </a:fillRef>
+          <a:effectRef idx="0">
+            <a:schemeClr val="accent1"/>
+          </a:effectRef>
+          <a:fontRef idx="minor">
+            <a:schemeClr val="tx1"/>
+          </a:fontRef>
+        </p:style>
+      </p:cxnSp>
+      <p:cxnSp>
+        <p:nvCxnSpPr>
+          <p:cNvPr id="24" name="直接箭头连接符 23">
+            <a:extLst>
+              <a:ext uri="{FF2B5EF4-FFF2-40B4-BE49-F238E27FC236}">
+                <a16:creationId xmlns:a16="http://schemas.microsoft.com/office/drawing/2014/main" id="{F22E278D-F758-9BD3-81AE-CB548C6E4797}"/>
+              </a:ext>
+            </a:extLst>
+          </p:cNvPr>
+          <p:cNvCxnSpPr>
+            <a:cxnSpLocks/>
+          </p:cNvCxnSpPr>
+          <p:nvPr/>
+        </p:nvCxnSpPr>
+        <p:spPr>
+          <a:xfrm flipV="1">
+            <a:off x="7444854" y="1733265"/>
+            <a:ext cx="1278343" cy="641446"/>
+          </a:xfrm>
+          <a:prstGeom prst="straightConnector1">
+            <a:avLst/>
+          </a:prstGeom>
+          <a:ln w="25400">
+            <a:solidFill>
+              <a:schemeClr val="tx1"/>
+            </a:solidFill>
+            <a:prstDash val="solid"/>
+            <a:tailEnd type="arrow"/>
+          </a:ln>
+        </p:spPr>
+        <p:style>
+          <a:lnRef idx="1">
+            <a:schemeClr val="accent1"/>
+          </a:lnRef>
+          <a:fillRef idx="0">
+            <a:schemeClr val="accent1"/>
+          </a:fillRef>
+          <a:effectRef idx="0">
+            <a:schemeClr val="accent1"/>
+          </a:effectRef>
+          <a:fontRef idx="minor">
+            <a:schemeClr val="tx1"/>
+          </a:fontRef>
+        </p:style>
+      </p:cxnSp>
+      <p:cxnSp>
+        <p:nvCxnSpPr>
+          <p:cNvPr id="25" name="直接箭头连接符 24">
+            <a:extLst>
+              <a:ext uri="{FF2B5EF4-FFF2-40B4-BE49-F238E27FC236}">
+                <a16:creationId xmlns:a16="http://schemas.microsoft.com/office/drawing/2014/main" id="{DBB73F42-02BE-619B-C479-96E260002177}"/>
+              </a:ext>
+            </a:extLst>
+          </p:cNvPr>
+          <p:cNvCxnSpPr>
+            <a:cxnSpLocks/>
+          </p:cNvCxnSpPr>
+          <p:nvPr/>
+        </p:nvCxnSpPr>
+        <p:spPr>
+          <a:xfrm flipH="1">
+            <a:off x="7540388" y="1963186"/>
+            <a:ext cx="1216929" cy="617113"/>
+          </a:xfrm>
+          <a:prstGeom prst="straightConnector1">
+            <a:avLst/>
+          </a:prstGeom>
+          <a:ln w="25400">
+            <a:solidFill>
+              <a:schemeClr val="tx1"/>
+            </a:solidFill>
+            <a:prstDash val="solid"/>
+            <a:tailEnd type="arrow"/>
+          </a:ln>
+        </p:spPr>
+        <p:style>
+          <a:lnRef idx="1">
+            <a:schemeClr val="accent1"/>
+          </a:lnRef>
+          <a:fillRef idx="0">
+            <a:schemeClr val="accent1"/>
+          </a:fillRef>
+          <a:effectRef idx="0">
+            <a:schemeClr val="accent1"/>
+          </a:effectRef>
+          <a:fontRef idx="minor">
+            <a:schemeClr val="tx1"/>
+          </a:fontRef>
+        </p:style>
+      </p:cxnSp>
+    </p:spTree>
+    <p:extLst>
+      <p:ext uri="{BB962C8B-B14F-4D97-AF65-F5344CB8AC3E}">
+        <p14:creationId xmlns:p14="http://schemas.microsoft.com/office/powerpoint/2010/main" val="459870490"/>
+      </p:ext>
+    </p:extLst>
+  </p:cSld>
+  <p:clrMapOvr>
+    <a:masterClrMapping/>
+  </p:clrMapOvr>
+  <p:timing>
+    <p:tnLst>
+      <p:par>
+        <p:cTn id="1" dur="indefinite" restart="never" nodeType="tmRoot">
+          <p:childTnLst>
+            <p:seq concurrent="1" nextAc="seek">
+              <p:cTn id="2" dur="indefinite" nodeType="mainSeq">
+                <p:childTnLst>
+                  <p:par>
+                    <p:cTn id="3" fill="hold">
+                      <p:stCondLst>
+                        <p:cond delay="indefinite"/>
+                      </p:stCondLst>
+                      <p:childTnLst>
+                        <p:par>
+                          <p:cTn id="4" fill="hold">
+                            <p:stCondLst>
+                              <p:cond delay="0"/>
+                            </p:stCondLst>
+                            <p:childTnLst>
+                              <p:par>
+                                <p:cTn id="5" presetID="22" presetClass="entr" presetSubtype="1" fill="hold" nodeType="clickEffect">
+                                  <p:stCondLst>
+                                    <p:cond delay="0"/>
+                                  </p:stCondLst>
+                                  <p:childTnLst>
+                                    <p:set>
+                                      <p:cBhvr>
+                                        <p:cTn id="6" dur="1" fill="hold">
+                                          <p:stCondLst>
+                                            <p:cond delay="0"/>
+                                          </p:stCondLst>
+                                        </p:cTn>
+                                        <p:tgtEl>
+                                          <p:spTgt spid="13"/>
+                                        </p:tgtEl>
+                                        <p:attrNameLst>
+                                          <p:attrName>style.visibility</p:attrName>
+                                        </p:attrNameLst>
+                                      </p:cBhvr>
+                                      <p:to>
+                                        <p:strVal val="visible"/>
+                                      </p:to>
+                                    </p:set>
+                                    <p:animEffect transition="in" filter="wipe(up)">
+                                      <p:cBhvr>
+                                        <p:cTn id="7" dur="500"/>
+                                        <p:tgtEl>
+                                          <p:spTgt spid="13"/>
+                                        </p:tgtEl>
+                                      </p:cBhvr>
+                                    </p:animEffect>
+                                  </p:childTnLst>
+                                </p:cTn>
+                              </p:par>
+                            </p:childTnLst>
+                          </p:cTn>
+                        </p:par>
+                      </p:childTnLst>
+                    </p:cTn>
+                  </p:par>
+                  <p:par>
+                    <p:cTn id="8" fill="hold">
+                      <p:stCondLst>
+                        <p:cond delay="indefinite"/>
+                      </p:stCondLst>
+                      <p:childTnLst>
+                        <p:par>
+                          <p:cTn id="9" fill="hold">
+                            <p:stCondLst>
+                              <p:cond delay="0"/>
+                            </p:stCondLst>
+                            <p:childTnLst>
+                              <p:par>
+                                <p:cTn id="10" presetID="22" presetClass="entr" presetSubtype="1" fill="hold" nodeType="clickEffect">
+                                  <p:stCondLst>
+                                    <p:cond delay="0"/>
+                                  </p:stCondLst>
+                                  <p:childTnLst>
+                                    <p:set>
+                                      <p:cBhvr>
+                                        <p:cTn id="11" dur="1" fill="hold">
+                                          <p:stCondLst>
+                                            <p:cond delay="0"/>
+                                          </p:stCondLst>
+                                        </p:cTn>
+                                        <p:tgtEl>
+                                          <p:spTgt spid="16"/>
+                                        </p:tgtEl>
+                                        <p:attrNameLst>
+                                          <p:attrName>style.visibility</p:attrName>
+                                        </p:attrNameLst>
+                                      </p:cBhvr>
+                                      <p:to>
+                                        <p:strVal val="visible"/>
+                                      </p:to>
+                                    </p:set>
+                                    <p:animEffect transition="in" filter="wipe(up)">
+                                      <p:cBhvr>
+                                        <p:cTn id="12" dur="500"/>
+                                        <p:tgtEl>
+                                          <p:spTgt spid="16"/>
+                                        </p:tgtEl>
+                                      </p:cBhvr>
+                                    </p:animEffect>
+                                  </p:childTnLst>
+                                </p:cTn>
+                              </p:par>
+                            </p:childTnLst>
+                          </p:cTn>
+                        </p:par>
+                      </p:childTnLst>
+                    </p:cTn>
+                  </p:par>
+                  <p:par>
+                    <p:cTn id="13" fill="hold">
+                      <p:stCondLst>
+                        <p:cond delay="indefinite"/>
+                      </p:stCondLst>
+                      <p:childTnLst>
+                        <p:par>
+                          <p:cTn id="14" fill="hold">
+                            <p:stCondLst>
+                              <p:cond delay="0"/>
+                            </p:stCondLst>
+                            <p:childTnLst>
+                              <p:par>
+                                <p:cTn id="15" presetID="22" presetClass="entr" presetSubtype="1" fill="hold" nodeType="clickEffect">
+                                  <p:stCondLst>
+                                    <p:cond delay="0"/>
+                                  </p:stCondLst>
+                                  <p:childTnLst>
+                                    <p:set>
+                                      <p:cBhvr>
+                                        <p:cTn id="16" dur="1" fill="hold">
+                                          <p:stCondLst>
+                                            <p:cond delay="0"/>
+                                          </p:stCondLst>
+                                        </p:cTn>
+                                        <p:tgtEl>
+                                          <p:spTgt spid="17"/>
+                                        </p:tgtEl>
+                                        <p:attrNameLst>
+                                          <p:attrName>style.visibility</p:attrName>
+                                        </p:attrNameLst>
+                                      </p:cBhvr>
+                                      <p:to>
+                                        <p:strVal val="visible"/>
+                                      </p:to>
+                                    </p:set>
+                                    <p:animEffect transition="in" filter="wipe(up)">
+                                      <p:cBhvr>
+                                        <p:cTn id="17" dur="500"/>
+                                        <p:tgtEl>
+                                          <p:spTgt spid="17"/>
+                                        </p:tgtEl>
+                                      </p:cBhvr>
+                                    </p:animEffect>
+                                  </p:childTnLst>
+                                </p:cTn>
+                              </p:par>
+                            </p:childTnLst>
+                          </p:cTn>
+                        </p:par>
+                      </p:childTnLst>
+                    </p:cTn>
+                  </p:par>
+                  <p:par>
+                    <p:cTn id="18" fill="hold">
+                      <p:stCondLst>
+                        <p:cond delay="indefinite"/>
+                      </p:stCondLst>
+                      <p:childTnLst>
+                        <p:par>
+                          <p:cTn id="19" fill="hold">
+                            <p:stCondLst>
+                              <p:cond delay="0"/>
+                            </p:stCondLst>
+                            <p:childTnLst>
+                              <p:par>
+                                <p:cTn id="20" presetID="22" presetClass="entr" presetSubtype="1" fill="hold" nodeType="clickEffect">
+                                  <p:stCondLst>
+                                    <p:cond delay="0"/>
+                                  </p:stCondLst>
+                                  <p:childTnLst>
+                                    <p:set>
+                                      <p:cBhvr>
+                                        <p:cTn id="21" dur="1" fill="hold">
+                                          <p:stCondLst>
+                                            <p:cond delay="0"/>
+                                          </p:stCondLst>
+                                        </p:cTn>
+                                        <p:tgtEl>
+                                          <p:spTgt spid="27"/>
+                                        </p:tgtEl>
+                                        <p:attrNameLst>
+                                          <p:attrName>style.visibility</p:attrName>
+                                        </p:attrNameLst>
+                                      </p:cBhvr>
+                                      <p:to>
+                                        <p:strVal val="visible"/>
+                                      </p:to>
+                                    </p:set>
+                                    <p:animEffect transition="in" filter="wipe(up)">
+                                      <p:cBhvr>
+                                        <p:cTn id="22" dur="500"/>
+                                        <p:tgtEl>
+                                          <p:spTgt spid="27"/>
+                                        </p:tgtEl>
+                                      </p:cBhvr>
+                                    </p:animEffect>
+                                  </p:childTnLst>
+                                </p:cTn>
+                              </p:par>
+                            </p:childTnLst>
+                          </p:cTn>
+                        </p:par>
+                      </p:childTnLst>
+                    </p:cTn>
+                  </p:par>
+                  <p:par>
+                    <p:cTn id="23" fill="hold">
+                      <p:stCondLst>
+                        <p:cond delay="indefinite"/>
+                      </p:stCondLst>
+                      <p:childTnLst>
+                        <p:par>
+                          <p:cTn id="24" fill="hold">
+                            <p:stCondLst>
+                              <p:cond delay="0"/>
+                            </p:stCondLst>
+                            <p:childTnLst>
+                              <p:par>
+                                <p:cTn id="25" presetID="22" presetClass="entr" presetSubtype="1" fill="hold" nodeType="clickEffect">
+                                  <p:stCondLst>
+                                    <p:cond delay="0"/>
+                                  </p:stCondLst>
+                                  <p:childTnLst>
+                                    <p:set>
+                                      <p:cBhvr>
+                                        <p:cTn id="26" dur="1" fill="hold">
+                                          <p:stCondLst>
+                                            <p:cond delay="0"/>
+                                          </p:stCondLst>
+                                        </p:cTn>
+                                        <p:tgtEl>
+                                          <p:spTgt spid="35"/>
+                                        </p:tgtEl>
+                                        <p:attrNameLst>
+                                          <p:attrName>style.visibility</p:attrName>
+                                        </p:attrNameLst>
+                                      </p:cBhvr>
+                                      <p:to>
+                                        <p:strVal val="visible"/>
+                                      </p:to>
+                                    </p:set>
+                                    <p:animEffect transition="in" filter="wipe(up)">
+                                      <p:cBhvr>
+                                        <p:cTn id="27" dur="500"/>
+                                        <p:tgtEl>
+                                          <p:spTgt spid="35"/>
+                                        </p:tgtEl>
+                                      </p:cBhvr>
+                                    </p:animEffect>
+                                  </p:childTnLst>
+                                </p:cTn>
+                              </p:par>
+                            </p:childTnLst>
+                          </p:cTn>
+                        </p:par>
+                      </p:childTnLst>
+                    </p:cTn>
+                  </p:par>
+                  <p:par>
+                    <p:cTn id="28" fill="hold">
+                      <p:stCondLst>
+                        <p:cond delay="indefinite"/>
+                      </p:stCondLst>
+                      <p:childTnLst>
+                        <p:par>
+                          <p:cTn id="29" fill="hold">
+                            <p:stCondLst>
+                              <p:cond delay="0"/>
+                            </p:stCondLst>
+                            <p:childTnLst>
+                              <p:par>
+                                <p:cTn id="30" presetID="22" presetClass="entr" presetSubtype="1" fill="hold" nodeType="clickEffect">
+                                  <p:stCondLst>
+                                    <p:cond delay="0"/>
+                                  </p:stCondLst>
+                                  <p:childTnLst>
+                                    <p:set>
+                                      <p:cBhvr>
+                                        <p:cTn id="31" dur="1" fill="hold">
+                                          <p:stCondLst>
+                                            <p:cond delay="0"/>
+                                          </p:stCondLst>
+                                        </p:cTn>
+                                        <p:tgtEl>
+                                          <p:spTgt spid="39"/>
+                                        </p:tgtEl>
+                                        <p:attrNameLst>
+                                          <p:attrName>style.visibility</p:attrName>
+                                        </p:attrNameLst>
+                                      </p:cBhvr>
+                                      <p:to>
+                                        <p:strVal val="visible"/>
+                                      </p:to>
+                                    </p:set>
+                                    <p:animEffect transition="in" filter="wipe(up)">
+                                      <p:cBhvr>
+                                        <p:cTn id="32" dur="500"/>
+                                        <p:tgtEl>
+                                          <p:spTgt spid="39"/>
+                                        </p:tgtEl>
+                                      </p:cBhvr>
+                                    </p:animEffect>
+                                  </p:childTnLst>
+                                </p:cTn>
+                              </p:par>
+                            </p:childTnLst>
+                          </p:cTn>
+                        </p:par>
+                      </p:childTnLst>
+                    </p:cTn>
+                  </p:par>
+                  <p:par>
+                    <p:cTn id="33" fill="hold">
+                      <p:stCondLst>
+                        <p:cond delay="indefinite"/>
+                      </p:stCondLst>
+                      <p:childTnLst>
+                        <p:par>
+                          <p:cTn id="34" fill="hold">
+                            <p:stCondLst>
+                              <p:cond delay="0"/>
+                            </p:stCondLst>
+                            <p:childTnLst>
+                              <p:par>
+                                <p:cTn id="35" presetID="22" presetClass="entr" presetSubtype="1" fill="hold" nodeType="clickEffect">
+                                  <p:stCondLst>
+                                    <p:cond delay="0"/>
+                                  </p:stCondLst>
+                                  <p:childTnLst>
+                                    <p:set>
+                                      <p:cBhvr>
+                                        <p:cTn id="36" dur="1" fill="hold">
+                                          <p:stCondLst>
+                                            <p:cond delay="0"/>
+                                          </p:stCondLst>
+                                        </p:cTn>
+                                        <p:tgtEl>
+                                          <p:spTgt spid="14"/>
+                                        </p:tgtEl>
+                                        <p:attrNameLst>
+                                          <p:attrName>style.visibility</p:attrName>
+                                        </p:attrNameLst>
+                                      </p:cBhvr>
+                                      <p:to>
+                                        <p:strVal val="visible"/>
+                                      </p:to>
+                                    </p:set>
+                                    <p:animEffect transition="in" filter="wipe(up)">
+                                      <p:cBhvr>
+                                        <p:cTn id="37" dur="500"/>
+                                        <p:tgtEl>
+                                          <p:spTgt spid="14"/>
+                                        </p:tgtEl>
+                                      </p:cBhvr>
+                                    </p:animEffect>
+                                  </p:childTnLst>
+                                </p:cTn>
+                              </p:par>
+                            </p:childTnLst>
+                          </p:cTn>
+                        </p:par>
+                      </p:childTnLst>
+                    </p:cTn>
+                  </p:par>
+                  <p:par>
+                    <p:cTn id="38" fill="hold">
+                      <p:stCondLst>
+                        <p:cond delay="indefinite"/>
+                      </p:stCondLst>
+                      <p:childTnLst>
+                        <p:par>
+                          <p:cTn id="39" fill="hold">
+                            <p:stCondLst>
+                              <p:cond delay="0"/>
+                            </p:stCondLst>
+                            <p:childTnLst>
+                              <p:par>
+                                <p:cTn id="40" presetID="22" presetClass="entr" presetSubtype="1" fill="hold" nodeType="clickEffect">
+                                  <p:stCondLst>
+                                    <p:cond delay="0"/>
+                                  </p:stCondLst>
+                                  <p:childTnLst>
+                                    <p:set>
+                                      <p:cBhvr>
+                                        <p:cTn id="41" dur="1" fill="hold">
+                                          <p:stCondLst>
+                                            <p:cond delay="0"/>
+                                          </p:stCondLst>
+                                        </p:cTn>
+                                        <p:tgtEl>
+                                          <p:spTgt spid="15"/>
+                                        </p:tgtEl>
+                                        <p:attrNameLst>
+                                          <p:attrName>style.visibility</p:attrName>
+                                        </p:attrNameLst>
+                                      </p:cBhvr>
+                                      <p:to>
+                                        <p:strVal val="visible"/>
+                                      </p:to>
+                                    </p:set>
+                                    <p:animEffect transition="in" filter="wipe(up)">
+                                      <p:cBhvr>
+                                        <p:cTn id="42" dur="500"/>
+                                        <p:tgtEl>
+                                          <p:spTgt spid="15"/>
+                                        </p:tgtEl>
+                                      </p:cBhvr>
+                                    </p:animEffect>
+                                  </p:childTnLst>
+                                </p:cTn>
+                              </p:par>
+                            </p:childTnLst>
+                          </p:cTn>
+                        </p:par>
+                      </p:childTnLst>
+                    </p:cTn>
+                  </p:par>
+                  <p:par>
+                    <p:cTn id="43" fill="hold">
+                      <p:stCondLst>
+                        <p:cond delay="indefinite"/>
+                      </p:stCondLst>
+                      <p:childTnLst>
+                        <p:par>
+                          <p:cTn id="44" fill="hold">
+                            <p:stCondLst>
+                              <p:cond delay="0"/>
+                            </p:stCondLst>
+                            <p:childTnLst>
+                              <p:par>
+                                <p:cTn id="45" presetID="22" presetClass="entr" presetSubtype="1" fill="hold" nodeType="clickEffect">
+                                  <p:stCondLst>
+                                    <p:cond delay="0"/>
+                                  </p:stCondLst>
+                                  <p:childTnLst>
+                                    <p:set>
+                                      <p:cBhvr>
+                                        <p:cTn id="46" dur="1" fill="hold">
+                                          <p:stCondLst>
+                                            <p:cond delay="0"/>
+                                          </p:stCondLst>
+                                        </p:cTn>
+                                        <p:tgtEl>
+                                          <p:spTgt spid="24"/>
+                                        </p:tgtEl>
+                                        <p:attrNameLst>
+                                          <p:attrName>style.visibility</p:attrName>
+                                        </p:attrNameLst>
+                                      </p:cBhvr>
+                                      <p:to>
+                                        <p:strVal val="visible"/>
+                                      </p:to>
+                                    </p:set>
+                                    <p:animEffect transition="in" filter="wipe(up)">
+                                      <p:cBhvr>
+                                        <p:cTn id="47" dur="500"/>
+                                        <p:tgtEl>
+                                          <p:spTgt spid="24"/>
+                                        </p:tgtEl>
+                                      </p:cBhvr>
+                                    </p:animEffect>
+                                  </p:childTnLst>
+                                </p:cTn>
+                              </p:par>
+                            </p:childTnLst>
+                          </p:cTn>
+                        </p:par>
+                      </p:childTnLst>
+                    </p:cTn>
+                  </p:par>
+                  <p:par>
+                    <p:cTn id="48" fill="hold">
+                      <p:stCondLst>
+                        <p:cond delay="indefinite"/>
+                      </p:stCondLst>
+                      <p:childTnLst>
+                        <p:par>
+                          <p:cTn id="49" fill="hold">
+                            <p:stCondLst>
+                              <p:cond delay="0"/>
+                            </p:stCondLst>
+                            <p:childTnLst>
+                              <p:par>
+                                <p:cTn id="50" presetID="22" presetClass="entr" presetSubtype="1" fill="hold" nodeType="clickEffect">
+                                  <p:stCondLst>
+                                    <p:cond delay="0"/>
+                                  </p:stCondLst>
+                                  <p:childTnLst>
+                                    <p:set>
+                                      <p:cBhvr>
+                                        <p:cTn id="51" dur="1" fill="hold">
+                                          <p:stCondLst>
+                                            <p:cond delay="0"/>
+                                          </p:stCondLst>
+                                        </p:cTn>
+                                        <p:tgtEl>
+                                          <p:spTgt spid="25"/>
+                                        </p:tgtEl>
+                                        <p:attrNameLst>
+                                          <p:attrName>style.visibility</p:attrName>
+                                        </p:attrNameLst>
+                                      </p:cBhvr>
+                                      <p:to>
+                                        <p:strVal val="visible"/>
+                                      </p:to>
+                                    </p:set>
+                                    <p:animEffect transition="in" filter="wipe(up)">
+                                      <p:cBhvr>
+                                        <p:cTn id="52" dur="500"/>
+                                        <p:tgtEl>
+                                          <p:spTgt spid="25"/>
+                                        </p:tgtEl>
+                                      </p:cBhvr>
+                                    </p:animEffect>
+                                  </p:childTnLst>
+                                </p:cTn>
+                              </p:par>
+                            </p:childTnLst>
+                          </p:cTn>
+                        </p:par>
+                      </p:childTnLst>
+                    </p:cTn>
+                  </p:par>
+                </p:childTnLst>
+              </p:cTn>
+              <p:prevCondLst>
+                <p:cond evt="onPrev" delay="0">
+                  <p:tgtEl>
+                    <p:sldTgt/>
+                  </p:tgtEl>
+                </p:cond>
+              </p:prevCondLst>
+              <p:nextCondLst>
+                <p:cond evt="onNext" delay="0">
+                  <p:tgtEl>
+                    <p:sldTgt/>
+                  </p:tgtEl>
+                </p:cond>
+              </p:nextCondLst>
+            </p:seq>
+          </p:childTnLst>
+        </p:cTn>
+      </p:par>
+    </p:tnLst>
+  </p:timing>
+</p:sld>
+</file>
+
 <file path=ppt/slides/slide5.xml><?xml version="1.0" encoding="utf-8"?>
 <p:sld xmlns:a="http://schemas.openxmlformats.org/drawingml/2006/main" xmlns:r="http://schemas.openxmlformats.org/officeDocument/2006/relationships" xmlns:p="http://schemas.openxmlformats.org/presentationml/2006/main">
   <p:cSld>

--- a/ui/resource/软件介绍.pptx
+++ b/ui/resource/软件介绍.pptx
@@ -11790,7 +11790,7 @@
           <a:p>
             <a:fld id="{285264BB-8F8A-4D4A-88A3-0640162C694A}" type="datetimeFigureOut">
               <a:rPr lang="zh-CN" altLang="en-US" smtClean="0"/>
-              <a:t>2024/11/11</a:t>
+              <a:t>2024/11/25</a:t>
             </a:fld>
             <a:endParaRPr lang="zh-CN" altLang="en-US"/>
           </a:p>
@@ -11955,7 +11955,7 @@
           <a:p>
             <a:fld id="{C3C1C5A8-D213-43C4-B748-86D822F1E0AF}" type="datetimeFigureOut">
               <a:rPr lang="zh-CN" altLang="en-US" smtClean="0"/>
-              <a:t>2024/11/11</a:t>
+              <a:t>2024/11/25</a:t>
             </a:fld>
             <a:endParaRPr lang="zh-CN" altLang="en-US"/>
           </a:p>
@@ -18688,7 +18688,7 @@
           <a:p>
             <a:fld id="{760FBDFE-C587-4B4C-A407-44438C67B59E}" type="datetimeFigureOut">
               <a:rPr lang="zh-CN" altLang="en-US" smtClean="0"/>
-              <a:t>2024/11/11</a:t>
+              <a:t>2024/11/25</a:t>
             </a:fld>
             <a:endParaRPr lang="zh-CN" altLang="en-US"/>
           </a:p>
@@ -19131,7 +19131,7 @@
             <a:fld id="{96DFF08F-DC6B-4601-B491-B0F83F6DD2DA}" type="datetimeFigureOut">
               <a:rPr lang="en-US" dirty="0"/>
               <a:pPr/>
-              <a:t>11/11/2024</a:t>
+              <a:t>11/25/2024</a:t>
             </a:fld>
             <a:endParaRPr lang="en-US" dirty="0"/>
           </a:p>
@@ -42842,63 +42842,6 @@
       </p:sp>
       <p:sp>
         <p:nvSpPr>
-          <p:cNvPr id="24" name="文本框 23">
-            <a:extLst>
-              <a:ext uri="{FF2B5EF4-FFF2-40B4-BE49-F238E27FC236}">
-                <a16:creationId xmlns:a16="http://schemas.microsoft.com/office/drawing/2014/main" id="{1DF49049-8F4A-BBC6-7CFC-5BEE845C3067}"/>
-              </a:ext>
-            </a:extLst>
-          </p:cNvPr>
-          <p:cNvSpPr txBox="1"/>
-          <p:nvPr/>
-        </p:nvSpPr>
-        <p:spPr>
-          <a:xfrm>
-            <a:off x="9132951" y="5648809"/>
-            <a:ext cx="1593706" cy="461665"/>
-          </a:xfrm>
-          <a:prstGeom prst="rect">
-            <a:avLst/>
-          </a:prstGeom>
-        </p:spPr>
-        <p:style>
-          <a:lnRef idx="2">
-            <a:schemeClr val="accent3"/>
-          </a:lnRef>
-          <a:fillRef idx="1">
-            <a:schemeClr val="lt1"/>
-          </a:fillRef>
-          <a:effectRef idx="0">
-            <a:schemeClr val="accent3"/>
-          </a:effectRef>
-          <a:fontRef idx="minor">
-            <a:schemeClr val="dk1"/>
-          </a:fontRef>
-        </p:style>
-        <p:txBody>
-          <a:bodyPr wrap="none" rtlCol="0">
-            <a:spAutoFit/>
-          </a:bodyPr>
-          <a:lstStyle/>
-          <a:p>
-            <a:r>
-              <a:rPr lang="en-US" altLang="zh-CN" sz="2400" dirty="0">
-                <a:latin typeface="Times New Roman" panose="02020603050405020304" pitchFamily="18" charset="0"/>
-                <a:ea typeface="黑体" panose="02010609060101010101" pitchFamily="49" charset="-122"/>
-                <a:cs typeface="Times New Roman" panose="02020603050405020304" pitchFamily="18" charset="0"/>
-              </a:rPr>
-              <a:t>sd-ggml.dll</a:t>
-            </a:r>
-            <a:endParaRPr lang="zh-CN" altLang="en-US" sz="2400" dirty="0">
-              <a:latin typeface="Times New Roman" panose="02020603050405020304" pitchFamily="18" charset="0"/>
-              <a:ea typeface="黑体" panose="02010609060101010101" pitchFamily="49" charset="-122"/>
-              <a:cs typeface="Times New Roman" panose="02020603050405020304" pitchFamily="18" charset="0"/>
-            </a:endParaRPr>
-          </a:p>
-        </p:txBody>
-      </p:sp>
-      <p:sp>
-        <p:nvSpPr>
           <p:cNvPr id="25" name="文本框 24">
             <a:extLst>
               <a:ext uri="{FF2B5EF4-FFF2-40B4-BE49-F238E27FC236}">
@@ -43295,14 +43238,14 @@
           <p:cNvCxnSpPr>
             <a:cxnSpLocks/>
             <a:stCxn id="21" idx="2"/>
-            <a:endCxn id="24" idx="0"/>
+            <a:endCxn id="22" idx="0"/>
           </p:cNvCxnSpPr>
           <p:nvPr/>
         </p:nvCxnSpPr>
         <p:spPr>
           <a:xfrm flipH="1">
-            <a:off x="9929804" y="4994998"/>
-            <a:ext cx="458074" cy="653811"/>
+            <a:off x="4482854" y="4994998"/>
+            <a:ext cx="5905024" cy="653811"/>
           </a:xfrm>
           <a:prstGeom prst="straightConnector1">
             <a:avLst/>
@@ -43342,14 +43285,14 @@
           <p:cNvCxnSpPr>
             <a:cxnSpLocks/>
             <a:stCxn id="20" idx="2"/>
-            <a:endCxn id="24" idx="0"/>
+            <a:endCxn id="22" idx="0"/>
           </p:cNvCxnSpPr>
           <p:nvPr/>
         </p:nvCxnSpPr>
         <p:spPr>
-          <a:xfrm>
-            <a:off x="7315754" y="4994998"/>
-            <a:ext cx="2614050" cy="653811"/>
+          <a:xfrm flipH="1">
+            <a:off x="4482854" y="4994998"/>
+            <a:ext cx="2832900" cy="653811"/>
           </a:xfrm>
           <a:prstGeom prst="straightConnector1">
             <a:avLst/>
